--- a/第二个项目.pptx
+++ b/第二个项目.pptx
@@ -24,33 +24,37 @@
     <p:sldId id="278" r:id="rId18"/>
     <p:sldId id="279" r:id="rId19"/>
     <p:sldId id="280" r:id="rId20"/>
-    <p:sldId id="281" r:id="rId21"/>
-    <p:sldId id="282" r:id="rId22"/>
-    <p:sldId id="284" r:id="rId23"/>
-    <p:sldId id="285" r:id="rId24"/>
-    <p:sldId id="286" r:id="rId25"/>
-    <p:sldId id="287" r:id="rId26"/>
-    <p:sldId id="290" r:id="rId27"/>
-    <p:sldId id="289" r:id="rId28"/>
-    <p:sldId id="288" r:id="rId29"/>
-    <p:sldId id="291" r:id="rId30"/>
-    <p:sldId id="292" r:id="rId31"/>
-    <p:sldId id="293" r:id="rId32"/>
-    <p:sldId id="294" r:id="rId33"/>
-    <p:sldId id="295" r:id="rId34"/>
-    <p:sldId id="296" r:id="rId35"/>
-    <p:sldId id="297" r:id="rId36"/>
-    <p:sldId id="298" r:id="rId37"/>
-    <p:sldId id="299" r:id="rId38"/>
-    <p:sldId id="300" r:id="rId39"/>
-    <p:sldId id="301" r:id="rId40"/>
-    <p:sldId id="302" r:id="rId41"/>
-    <p:sldId id="303" r:id="rId42"/>
-    <p:sldId id="258" r:id="rId43"/>
-    <p:sldId id="261" r:id="rId44"/>
-    <p:sldId id="259" r:id="rId45"/>
-    <p:sldId id="260" r:id="rId46"/>
-    <p:sldId id="262" r:id="rId47"/>
+    <p:sldId id="308" r:id="rId21"/>
+    <p:sldId id="281" r:id="rId22"/>
+    <p:sldId id="309" r:id="rId23"/>
+    <p:sldId id="304" r:id="rId24"/>
+    <p:sldId id="282" r:id="rId25"/>
+    <p:sldId id="307" r:id="rId26"/>
+    <p:sldId id="284" r:id="rId27"/>
+    <p:sldId id="285" r:id="rId28"/>
+    <p:sldId id="286" r:id="rId29"/>
+    <p:sldId id="287" r:id="rId30"/>
+    <p:sldId id="290" r:id="rId31"/>
+    <p:sldId id="289" r:id="rId32"/>
+    <p:sldId id="288" r:id="rId33"/>
+    <p:sldId id="291" r:id="rId34"/>
+    <p:sldId id="292" r:id="rId35"/>
+    <p:sldId id="293" r:id="rId36"/>
+    <p:sldId id="294" r:id="rId37"/>
+    <p:sldId id="295" r:id="rId38"/>
+    <p:sldId id="296" r:id="rId39"/>
+    <p:sldId id="297" r:id="rId40"/>
+    <p:sldId id="298" r:id="rId41"/>
+    <p:sldId id="299" r:id="rId42"/>
+    <p:sldId id="300" r:id="rId43"/>
+    <p:sldId id="301" r:id="rId44"/>
+    <p:sldId id="302" r:id="rId45"/>
+    <p:sldId id="303" r:id="rId46"/>
+    <p:sldId id="258" r:id="rId47"/>
+    <p:sldId id="261" r:id="rId48"/>
+    <p:sldId id="259" r:id="rId49"/>
+    <p:sldId id="260" r:id="rId50"/>
+    <p:sldId id="262" r:id="rId51"/>
   </p:sldIdLst>
   <p:sldSz cx="12192000" cy="6858000"/>
   <p:notesSz cx="6858000" cy="9144000"/>
@@ -157,6 +161,18 @@
 </p:presentation>
 </file>
 
+<file path=ppt/commentAuthors.xml><?xml version="1.0" encoding="utf-8"?>
+<p:cmAuthorLst xmlns:a="http://schemas.openxmlformats.org/drawingml/2006/main" xmlns:r="http://schemas.openxmlformats.org/officeDocument/2006/relationships" xmlns:p="http://schemas.openxmlformats.org/presentationml/2006/main">
+  <p:cmAuthor id="1" name="园 田" initials="园田" lastIdx="1" clrIdx="0">
+    <p:extLst>
+      <p:ext uri="{19B8F6BF-5375-455C-9EA6-DF929625EA0E}">
+        <p15:presenceInfo xmlns:p15="http://schemas.microsoft.com/office/powerpoint/2012/main" userId="da723e9937cd2120" providerId="Windows Live"/>
+      </p:ext>
+    </p:extLst>
+  </p:cmAuthor>
+</p:cmAuthorLst>
+</file>
+
 <file path=ppt/slideLayouts/slideLayout1.xml><?xml version="1.0" encoding="utf-8"?>
 <p:sldLayout xmlns:a="http://schemas.openxmlformats.org/drawingml/2006/main" xmlns:r="http://schemas.openxmlformats.org/officeDocument/2006/relationships" xmlns:p="http://schemas.openxmlformats.org/presentationml/2006/main" type="title" preserve="1">
   <p:cSld name="标题幻灯片">
@@ -304,7 +320,7 @@
           <a:p>
             <a:fld id="{D4F4EAC7-CCFE-464E-A520-3B5D59084DC6}" type="datetimeFigureOut">
               <a:rPr lang="zh-CN" altLang="en-US" smtClean="0"/>
-              <a:t>2025/9/10</a:t>
+              <a:t>2025/9/14</a:t>
             </a:fld>
             <a:endParaRPr lang="zh-CN" altLang="en-US"/>
           </a:p>
@@ -502,7 +518,7 @@
           <a:p>
             <a:fld id="{D4F4EAC7-CCFE-464E-A520-3B5D59084DC6}" type="datetimeFigureOut">
               <a:rPr lang="zh-CN" altLang="en-US" smtClean="0"/>
-              <a:t>2025/9/10</a:t>
+              <a:t>2025/9/14</a:t>
             </a:fld>
             <a:endParaRPr lang="zh-CN" altLang="en-US"/>
           </a:p>
@@ -710,7 +726,7 @@
           <a:p>
             <a:fld id="{D4F4EAC7-CCFE-464E-A520-3B5D59084DC6}" type="datetimeFigureOut">
               <a:rPr lang="zh-CN" altLang="en-US" smtClean="0"/>
-              <a:t>2025/9/10</a:t>
+              <a:t>2025/9/14</a:t>
             </a:fld>
             <a:endParaRPr lang="zh-CN" altLang="en-US"/>
           </a:p>
@@ -908,7 +924,7 @@
           <a:p>
             <a:fld id="{D4F4EAC7-CCFE-464E-A520-3B5D59084DC6}" type="datetimeFigureOut">
               <a:rPr lang="zh-CN" altLang="en-US" smtClean="0"/>
-              <a:t>2025/9/10</a:t>
+              <a:t>2025/9/14</a:t>
             </a:fld>
             <a:endParaRPr lang="zh-CN" altLang="en-US"/>
           </a:p>
@@ -1183,7 +1199,7 @@
           <a:p>
             <a:fld id="{D4F4EAC7-CCFE-464E-A520-3B5D59084DC6}" type="datetimeFigureOut">
               <a:rPr lang="zh-CN" altLang="en-US" smtClean="0"/>
-              <a:t>2025/9/10</a:t>
+              <a:t>2025/9/14</a:t>
             </a:fld>
             <a:endParaRPr lang="zh-CN" altLang="en-US"/>
           </a:p>
@@ -1448,7 +1464,7 @@
           <a:p>
             <a:fld id="{D4F4EAC7-CCFE-464E-A520-3B5D59084DC6}" type="datetimeFigureOut">
               <a:rPr lang="zh-CN" altLang="en-US" smtClean="0"/>
-              <a:t>2025/9/10</a:t>
+              <a:t>2025/9/14</a:t>
             </a:fld>
             <a:endParaRPr lang="zh-CN" altLang="en-US"/>
           </a:p>
@@ -1860,7 +1876,7 @@
           <a:p>
             <a:fld id="{D4F4EAC7-CCFE-464E-A520-3B5D59084DC6}" type="datetimeFigureOut">
               <a:rPr lang="zh-CN" altLang="en-US" smtClean="0"/>
-              <a:t>2025/9/10</a:t>
+              <a:t>2025/9/14</a:t>
             </a:fld>
             <a:endParaRPr lang="zh-CN" altLang="en-US"/>
           </a:p>
@@ -2001,7 +2017,7 @@
           <a:p>
             <a:fld id="{D4F4EAC7-CCFE-464E-A520-3B5D59084DC6}" type="datetimeFigureOut">
               <a:rPr lang="zh-CN" altLang="en-US" smtClean="0"/>
-              <a:t>2025/9/10</a:t>
+              <a:t>2025/9/14</a:t>
             </a:fld>
             <a:endParaRPr lang="zh-CN" altLang="en-US"/>
           </a:p>
@@ -2114,7 +2130,7 @@
           <a:p>
             <a:fld id="{D4F4EAC7-CCFE-464E-A520-3B5D59084DC6}" type="datetimeFigureOut">
               <a:rPr lang="zh-CN" altLang="en-US" smtClean="0"/>
-              <a:t>2025/9/10</a:t>
+              <a:t>2025/9/14</a:t>
             </a:fld>
             <a:endParaRPr lang="zh-CN" altLang="en-US"/>
           </a:p>
@@ -2425,7 +2441,7 @@
           <a:p>
             <a:fld id="{D4F4EAC7-CCFE-464E-A520-3B5D59084DC6}" type="datetimeFigureOut">
               <a:rPr lang="zh-CN" altLang="en-US" smtClean="0"/>
-              <a:t>2025/9/10</a:t>
+              <a:t>2025/9/14</a:t>
             </a:fld>
             <a:endParaRPr lang="zh-CN" altLang="en-US"/>
           </a:p>
@@ -2713,7 +2729,7 @@
           <a:p>
             <a:fld id="{D4F4EAC7-CCFE-464E-A520-3B5D59084DC6}" type="datetimeFigureOut">
               <a:rPr lang="zh-CN" altLang="en-US" smtClean="0"/>
-              <a:t>2025/9/10</a:t>
+              <a:t>2025/9/14</a:t>
             </a:fld>
             <a:endParaRPr lang="zh-CN" altLang="en-US"/>
           </a:p>
@@ -2954,7 +2970,7 @@
           <a:p>
             <a:fld id="{D4F4EAC7-CCFE-464E-A520-3B5D59084DC6}" type="datetimeFigureOut">
               <a:rPr lang="zh-CN" altLang="en-US" smtClean="0"/>
-              <a:t>2025/9/10</a:t>
+              <a:t>2025/9/14</a:t>
             </a:fld>
             <a:endParaRPr lang="zh-CN" altLang="en-US"/>
           </a:p>
@@ -9000,6 +9016,307 @@
         <p:cNvPr id="1" name="">
           <a:extLst>
             <a:ext uri="{FF2B5EF4-FFF2-40B4-BE49-F238E27FC236}">
+              <a16:creationId xmlns:a16="http://schemas.microsoft.com/office/drawing/2014/main" id="{8B5465B7-072B-19F6-D40C-E50CE3B50483}"/>
+            </a:ext>
+          </a:extLst>
+        </p:cNvPr>
+        <p:cNvGrpSpPr/>
+        <p:nvPr/>
+      </p:nvGrpSpPr>
+      <p:grpSpPr>
+        <a:xfrm>
+          <a:off x="0" y="0"/>
+          <a:ext cx="0" cy="0"/>
+          <a:chOff x="0" y="0"/>
+          <a:chExt cx="0" cy="0"/>
+        </a:xfrm>
+      </p:grpSpPr>
+      <p:sp>
+        <p:nvSpPr>
+          <p:cNvPr id="2" name="标题 1">
+            <a:extLst>
+              <a:ext uri="{FF2B5EF4-FFF2-40B4-BE49-F238E27FC236}">
+                <a16:creationId xmlns:a16="http://schemas.microsoft.com/office/drawing/2014/main" id="{AB1AE077-6023-9C90-6E25-1D7124BA612F}"/>
+              </a:ext>
+            </a:extLst>
+          </p:cNvPr>
+          <p:cNvSpPr>
+            <a:spLocks noGrp="1"/>
+          </p:cNvSpPr>
+          <p:nvPr>
+            <p:ph type="title"/>
+          </p:nvPr>
+        </p:nvSpPr>
+        <p:spPr>
+          <a:xfrm>
+            <a:off x="0" y="0"/>
+            <a:ext cx="12192000" cy="1310639"/>
+          </a:xfrm>
+        </p:spPr>
+        <p:txBody>
+          <a:bodyPr>
+            <a:normAutofit/>
+          </a:bodyPr>
+          <a:lstStyle/>
+          <a:p>
+            <a:r>
+              <a:rPr lang="zh-CN" altLang="en-US" sz="4800" dirty="0">
+                <a:latin typeface="宋体" panose="02010600030101010101" pitchFamily="2" charset="-122"/>
+                <a:ea typeface="宋体" panose="02010600030101010101" pitchFamily="2" charset="-122"/>
+              </a:rPr>
+              <a:t>登录</a:t>
+            </a:r>
+            <a:r>
+              <a:rPr lang="en-US" altLang="zh-CN" sz="4800" dirty="0">
+                <a:latin typeface="宋体" panose="02010600030101010101" pitchFamily="2" charset="-122"/>
+                <a:ea typeface="宋体" panose="02010600030101010101" pitchFamily="2" charset="-122"/>
+              </a:rPr>
+              <a:t>/login</a:t>
+            </a:r>
+            <a:r>
+              <a:rPr lang="zh-CN" altLang="en-US" sz="4800" dirty="0">
+                <a:latin typeface="宋体" panose="02010600030101010101" pitchFamily="2" charset="-122"/>
+                <a:ea typeface="宋体" panose="02010600030101010101" pitchFamily="2" charset="-122"/>
+              </a:rPr>
+              <a:t>界面</a:t>
+            </a:r>
+            <a:r>
+              <a:rPr lang="en-US" altLang="zh-CN" sz="4800" dirty="0">
+                <a:latin typeface="宋体" panose="02010600030101010101" pitchFamily="2" charset="-122"/>
+                <a:ea typeface="宋体" panose="02010600030101010101" pitchFamily="2" charset="-122"/>
+              </a:rPr>
+              <a:t>—</a:t>
+            </a:r>
+            <a:r>
+              <a:rPr lang="zh-CN" altLang="en-US" sz="4800" dirty="0">
+                <a:latin typeface="宋体" panose="02010600030101010101" pitchFamily="2" charset="-122"/>
+                <a:ea typeface="宋体" panose="02010600030101010101" pitchFamily="2" charset="-122"/>
+              </a:rPr>
+              <a:t>打开聊天框函数，</a:t>
+            </a:r>
+            <a:r>
+              <a:rPr lang="en-US" altLang="zh-CN" sz="4800" dirty="0">
+                <a:latin typeface="宋体" panose="02010600030101010101" pitchFamily="2" charset="-122"/>
+                <a:ea typeface="宋体" panose="02010600030101010101" pitchFamily="2" charset="-122"/>
+              </a:rPr>
+              <a:t>SHA</a:t>
+            </a:r>
+            <a:endParaRPr lang="zh-CN" altLang="en-US" sz="4800" dirty="0">
+              <a:latin typeface="宋体" panose="02010600030101010101" pitchFamily="2" charset="-122"/>
+              <a:ea typeface="宋体" panose="02010600030101010101" pitchFamily="2" charset="-122"/>
+            </a:endParaRPr>
+          </a:p>
+        </p:txBody>
+      </p:sp>
+      <p:sp>
+        <p:nvSpPr>
+          <p:cNvPr id="3" name="内容占位符 2">
+            <a:extLst>
+              <a:ext uri="{FF2B5EF4-FFF2-40B4-BE49-F238E27FC236}">
+                <a16:creationId xmlns:a16="http://schemas.microsoft.com/office/drawing/2014/main" id="{09814AE2-31A5-6349-6DB4-3B185A7B26C7}"/>
+              </a:ext>
+            </a:extLst>
+          </p:cNvPr>
+          <p:cNvSpPr>
+            <a:spLocks noGrp="1"/>
+          </p:cNvSpPr>
+          <p:nvPr>
+            <p:ph idx="1"/>
+          </p:nvPr>
+        </p:nvSpPr>
+        <p:spPr>
+          <a:xfrm>
+            <a:off x="0" y="1310639"/>
+            <a:ext cx="12192000" cy="5547360"/>
+          </a:xfrm>
+        </p:spPr>
+        <p:txBody>
+          <a:bodyPr>
+            <a:normAutofit/>
+          </a:bodyPr>
+          <a:lstStyle/>
+          <a:p>
+            <a:r>
+              <a:rPr lang="en-US" altLang="zh-CN" sz="2900" dirty="0">
+                <a:latin typeface="宋体" panose="02010600030101010101" pitchFamily="2" charset="-122"/>
+                <a:ea typeface="宋体" panose="02010600030101010101" pitchFamily="2" charset="-122"/>
+              </a:rPr>
+              <a:t>SHA256 hash</a:t>
+            </a:r>
+            <a:r>
+              <a:rPr lang="zh-CN" altLang="en-US" sz="2900" dirty="0">
+                <a:latin typeface="宋体" panose="02010600030101010101" pitchFamily="2" charset="-122"/>
+                <a:ea typeface="宋体" panose="02010600030101010101" pitchFamily="2" charset="-122"/>
+              </a:rPr>
+              <a:t>，又称</a:t>
+            </a:r>
+            <a:r>
+              <a:rPr lang="en-US" altLang="zh-CN" sz="2900" dirty="0">
+                <a:latin typeface="宋体" panose="02010600030101010101" pitchFamily="2" charset="-122"/>
+                <a:ea typeface="宋体" panose="02010600030101010101" pitchFamily="2" charset="-122"/>
+              </a:rPr>
+              <a:t>256</a:t>
+            </a:r>
+            <a:r>
+              <a:rPr lang="zh-CN" altLang="en-US" sz="2900" dirty="0">
+                <a:latin typeface="宋体" panose="02010600030101010101" pitchFamily="2" charset="-122"/>
+                <a:ea typeface="宋体" panose="02010600030101010101" pitchFamily="2" charset="-122"/>
+              </a:rPr>
+              <a:t>位加密哈希算法，是密码学哈希函数家族</a:t>
+            </a:r>
+            <a:r>
+              <a:rPr lang="en-US" altLang="zh-CN" sz="2900" dirty="0">
+                <a:latin typeface="宋体" panose="02010600030101010101" pitchFamily="2" charset="-122"/>
+                <a:ea typeface="宋体" panose="02010600030101010101" pitchFamily="2" charset="-122"/>
+              </a:rPr>
+              <a:t>SHA-2(Secure Hash Algorithm)</a:t>
+            </a:r>
+            <a:r>
+              <a:rPr lang="zh-CN" altLang="en-US" sz="2900" dirty="0">
+                <a:latin typeface="宋体" panose="02010600030101010101" pitchFamily="2" charset="-122"/>
+                <a:ea typeface="宋体" panose="02010600030101010101" pitchFamily="2" charset="-122"/>
+              </a:rPr>
+              <a:t>中的一员，</a:t>
+            </a:r>
+            <a:r>
+              <a:rPr lang="zh-CN" altLang="en-US" dirty="0">
+                <a:latin typeface="宋体" panose="02010600030101010101" pitchFamily="2" charset="-122"/>
+                <a:ea typeface="宋体" panose="02010600030101010101" pitchFamily="2" charset="-122"/>
+              </a:rPr>
+              <a:t>由美国国家安全局 </a:t>
+            </a:r>
+            <a:r>
+              <a:rPr lang="en-US" altLang="zh-CN" dirty="0">
+                <a:latin typeface="宋体" panose="02010600030101010101" pitchFamily="2" charset="-122"/>
+                <a:ea typeface="宋体" panose="02010600030101010101" pitchFamily="2" charset="-122"/>
+              </a:rPr>
+              <a:t>(NSA) </a:t>
+            </a:r>
+            <a:r>
+              <a:rPr lang="zh-CN" altLang="en-US" dirty="0">
+                <a:latin typeface="宋体" panose="02010600030101010101" pitchFamily="2" charset="-122"/>
+                <a:ea typeface="宋体" panose="02010600030101010101" pitchFamily="2" charset="-122"/>
+              </a:rPr>
+              <a:t>设计并由美国国家标准与技术研究院 </a:t>
+            </a:r>
+            <a:r>
+              <a:rPr lang="en-US" altLang="zh-CN" dirty="0">
+                <a:latin typeface="宋体" panose="02010600030101010101" pitchFamily="2" charset="-122"/>
+                <a:ea typeface="宋体" panose="02010600030101010101" pitchFamily="2" charset="-122"/>
+              </a:rPr>
+              <a:t>(NIST) </a:t>
+            </a:r>
+            <a:r>
+              <a:rPr lang="zh-CN" altLang="en-US" dirty="0">
+                <a:latin typeface="宋体" panose="02010600030101010101" pitchFamily="2" charset="-122"/>
+                <a:ea typeface="宋体" panose="02010600030101010101" pitchFamily="2" charset="-122"/>
+              </a:rPr>
+              <a:t>在 </a:t>
+            </a:r>
+            <a:r>
+              <a:rPr lang="en-US" altLang="zh-CN" dirty="0">
+                <a:latin typeface="宋体" panose="02010600030101010101" pitchFamily="2" charset="-122"/>
+                <a:ea typeface="宋体" panose="02010600030101010101" pitchFamily="2" charset="-122"/>
+              </a:rPr>
+              <a:t>2001 </a:t>
+            </a:r>
+            <a:r>
+              <a:rPr lang="zh-CN" altLang="en-US" dirty="0">
+                <a:latin typeface="宋体" panose="02010600030101010101" pitchFamily="2" charset="-122"/>
+                <a:ea typeface="宋体" panose="02010600030101010101" pitchFamily="2" charset="-122"/>
+              </a:rPr>
+              <a:t>年发布。它是当今最广泛使用的哈希算法之一，尤其在数据完整性验证、数字签名和密码存储等安全应用中。</a:t>
+            </a:r>
+            <a:endParaRPr lang="en-US" altLang="zh-CN" dirty="0">
+              <a:latin typeface="宋体" panose="02010600030101010101" pitchFamily="2" charset="-122"/>
+              <a:ea typeface="宋体" panose="02010600030101010101" pitchFamily="2" charset="-122"/>
+            </a:endParaRPr>
+          </a:p>
+          <a:p>
+            <a:r>
+              <a:rPr lang="zh-CN" altLang="en-US" sz="2900" dirty="0">
+                <a:latin typeface="宋体" panose="02010600030101010101" pitchFamily="2" charset="-122"/>
+                <a:ea typeface="宋体" panose="02010600030101010101" pitchFamily="2" charset="-122"/>
+              </a:rPr>
+              <a:t>其实在</a:t>
+            </a:r>
+            <a:r>
+              <a:rPr lang="zh-CN" altLang="en-US" dirty="0">
+                <a:latin typeface="宋体" panose="02010600030101010101" pitchFamily="2" charset="-122"/>
+                <a:ea typeface="宋体" panose="02010600030101010101" pitchFamily="2" charset="-122"/>
+              </a:rPr>
+              <a:t>现实中开发聊天软件时，有的软件公司会使用</a:t>
+            </a:r>
+            <a:r>
+              <a:rPr lang="en-US" altLang="zh-CN" dirty="0">
+                <a:latin typeface="宋体" panose="02010600030101010101" pitchFamily="2" charset="-122"/>
+                <a:ea typeface="宋体" panose="02010600030101010101" pitchFamily="2" charset="-122"/>
+              </a:rPr>
+              <a:t>SHA256 hash</a:t>
+            </a:r>
+            <a:r>
+              <a:rPr lang="zh-CN" altLang="en-US" dirty="0">
+                <a:latin typeface="宋体" panose="02010600030101010101" pitchFamily="2" charset="-122"/>
+                <a:ea typeface="宋体" panose="02010600030101010101" pitchFamily="2" charset="-122"/>
+              </a:rPr>
+              <a:t>加密法来对用户设置的密码进行加密。对用户的</a:t>
+            </a:r>
+            <a:r>
+              <a:rPr lang="en-US" altLang="zh-CN" dirty="0">
+                <a:latin typeface="宋体" panose="02010600030101010101" pitchFamily="2" charset="-122"/>
+                <a:ea typeface="宋体" panose="02010600030101010101" pitchFamily="2" charset="-122"/>
+              </a:rPr>
+              <a:t>mm</a:t>
+            </a:r>
+            <a:r>
+              <a:rPr lang="zh-CN" altLang="en-US" dirty="0">
+                <a:latin typeface="宋体" panose="02010600030101010101" pitchFamily="2" charset="-122"/>
+                <a:ea typeface="宋体" panose="02010600030101010101" pitchFamily="2" charset="-122"/>
+              </a:rPr>
+              <a:t>进行加密，也并不是将设置的密码永远封存，这确实也做不到，有时用户需要修改密码的时候，还需要将原先的密码删除掉，再把新的密码加密重新进行保存，因此加密不是永久性行为，而是一种保护性行为。除了黑客用大量的</a:t>
+            </a:r>
+            <a:r>
+              <a:rPr lang="en-US" altLang="zh-CN" dirty="0">
+                <a:latin typeface="宋体" panose="02010600030101010101" pitchFamily="2" charset="-122"/>
+                <a:ea typeface="宋体" panose="02010600030101010101" pitchFamily="2" charset="-122"/>
+              </a:rPr>
+              <a:t>zombie PC</a:t>
+            </a:r>
+            <a:r>
+              <a:rPr lang="zh-CN" altLang="en-US" dirty="0">
+                <a:latin typeface="宋体" panose="02010600030101010101" pitchFamily="2" charset="-122"/>
+                <a:ea typeface="宋体" panose="02010600030101010101" pitchFamily="2" charset="-122"/>
+              </a:rPr>
+              <a:t>对软件公司进行强制性攻破以外，普通人无法破解密码，这也是该加密法的特点之一，就是一旦设置，就是不许修改，一般情况下，这种情况出现在用户许久没有登陆忘记了密码，此时就需要用户重新设置新的密码。</a:t>
+            </a:r>
+            <a:endParaRPr lang="en-US" altLang="zh-CN" dirty="0">
+              <a:latin typeface="宋体" panose="02010600030101010101" pitchFamily="2" charset="-122"/>
+              <a:ea typeface="宋体" panose="02010600030101010101" pitchFamily="2" charset="-122"/>
+            </a:endParaRPr>
+          </a:p>
+        </p:txBody>
+      </p:sp>
+    </p:spTree>
+    <p:extLst>
+      <p:ext uri="{BB962C8B-B14F-4D97-AF65-F5344CB8AC3E}">
+        <p14:creationId xmlns:p14="http://schemas.microsoft.com/office/powerpoint/2010/main" val="57135658"/>
+      </p:ext>
+    </p:extLst>
+  </p:cSld>
+  <p:clrMapOvr>
+    <a:masterClrMapping/>
+  </p:clrMapOvr>
+</p:sld>
+</file>
+
+<file path=ppt/slides/slide21.xml><?xml version="1.0" encoding="utf-8"?>
+<p:sld xmlns:a="http://schemas.openxmlformats.org/drawingml/2006/main" xmlns:r="http://schemas.openxmlformats.org/officeDocument/2006/relationships" xmlns:p="http://schemas.openxmlformats.org/presentationml/2006/main">
+  <p:cSld>
+    <p:spTree>
+      <p:nvGrpSpPr>
+        <p:cNvPr id="1" name="">
+          <a:extLst>
+            <a:ext uri="{FF2B5EF4-FFF2-40B4-BE49-F238E27FC236}">
               <a16:creationId xmlns:a16="http://schemas.microsoft.com/office/drawing/2014/main" id="{A2AA8E0D-5DD8-F6D3-0E93-B3CA61D34009}"/>
             </a:ext>
           </a:extLst>
@@ -9076,8 +9393,19 @@
                 <a:latin typeface="宋体" panose="02010600030101010101" pitchFamily="2" charset="-122"/>
                 <a:ea typeface="宋体" panose="02010600030101010101" pitchFamily="2" charset="-122"/>
               </a:rPr>
-              <a:t>打开聊天框函数</a:t>
-            </a:r>
+              <a:t>打开聊天框函数，</a:t>
+            </a:r>
+            <a:r>
+              <a:rPr lang="en-US" altLang="zh-CN" sz="4800" dirty="0">
+                <a:latin typeface="宋体" panose="02010600030101010101" pitchFamily="2" charset="-122"/>
+                <a:ea typeface="宋体" panose="02010600030101010101" pitchFamily="2" charset="-122"/>
+              </a:rPr>
+              <a:t>SHA</a:t>
+            </a:r>
+            <a:endParaRPr lang="zh-CN" altLang="en-US" sz="4800" dirty="0">
+              <a:latin typeface="宋体" panose="02010600030101010101" pitchFamily="2" charset="-122"/>
+              <a:ea typeface="宋体" panose="02010600030101010101" pitchFamily="2" charset="-122"/>
+            </a:endParaRPr>
           </a:p>
         </p:txBody>
       </p:sp>
@@ -9110,53 +9438,158 @@
           <a:lstStyle/>
           <a:p>
             <a:r>
+              <a:rPr lang="en-US" altLang="zh-CN" sz="2900" dirty="0">
+                <a:latin typeface="宋体" panose="02010600030101010101" pitchFamily="2" charset="-122"/>
+                <a:ea typeface="宋体" panose="02010600030101010101" pitchFamily="2" charset="-122"/>
+              </a:rPr>
+              <a:t>SHA</a:t>
+            </a:r>
+            <a:r>
               <a:rPr lang="zh-CN" altLang="en-US" sz="2900" dirty="0">
                 <a:latin typeface="宋体" panose="02010600030101010101" pitchFamily="2" charset="-122"/>
                 <a:ea typeface="宋体" panose="02010600030101010101" pitchFamily="2" charset="-122"/>
               </a:rPr>
-              <a:t>引入</a:t>
-            </a:r>
-            <a:r>
-              <a:rPr lang="en-US" altLang="zh-CN" sz="2900" dirty="0" err="1">
-                <a:latin typeface="宋体" panose="02010600030101010101" pitchFamily="2" charset="-122"/>
-                <a:ea typeface="宋体" panose="02010600030101010101" pitchFamily="2" charset="-122"/>
-              </a:rPr>
-              <a:t>hashlib</a:t>
+              <a:t>函数家族还有许多其他加密方法，</a:t>
+            </a:r>
+            <a:r>
+              <a:rPr lang="en-US" altLang="zh-CN" sz="2900" dirty="0">
+                <a:latin typeface="宋体" panose="02010600030101010101" pitchFamily="2" charset="-122"/>
+                <a:ea typeface="宋体" panose="02010600030101010101" pitchFamily="2" charset="-122"/>
+              </a:rPr>
+              <a:t>SHA</a:t>
             </a:r>
             <a:r>
               <a:rPr lang="zh-CN" altLang="en-US" sz="2900" dirty="0">
                 <a:latin typeface="宋体" panose="02010600030101010101" pitchFamily="2" charset="-122"/>
                 <a:ea typeface="宋体" panose="02010600030101010101" pitchFamily="2" charset="-122"/>
               </a:rPr>
-              <a:t>包，</a:t>
-            </a:r>
-            <a:r>
-              <a:rPr lang="en-US" altLang="zh-CN" sz="2900" dirty="0" err="1">
-                <a:latin typeface="宋体" panose="02010600030101010101" pitchFamily="2" charset="-122"/>
-                <a:ea typeface="宋体" panose="02010600030101010101" pitchFamily="2" charset="-122"/>
-              </a:rPr>
-              <a:t>hashlib</a:t>
+              <a:t>家族也经历了三个阶段，第一阶段为</a:t>
+            </a:r>
+            <a:r>
+              <a:rPr lang="en-US" altLang="zh-CN" sz="2900" dirty="0">
+                <a:latin typeface="宋体" panose="02010600030101010101" pitchFamily="2" charset="-122"/>
+                <a:ea typeface="宋体" panose="02010600030101010101" pitchFamily="2" charset="-122"/>
+              </a:rPr>
+              <a:t>SHA-0</a:t>
             </a:r>
             <a:r>
               <a:rPr lang="zh-CN" altLang="en-US" sz="2900" dirty="0">
                 <a:latin typeface="宋体" panose="02010600030101010101" pitchFamily="2" charset="-122"/>
                 <a:ea typeface="宋体" panose="02010600030101010101" pitchFamily="2" charset="-122"/>
               </a:rPr>
-              <a:t>支持</a:t>
+              <a:t>和</a:t>
             </a:r>
             <a:r>
               <a:rPr lang="en-US" altLang="zh-CN" sz="2900" dirty="0">
                 <a:latin typeface="宋体" panose="02010600030101010101" pitchFamily="2" charset="-122"/>
                 <a:ea typeface="宋体" panose="02010600030101010101" pitchFamily="2" charset="-122"/>
               </a:rPr>
-              <a:t>SHA256hash</a:t>
+              <a:t>SHA-1</a:t>
             </a:r>
             <a:r>
               <a:rPr lang="zh-CN" altLang="en-US" sz="2900" dirty="0">
                 <a:latin typeface="宋体" panose="02010600030101010101" pitchFamily="2" charset="-122"/>
                 <a:ea typeface="宋体" panose="02010600030101010101" pitchFamily="2" charset="-122"/>
               </a:rPr>
-              <a:t>算法来对数据进行加密。</a:t>
+              <a:t>，这两个版本已被攻破不再安全。</a:t>
+            </a:r>
+            <a:r>
+              <a:rPr lang="en-US" altLang="zh-CN" sz="2900" dirty="0">
+                <a:latin typeface="宋体" panose="02010600030101010101" pitchFamily="2" charset="-122"/>
+                <a:ea typeface="宋体" panose="02010600030101010101" pitchFamily="2" charset="-122"/>
+              </a:rPr>
+              <a:t>SHA-2</a:t>
+            </a:r>
+            <a:r>
+              <a:rPr lang="zh-CN" altLang="en-US" sz="2900" dirty="0">
+                <a:latin typeface="宋体" panose="02010600030101010101" pitchFamily="2" charset="-122"/>
+                <a:ea typeface="宋体" panose="02010600030101010101" pitchFamily="2" charset="-122"/>
+              </a:rPr>
+              <a:t>家族包含以下常见函数，</a:t>
+            </a:r>
+            <a:r>
+              <a:rPr lang="en-US" altLang="zh-CN" sz="2900" dirty="0">
+                <a:latin typeface="宋体" panose="02010600030101010101" pitchFamily="2" charset="-122"/>
+                <a:ea typeface="宋体" panose="02010600030101010101" pitchFamily="2" charset="-122"/>
+              </a:rPr>
+              <a:t>SHA-224</a:t>
+            </a:r>
+            <a:r>
+              <a:rPr lang="zh-CN" altLang="en-US" sz="2900" dirty="0">
+                <a:latin typeface="宋体" panose="02010600030101010101" pitchFamily="2" charset="-122"/>
+                <a:ea typeface="宋体" panose="02010600030101010101" pitchFamily="2" charset="-122"/>
+              </a:rPr>
+              <a:t>、</a:t>
+            </a:r>
+            <a:r>
+              <a:rPr lang="en-US" altLang="zh-CN" sz="2900" dirty="0">
+                <a:latin typeface="宋体" panose="02010600030101010101" pitchFamily="2" charset="-122"/>
+                <a:ea typeface="宋体" panose="02010600030101010101" pitchFamily="2" charset="-122"/>
+              </a:rPr>
+              <a:t>SHA-256</a:t>
+            </a:r>
+            <a:r>
+              <a:rPr lang="zh-CN" altLang="en-US" sz="2900" dirty="0">
+                <a:latin typeface="宋体" panose="02010600030101010101" pitchFamily="2" charset="-122"/>
+                <a:ea typeface="宋体" panose="02010600030101010101" pitchFamily="2" charset="-122"/>
+              </a:rPr>
+              <a:t>、</a:t>
+            </a:r>
+            <a:r>
+              <a:rPr lang="en-US" altLang="zh-CN" sz="2900" dirty="0">
+                <a:latin typeface="宋体" panose="02010600030101010101" pitchFamily="2" charset="-122"/>
+                <a:ea typeface="宋体" panose="02010600030101010101" pitchFamily="2" charset="-122"/>
+              </a:rPr>
+              <a:t>SHA-512</a:t>
+            </a:r>
+            <a:r>
+              <a:rPr lang="zh-CN" altLang="en-US" sz="2900" dirty="0">
+                <a:latin typeface="宋体" panose="02010600030101010101" pitchFamily="2" charset="-122"/>
+                <a:ea typeface="宋体" panose="02010600030101010101" pitchFamily="2" charset="-122"/>
+              </a:rPr>
+              <a:t>、</a:t>
+            </a:r>
+            <a:r>
+              <a:rPr lang="en-US" altLang="zh-CN" sz="2900" dirty="0">
+                <a:latin typeface="宋体" panose="02010600030101010101" pitchFamily="2" charset="-122"/>
+                <a:ea typeface="宋体" panose="02010600030101010101" pitchFamily="2" charset="-122"/>
+              </a:rPr>
+              <a:t>SHA-284</a:t>
+            </a:r>
+            <a:r>
+              <a:rPr lang="zh-CN" altLang="en-US" sz="2900" dirty="0">
+                <a:latin typeface="宋体" panose="02010600030101010101" pitchFamily="2" charset="-122"/>
+                <a:ea typeface="宋体" panose="02010600030101010101" pitchFamily="2" charset="-122"/>
+              </a:rPr>
+              <a:t>等，其中</a:t>
+            </a:r>
+            <a:r>
+              <a:rPr lang="en-US" altLang="zh-CN" sz="2900" dirty="0">
+                <a:latin typeface="宋体" panose="02010600030101010101" pitchFamily="2" charset="-122"/>
+                <a:ea typeface="宋体" panose="02010600030101010101" pitchFamily="2" charset="-122"/>
+              </a:rPr>
+              <a:t>SHA-256</a:t>
+            </a:r>
+            <a:r>
+              <a:rPr lang="zh-CN" altLang="en-US" sz="2900" dirty="0">
+                <a:latin typeface="宋体" panose="02010600030101010101" pitchFamily="2" charset="-122"/>
+                <a:ea typeface="宋体" panose="02010600030101010101" pitchFamily="2" charset="-122"/>
+              </a:rPr>
+              <a:t>是最常用的版本，目前</a:t>
+            </a:r>
+            <a:r>
+              <a:rPr lang="en-US" altLang="zh-CN" sz="2900" dirty="0">
+                <a:latin typeface="宋体" panose="02010600030101010101" pitchFamily="2" charset="-122"/>
+                <a:ea typeface="宋体" panose="02010600030101010101" pitchFamily="2" charset="-122"/>
+              </a:rPr>
+              <a:t>SHA-2</a:t>
+            </a:r>
+            <a:r>
+              <a:rPr lang="zh-CN" altLang="en-US" sz="2900" dirty="0">
+                <a:latin typeface="宋体" panose="02010600030101010101" pitchFamily="2" charset="-122"/>
+                <a:ea typeface="宋体" panose="02010600030101010101" pitchFamily="2" charset="-122"/>
+              </a:rPr>
+              <a:t>家族是被认为安全的并切实行业的黄金标准。</a:t>
             </a:r>
             <a:endParaRPr lang="en-US" altLang="zh-CN" sz="2900" dirty="0">
               <a:latin typeface="宋体" panose="02010600030101010101" pitchFamily="2" charset="-122"/>
@@ -9169,14 +9602,126 @@
                 <a:latin typeface="宋体" panose="02010600030101010101" pitchFamily="2" charset="-122"/>
                 <a:ea typeface="宋体" panose="02010600030101010101" pitchFamily="2" charset="-122"/>
               </a:rPr>
-              <a:t>import </a:t>
-            </a:r>
-            <a:r>
-              <a:rPr lang="en-US" altLang="zh-CN" sz="2900" dirty="0" err="1">
-                <a:latin typeface="宋体" panose="02010600030101010101" pitchFamily="2" charset="-122"/>
-                <a:ea typeface="宋体" panose="02010600030101010101" pitchFamily="2" charset="-122"/>
-              </a:rPr>
-              <a:t>hashlib</a:t>
+              <a:t>SHA-3</a:t>
+            </a:r>
+            <a:r>
+              <a:rPr lang="zh-CN" altLang="en-US" sz="2900" dirty="0">
+                <a:latin typeface="宋体" panose="02010600030101010101" pitchFamily="2" charset="-122"/>
+                <a:ea typeface="宋体" panose="02010600030101010101" pitchFamily="2" charset="-122"/>
+              </a:rPr>
+              <a:t>是当前最新、最先进的安全散列标准，也包含不同输出长度的版本，</a:t>
+            </a:r>
+            <a:r>
+              <a:rPr lang="en-US" altLang="zh-CN" sz="2900" dirty="0">
+                <a:latin typeface="宋体" panose="02010600030101010101" pitchFamily="2" charset="-122"/>
+                <a:ea typeface="宋体" panose="02010600030101010101" pitchFamily="2" charset="-122"/>
+              </a:rPr>
+              <a:t>SHA-3</a:t>
+            </a:r>
+            <a:r>
+              <a:rPr lang="zh-CN" altLang="en-US" sz="2900" dirty="0">
+                <a:latin typeface="宋体" panose="02010600030101010101" pitchFamily="2" charset="-122"/>
+                <a:ea typeface="宋体" panose="02010600030101010101" pitchFamily="2" charset="-122"/>
+              </a:rPr>
+              <a:t>子类中包含</a:t>
+            </a:r>
+            <a:r>
+              <a:rPr lang="en-US" altLang="zh-CN" sz="2900" dirty="0">
+                <a:latin typeface="宋体" panose="02010600030101010101" pitchFamily="2" charset="-122"/>
+                <a:ea typeface="宋体" panose="02010600030101010101" pitchFamily="2" charset="-122"/>
+              </a:rPr>
+              <a:t>SHA3-224</a:t>
+            </a:r>
+            <a:r>
+              <a:rPr lang="zh-CN" altLang="en-US" sz="2900" dirty="0">
+                <a:latin typeface="宋体" panose="02010600030101010101" pitchFamily="2" charset="-122"/>
+                <a:ea typeface="宋体" panose="02010600030101010101" pitchFamily="2" charset="-122"/>
+              </a:rPr>
+              <a:t>、</a:t>
+            </a:r>
+            <a:r>
+              <a:rPr lang="en-US" altLang="zh-CN" sz="2900" dirty="0">
+                <a:latin typeface="宋体" panose="02010600030101010101" pitchFamily="2" charset="-122"/>
+                <a:ea typeface="宋体" panose="02010600030101010101" pitchFamily="2" charset="-122"/>
+              </a:rPr>
+              <a:t>SHA3-256</a:t>
+            </a:r>
+            <a:r>
+              <a:rPr lang="zh-CN" altLang="en-US" sz="2900" dirty="0">
+                <a:latin typeface="宋体" panose="02010600030101010101" pitchFamily="2" charset="-122"/>
+                <a:ea typeface="宋体" panose="02010600030101010101" pitchFamily="2" charset="-122"/>
+              </a:rPr>
+              <a:t>、</a:t>
+            </a:r>
+            <a:r>
+              <a:rPr lang="en-US" altLang="zh-CN" sz="2900" dirty="0">
+                <a:latin typeface="宋体" panose="02010600030101010101" pitchFamily="2" charset="-122"/>
+                <a:ea typeface="宋体" panose="02010600030101010101" pitchFamily="2" charset="-122"/>
+              </a:rPr>
+              <a:t>SHA3-384</a:t>
+            </a:r>
+            <a:r>
+              <a:rPr lang="zh-CN" altLang="en-US" sz="2900" dirty="0">
+                <a:latin typeface="宋体" panose="02010600030101010101" pitchFamily="2" charset="-122"/>
+                <a:ea typeface="宋体" panose="02010600030101010101" pitchFamily="2" charset="-122"/>
+              </a:rPr>
+              <a:t>和</a:t>
+            </a:r>
+            <a:r>
+              <a:rPr lang="en-US" altLang="zh-CN" sz="2900" dirty="0">
+                <a:latin typeface="宋体" panose="02010600030101010101" pitchFamily="2" charset="-122"/>
+                <a:ea typeface="宋体" panose="02010600030101010101" pitchFamily="2" charset="-122"/>
+              </a:rPr>
+              <a:t>SHA3-512.</a:t>
+            </a:r>
+            <a:r>
+              <a:rPr lang="zh-CN" altLang="en-US" sz="2900" dirty="0">
+                <a:latin typeface="宋体" panose="02010600030101010101" pitchFamily="2" charset="-122"/>
+                <a:ea typeface="宋体" panose="02010600030101010101" pitchFamily="2" charset="-122"/>
+              </a:rPr>
+              <a:t>虽然家族内的函数的应用速度不如</a:t>
+            </a:r>
+            <a:r>
+              <a:rPr lang="en-US" altLang="zh-CN" sz="2900" dirty="0">
+                <a:latin typeface="宋体" panose="02010600030101010101" pitchFamily="2" charset="-122"/>
+                <a:ea typeface="宋体" panose="02010600030101010101" pitchFamily="2" charset="-122"/>
+              </a:rPr>
+              <a:t>SHA-2</a:t>
+            </a:r>
+            <a:r>
+              <a:rPr lang="zh-CN" altLang="en-US" sz="2900" dirty="0">
+                <a:latin typeface="宋体" panose="02010600030101010101" pitchFamily="2" charset="-122"/>
+                <a:ea typeface="宋体" panose="02010600030101010101" pitchFamily="2" charset="-122"/>
+              </a:rPr>
+              <a:t>快，但也正在被越来越多的系统和协议所支持。其中</a:t>
+            </a:r>
+            <a:r>
+              <a:rPr lang="en-US" altLang="zh-CN" sz="2900" dirty="0">
+                <a:latin typeface="宋体" panose="02010600030101010101" pitchFamily="2" charset="-122"/>
+                <a:ea typeface="宋体" panose="02010600030101010101" pitchFamily="2" charset="-122"/>
+              </a:rPr>
+              <a:t>SHAKE128</a:t>
+            </a:r>
+            <a:r>
+              <a:rPr lang="zh-CN" altLang="en-US" sz="2900" dirty="0">
+                <a:latin typeface="宋体" panose="02010600030101010101" pitchFamily="2" charset="-122"/>
+                <a:ea typeface="宋体" panose="02010600030101010101" pitchFamily="2" charset="-122"/>
+              </a:rPr>
+              <a:t>和</a:t>
+            </a:r>
+            <a:r>
+              <a:rPr lang="en-US" altLang="zh-CN" sz="2900" dirty="0">
+                <a:latin typeface="宋体" panose="02010600030101010101" pitchFamily="2" charset="-122"/>
+                <a:ea typeface="宋体" panose="02010600030101010101" pitchFamily="2" charset="-122"/>
+              </a:rPr>
+              <a:t>SHAKE256</a:t>
+            </a:r>
+            <a:r>
+              <a:rPr lang="zh-CN" altLang="en-US" sz="2900" dirty="0">
+                <a:latin typeface="宋体" panose="02010600030101010101" pitchFamily="2" charset="-122"/>
+                <a:ea typeface="宋体" panose="02010600030101010101" pitchFamily="2" charset="-122"/>
+              </a:rPr>
+              <a:t>可以产生任意长度的输出，非常适合用于消息认证码、流密码或作为伪随机数生成器。</a:t>
             </a:r>
             <a:endParaRPr lang="en-US" altLang="zh-CN" sz="2900" dirty="0">
               <a:latin typeface="宋体" panose="02010600030101010101" pitchFamily="2" charset="-122"/>
@@ -9184,158 +9729,13 @@
             </a:endParaRPr>
           </a:p>
           <a:p>
-            <a:r>
-              <a:rPr lang="en-US" altLang="zh-CN" sz="2900" dirty="0">
-                <a:latin typeface="宋体" panose="02010600030101010101" pitchFamily="2" charset="-122"/>
-                <a:ea typeface="宋体" panose="02010600030101010101" pitchFamily="2" charset="-122"/>
-              </a:rPr>
-              <a:t>class </a:t>
-            </a:r>
-            <a:r>
-              <a:rPr lang="en-US" altLang="zh-CN" sz="2900" dirty="0" err="1">
-                <a:latin typeface="宋体" panose="02010600030101010101" pitchFamily="2" charset="-122"/>
-                <a:ea typeface="宋体" panose="02010600030101010101" pitchFamily="2" charset="-122"/>
-              </a:rPr>
-              <a:t>LoginApp</a:t>
-            </a:r>
-            <a:r>
-              <a:rPr lang="en-US" altLang="zh-CN" sz="2900" dirty="0">
-                <a:latin typeface="宋体" panose="02010600030101010101" pitchFamily="2" charset="-122"/>
-                <a:ea typeface="宋体" panose="02010600030101010101" pitchFamily="2" charset="-122"/>
-              </a:rPr>
-              <a:t>: </a:t>
-            </a:r>
-          </a:p>
-          <a:p>
-            <a:pPr lvl="1"/>
-            <a:r>
-              <a:rPr lang="en-US" altLang="zh-CN" sz="2900" dirty="0">
-                <a:latin typeface="宋体" panose="02010600030101010101" pitchFamily="2" charset="-122"/>
-                <a:ea typeface="宋体" panose="02010600030101010101" pitchFamily="2" charset="-122"/>
-              </a:rPr>
-              <a:t>def encrypt(</a:t>
-            </a:r>
-            <a:r>
-              <a:rPr lang="en-US" altLang="zh-CN" sz="2900" dirty="0" err="1">
-                <a:latin typeface="宋体" panose="02010600030101010101" pitchFamily="2" charset="-122"/>
-                <a:ea typeface="宋体" panose="02010600030101010101" pitchFamily="2" charset="-122"/>
-              </a:rPr>
-              <a:t>self,data</a:t>
-            </a:r>
-            <a:r>
-              <a:rPr lang="en-US" altLang="zh-CN" sz="2900" dirty="0">
-                <a:latin typeface="宋体" panose="02010600030101010101" pitchFamily="2" charset="-122"/>
-                <a:ea typeface="宋体" panose="02010600030101010101" pitchFamily="2" charset="-122"/>
-              </a:rPr>
-              <a:t>):</a:t>
-            </a:r>
-          </a:p>
-          <a:p>
-            <a:pPr lvl="2"/>
-            <a:r>
-              <a:rPr lang="en-US" altLang="zh-CN" sz="2500" dirty="0" err="1">
-                <a:latin typeface="宋体" panose="02010600030101010101" pitchFamily="2" charset="-122"/>
-                <a:ea typeface="宋体" panose="02010600030101010101" pitchFamily="2" charset="-122"/>
-              </a:rPr>
-              <a:t>input_string</a:t>
-            </a:r>
-            <a:r>
-              <a:rPr lang="en-US" altLang="zh-CN" sz="2500" dirty="0">
-                <a:latin typeface="宋体" panose="02010600030101010101" pitchFamily="2" charset="-122"/>
-                <a:ea typeface="宋体" panose="02010600030101010101" pitchFamily="2" charset="-122"/>
-              </a:rPr>
-              <a:t>=data</a:t>
-            </a:r>
-          </a:p>
-          <a:p>
-            <a:pPr lvl="2"/>
-            <a:r>
-              <a:rPr lang="en-US" altLang="zh-CN" sz="2500" dirty="0" err="1">
-                <a:latin typeface="宋体" panose="02010600030101010101" pitchFamily="2" charset="-122"/>
-                <a:ea typeface="宋体" panose="02010600030101010101" pitchFamily="2" charset="-122"/>
-              </a:rPr>
-              <a:t>encoded_string</a:t>
-            </a:r>
-            <a:r>
-              <a:rPr lang="en-US" altLang="zh-CN" sz="2500" dirty="0">
-                <a:latin typeface="宋体" panose="02010600030101010101" pitchFamily="2" charset="-122"/>
-                <a:ea typeface="宋体" panose="02010600030101010101" pitchFamily="2" charset="-122"/>
-              </a:rPr>
-              <a:t>=</a:t>
-            </a:r>
-            <a:r>
-              <a:rPr lang="en-US" altLang="zh-CN" sz="2500" dirty="0" err="1">
-                <a:latin typeface="宋体" panose="02010600030101010101" pitchFamily="2" charset="-122"/>
-                <a:ea typeface="宋体" panose="02010600030101010101" pitchFamily="2" charset="-122"/>
-              </a:rPr>
-              <a:t>input_string.encode</a:t>
-            </a:r>
-            <a:r>
-              <a:rPr lang="en-US" altLang="zh-CN" sz="2500" dirty="0">
-                <a:latin typeface="宋体" panose="02010600030101010101" pitchFamily="2" charset="-122"/>
-                <a:ea typeface="宋体" panose="02010600030101010101" pitchFamily="2" charset="-122"/>
-              </a:rPr>
-              <a:t>('utf-8')</a:t>
-            </a:r>
-          </a:p>
-          <a:p>
-            <a:pPr lvl="2"/>
-            <a:r>
-              <a:rPr lang="en-US" altLang="zh-CN" sz="2500" dirty="0">
-                <a:latin typeface="宋体" panose="02010600030101010101" pitchFamily="2" charset="-122"/>
-                <a:ea typeface="宋体" panose="02010600030101010101" pitchFamily="2" charset="-122"/>
-              </a:rPr>
-              <a:t>sha256_hash=hashlib.sha256(</a:t>
-            </a:r>
-            <a:r>
-              <a:rPr lang="en-US" altLang="zh-CN" sz="2500" dirty="0" err="1">
-                <a:latin typeface="宋体" panose="02010600030101010101" pitchFamily="2" charset="-122"/>
-                <a:ea typeface="宋体" panose="02010600030101010101" pitchFamily="2" charset="-122"/>
-              </a:rPr>
-              <a:t>encoded_string</a:t>
-            </a:r>
-            <a:r>
-              <a:rPr lang="en-US" altLang="zh-CN" sz="2500" dirty="0">
-                <a:latin typeface="宋体" panose="02010600030101010101" pitchFamily="2" charset="-122"/>
-                <a:ea typeface="宋体" panose="02010600030101010101" pitchFamily="2" charset="-122"/>
-              </a:rPr>
-              <a:t>)</a:t>
-            </a:r>
-          </a:p>
-          <a:p>
-            <a:pPr lvl="2"/>
-            <a:r>
-              <a:rPr lang="en-US" altLang="zh-CN" sz="2500" dirty="0" err="1">
-                <a:latin typeface="宋体" panose="02010600030101010101" pitchFamily="2" charset="-122"/>
-                <a:ea typeface="宋体" panose="02010600030101010101" pitchFamily="2" charset="-122"/>
-              </a:rPr>
-              <a:t>hex_digest</a:t>
-            </a:r>
-            <a:r>
-              <a:rPr lang="en-US" altLang="zh-CN" sz="2500" dirty="0">
-                <a:latin typeface="宋体" panose="02010600030101010101" pitchFamily="2" charset="-122"/>
-                <a:ea typeface="宋体" panose="02010600030101010101" pitchFamily="2" charset="-122"/>
-              </a:rPr>
-              <a:t>=sha256_hash.hexdigest()</a:t>
-            </a:r>
-          </a:p>
-          <a:p>
-            <a:pPr lvl="2"/>
-            <a:r>
-              <a:rPr lang="en-US" altLang="zh-CN" sz="2500" dirty="0">
-                <a:latin typeface="宋体" panose="02010600030101010101" pitchFamily="2" charset="-122"/>
-                <a:ea typeface="宋体" panose="02010600030101010101" pitchFamily="2" charset="-122"/>
-              </a:rPr>
-              <a:t>return </a:t>
-            </a:r>
-            <a:r>
-              <a:rPr lang="en-US" altLang="zh-CN" sz="2500" dirty="0" err="1">
-                <a:latin typeface="宋体" panose="02010600030101010101" pitchFamily="2" charset="-122"/>
-                <a:ea typeface="宋体" panose="02010600030101010101" pitchFamily="2" charset="-122"/>
-              </a:rPr>
-              <a:t>hex_digest</a:t>
-            </a:r>
-            <a:endParaRPr lang="en-US" altLang="zh-CN" sz="2500" dirty="0">
+            <a:endParaRPr lang="en-US" altLang="zh-CN" sz="2900" dirty="0">
+              <a:latin typeface="宋体" panose="02010600030101010101" pitchFamily="2" charset="-122"/>
+              <a:ea typeface="宋体" panose="02010600030101010101" pitchFamily="2" charset="-122"/>
+            </a:endParaRPr>
+          </a:p>
+          <a:p>
+            <a:endParaRPr lang="en-US" altLang="zh-CN" sz="2900" dirty="0">
               <a:latin typeface="宋体" panose="02010600030101010101" pitchFamily="2" charset="-122"/>
               <a:ea typeface="宋体" panose="02010600030101010101" pitchFamily="2" charset="-122"/>
             </a:endParaRPr>
@@ -9355,7 +9755,699 @@
 </p:sld>
 </file>
 
-<file path=ppt/slides/slide21.xml><?xml version="1.0" encoding="utf-8"?>
+<file path=ppt/slides/slide22.xml><?xml version="1.0" encoding="utf-8"?>
+<p:sld xmlns:a="http://schemas.openxmlformats.org/drawingml/2006/main" xmlns:r="http://schemas.openxmlformats.org/officeDocument/2006/relationships" xmlns:p="http://schemas.openxmlformats.org/presentationml/2006/main">
+  <p:cSld>
+    <p:spTree>
+      <p:nvGrpSpPr>
+        <p:cNvPr id="1" name="">
+          <a:extLst>
+            <a:ext uri="{FF2B5EF4-FFF2-40B4-BE49-F238E27FC236}">
+              <a16:creationId xmlns:a16="http://schemas.microsoft.com/office/drawing/2014/main" id="{1C9D0EF0-F2EA-4D65-A8DE-1D427E9520AD}"/>
+            </a:ext>
+          </a:extLst>
+        </p:cNvPr>
+        <p:cNvGrpSpPr/>
+        <p:nvPr/>
+      </p:nvGrpSpPr>
+      <p:grpSpPr>
+        <a:xfrm>
+          <a:off x="0" y="0"/>
+          <a:ext cx="0" cy="0"/>
+          <a:chOff x="0" y="0"/>
+          <a:chExt cx="0" cy="0"/>
+        </a:xfrm>
+      </p:grpSpPr>
+      <p:sp>
+        <p:nvSpPr>
+          <p:cNvPr id="2" name="标题 1">
+            <a:extLst>
+              <a:ext uri="{FF2B5EF4-FFF2-40B4-BE49-F238E27FC236}">
+                <a16:creationId xmlns:a16="http://schemas.microsoft.com/office/drawing/2014/main" id="{09EA9A52-1B81-A1F8-0CC1-76270173EA47}"/>
+              </a:ext>
+            </a:extLst>
+          </p:cNvPr>
+          <p:cNvSpPr>
+            <a:spLocks noGrp="1"/>
+          </p:cNvSpPr>
+          <p:nvPr>
+            <p:ph type="title"/>
+          </p:nvPr>
+        </p:nvSpPr>
+        <p:spPr>
+          <a:xfrm>
+            <a:off x="0" y="0"/>
+            <a:ext cx="12192000" cy="1310639"/>
+          </a:xfrm>
+        </p:spPr>
+        <p:txBody>
+          <a:bodyPr>
+            <a:normAutofit/>
+          </a:bodyPr>
+          <a:lstStyle/>
+          <a:p>
+            <a:r>
+              <a:rPr lang="zh-CN" altLang="en-US" sz="4800" dirty="0">
+                <a:latin typeface="宋体" panose="02010600030101010101" pitchFamily="2" charset="-122"/>
+                <a:ea typeface="宋体" panose="02010600030101010101" pitchFamily="2" charset="-122"/>
+              </a:rPr>
+              <a:t>登录</a:t>
+            </a:r>
+            <a:r>
+              <a:rPr lang="en-US" altLang="zh-CN" sz="4800" dirty="0">
+                <a:latin typeface="宋体" panose="02010600030101010101" pitchFamily="2" charset="-122"/>
+                <a:ea typeface="宋体" panose="02010600030101010101" pitchFamily="2" charset="-122"/>
+              </a:rPr>
+              <a:t>/login</a:t>
+            </a:r>
+            <a:r>
+              <a:rPr lang="zh-CN" altLang="en-US" sz="4800" dirty="0">
+                <a:latin typeface="宋体" panose="02010600030101010101" pitchFamily="2" charset="-122"/>
+                <a:ea typeface="宋体" panose="02010600030101010101" pitchFamily="2" charset="-122"/>
+              </a:rPr>
+              <a:t>界面</a:t>
+            </a:r>
+            <a:r>
+              <a:rPr lang="en-US" altLang="zh-CN" sz="4800" dirty="0">
+                <a:latin typeface="宋体" panose="02010600030101010101" pitchFamily="2" charset="-122"/>
+                <a:ea typeface="宋体" panose="02010600030101010101" pitchFamily="2" charset="-122"/>
+              </a:rPr>
+              <a:t>—</a:t>
+            </a:r>
+            <a:r>
+              <a:rPr lang="zh-CN" altLang="en-US" sz="4800" dirty="0">
+                <a:latin typeface="宋体" panose="02010600030101010101" pitchFamily="2" charset="-122"/>
+                <a:ea typeface="宋体" panose="02010600030101010101" pitchFamily="2" charset="-122"/>
+              </a:rPr>
+              <a:t>打开聊天框函数，</a:t>
+            </a:r>
+            <a:r>
+              <a:rPr lang="en-US" altLang="zh-CN" sz="4800" dirty="0">
+                <a:latin typeface="宋体" panose="02010600030101010101" pitchFamily="2" charset="-122"/>
+                <a:ea typeface="宋体" panose="02010600030101010101" pitchFamily="2" charset="-122"/>
+              </a:rPr>
+              <a:t>SHA</a:t>
+            </a:r>
+            <a:endParaRPr lang="zh-CN" altLang="en-US" sz="4800" dirty="0">
+              <a:latin typeface="宋体" panose="02010600030101010101" pitchFamily="2" charset="-122"/>
+              <a:ea typeface="宋体" panose="02010600030101010101" pitchFamily="2" charset="-122"/>
+            </a:endParaRPr>
+          </a:p>
+        </p:txBody>
+      </p:sp>
+      <p:sp>
+        <p:nvSpPr>
+          <p:cNvPr id="3" name="内容占位符 2">
+            <a:extLst>
+              <a:ext uri="{FF2B5EF4-FFF2-40B4-BE49-F238E27FC236}">
+                <a16:creationId xmlns:a16="http://schemas.microsoft.com/office/drawing/2014/main" id="{A96F5CCA-CAE4-1850-4091-2792A70674B1}"/>
+              </a:ext>
+            </a:extLst>
+          </p:cNvPr>
+          <p:cNvSpPr>
+            <a:spLocks noGrp="1"/>
+          </p:cNvSpPr>
+          <p:nvPr>
+            <p:ph idx="1"/>
+          </p:nvPr>
+        </p:nvSpPr>
+        <p:spPr>
+          <a:xfrm>
+            <a:off x="0" y="1310639"/>
+            <a:ext cx="12192000" cy="5547360"/>
+          </a:xfrm>
+        </p:spPr>
+        <p:txBody>
+          <a:bodyPr>
+            <a:normAutofit/>
+          </a:bodyPr>
+          <a:lstStyle/>
+          <a:p>
+            <a:r>
+              <a:rPr lang="zh-CN" altLang="en-US" sz="2900" dirty="0">
+                <a:latin typeface="宋体" panose="02010600030101010101" pitchFamily="2" charset="-122"/>
+                <a:ea typeface="宋体" panose="02010600030101010101" pitchFamily="2" charset="-122"/>
+              </a:rPr>
+              <a:t>需要事先引入</a:t>
+            </a:r>
+            <a:r>
+              <a:rPr lang="en-US" altLang="zh-CN" sz="2900" dirty="0" err="1">
+                <a:latin typeface="宋体" panose="02010600030101010101" pitchFamily="2" charset="-122"/>
+                <a:ea typeface="宋体" panose="02010600030101010101" pitchFamily="2" charset="-122"/>
+              </a:rPr>
+              <a:t>hashlib</a:t>
+            </a:r>
+            <a:r>
+              <a:rPr lang="zh-CN" altLang="en-US" sz="2900" dirty="0">
+                <a:latin typeface="宋体" panose="02010600030101010101" pitchFamily="2" charset="-122"/>
+                <a:ea typeface="宋体" panose="02010600030101010101" pitchFamily="2" charset="-122"/>
+              </a:rPr>
+              <a:t>包，</a:t>
+            </a:r>
+            <a:r>
+              <a:rPr lang="en-US" altLang="zh-CN" sz="2900" dirty="0" err="1">
+                <a:latin typeface="宋体" panose="02010600030101010101" pitchFamily="2" charset="-122"/>
+                <a:ea typeface="宋体" panose="02010600030101010101" pitchFamily="2" charset="-122"/>
+              </a:rPr>
+              <a:t>hashlib</a:t>
+            </a:r>
+            <a:r>
+              <a:rPr lang="zh-CN" altLang="en-US" sz="2900" dirty="0">
+                <a:latin typeface="宋体" panose="02010600030101010101" pitchFamily="2" charset="-122"/>
+                <a:ea typeface="宋体" panose="02010600030101010101" pitchFamily="2" charset="-122"/>
+              </a:rPr>
+              <a:t>支持</a:t>
+            </a:r>
+            <a:r>
+              <a:rPr lang="en-US" altLang="zh-CN" sz="2900" dirty="0">
+                <a:latin typeface="宋体" panose="02010600030101010101" pitchFamily="2" charset="-122"/>
+                <a:ea typeface="宋体" panose="02010600030101010101" pitchFamily="2" charset="-122"/>
+              </a:rPr>
+              <a:t>SHA256hash</a:t>
+            </a:r>
+            <a:r>
+              <a:rPr lang="zh-CN" altLang="en-US" sz="2900" dirty="0">
+                <a:latin typeface="宋体" panose="02010600030101010101" pitchFamily="2" charset="-122"/>
+                <a:ea typeface="宋体" panose="02010600030101010101" pitchFamily="2" charset="-122"/>
+              </a:rPr>
+              <a:t>算法来对数据进行加密。用</a:t>
+            </a:r>
+            <a:r>
+              <a:rPr lang="en-US" altLang="zh-CN" sz="2900" dirty="0">
+                <a:latin typeface="宋体" panose="02010600030101010101" pitchFamily="2" charset="-122"/>
+                <a:ea typeface="宋体" panose="02010600030101010101" pitchFamily="2" charset="-122"/>
+              </a:rPr>
+              <a:t>encrypt</a:t>
+            </a:r>
+            <a:r>
+              <a:rPr lang="zh-CN" altLang="en-US" sz="2900" dirty="0">
+                <a:latin typeface="宋体" panose="02010600030101010101" pitchFamily="2" charset="-122"/>
+                <a:ea typeface="宋体" panose="02010600030101010101" pitchFamily="2" charset="-122"/>
+              </a:rPr>
+              <a:t>来命名加密密码的函数，该函数会用于登录</a:t>
+            </a:r>
+            <a:r>
+              <a:rPr lang="en-US" altLang="zh-CN" sz="2900" dirty="0">
+                <a:latin typeface="宋体" panose="02010600030101010101" pitchFamily="2" charset="-122"/>
+                <a:ea typeface="宋体" panose="02010600030101010101" pitchFamily="2" charset="-122"/>
+              </a:rPr>
+              <a:t>(login</a:t>
+            </a:r>
+            <a:r>
+              <a:rPr lang="zh-CN" altLang="en-US" sz="2900" dirty="0">
+                <a:latin typeface="宋体" panose="02010600030101010101" pitchFamily="2" charset="-122"/>
+                <a:ea typeface="宋体" panose="02010600030101010101" pitchFamily="2" charset="-122"/>
+              </a:rPr>
+              <a:t>函数</a:t>
+            </a:r>
+            <a:r>
+              <a:rPr lang="en-US" altLang="zh-CN" sz="2900" dirty="0">
+                <a:latin typeface="宋体" panose="02010600030101010101" pitchFamily="2" charset="-122"/>
+                <a:ea typeface="宋体" panose="02010600030101010101" pitchFamily="2" charset="-122"/>
+              </a:rPr>
+              <a:t>)</a:t>
+            </a:r>
+            <a:r>
+              <a:rPr lang="zh-CN" altLang="en-US" sz="2900" dirty="0">
+                <a:latin typeface="宋体" panose="02010600030101010101" pitchFamily="2" charset="-122"/>
+                <a:ea typeface="宋体" panose="02010600030101010101" pitchFamily="2" charset="-122"/>
+              </a:rPr>
+              <a:t>，注册</a:t>
+            </a:r>
+            <a:r>
+              <a:rPr lang="en-US" altLang="zh-CN" sz="2900" dirty="0">
+                <a:latin typeface="宋体" panose="02010600030101010101" pitchFamily="2" charset="-122"/>
+                <a:ea typeface="宋体" panose="02010600030101010101" pitchFamily="2" charset="-122"/>
+              </a:rPr>
+              <a:t>(register</a:t>
+            </a:r>
+            <a:r>
+              <a:rPr lang="zh-CN" altLang="en-US" sz="2900" dirty="0">
+                <a:latin typeface="宋体" panose="02010600030101010101" pitchFamily="2" charset="-122"/>
+                <a:ea typeface="宋体" panose="02010600030101010101" pitchFamily="2" charset="-122"/>
+              </a:rPr>
+              <a:t>函数</a:t>
+            </a:r>
+            <a:r>
+              <a:rPr lang="en-US" altLang="zh-CN" sz="2900" dirty="0">
+                <a:latin typeface="宋体" panose="02010600030101010101" pitchFamily="2" charset="-122"/>
+                <a:ea typeface="宋体" panose="02010600030101010101" pitchFamily="2" charset="-122"/>
+              </a:rPr>
+              <a:t>)</a:t>
+            </a:r>
+            <a:r>
+              <a:rPr lang="zh-CN" altLang="en-US" sz="2900" dirty="0">
+                <a:latin typeface="宋体" panose="02010600030101010101" pitchFamily="2" charset="-122"/>
+                <a:ea typeface="宋体" panose="02010600030101010101" pitchFamily="2" charset="-122"/>
+              </a:rPr>
+              <a:t>中，在</a:t>
+            </a:r>
+            <a:r>
+              <a:rPr lang="en-US" altLang="zh-CN" sz="2900" dirty="0">
+                <a:latin typeface="宋体" panose="02010600030101010101" pitchFamily="2" charset="-122"/>
+                <a:ea typeface="宋体" panose="02010600030101010101" pitchFamily="2" charset="-122"/>
+              </a:rPr>
+              <a:t>register</a:t>
+            </a:r>
+            <a:r>
+              <a:rPr lang="zh-CN" altLang="en-US" sz="2900" dirty="0">
+                <a:latin typeface="宋体" panose="02010600030101010101" pitchFamily="2" charset="-122"/>
+                <a:ea typeface="宋体" panose="02010600030101010101" pitchFamily="2" charset="-122"/>
+              </a:rPr>
+              <a:t>函数中会用到两次，因为在确认密码的时候还需要调用一次该函数，如图中所示，在需要该函数的时候，调用并将需要加密的密码作为参数传递进该函数即可。创建的几个用户可以在</a:t>
+            </a:r>
+            <a:r>
+              <a:rPr lang="en-US" altLang="zh-CN" sz="2900" dirty="0" err="1">
+                <a:latin typeface="宋体" panose="02010600030101010101" pitchFamily="2" charset="-122"/>
+                <a:ea typeface="宋体" panose="02010600030101010101" pitchFamily="2" charset="-122"/>
+              </a:rPr>
+              <a:t>userinfo.json</a:t>
+            </a:r>
+            <a:r>
+              <a:rPr lang="zh-CN" altLang="en-US" sz="2900" dirty="0">
+                <a:latin typeface="宋体" panose="02010600030101010101" pitchFamily="2" charset="-122"/>
+                <a:ea typeface="宋体" panose="02010600030101010101" pitchFamily="2" charset="-122"/>
+              </a:rPr>
+              <a:t>文件中查看加密后的</a:t>
+            </a:r>
+            <a:r>
+              <a:rPr lang="en-US" altLang="zh-CN" sz="2900" dirty="0">
+                <a:latin typeface="宋体" panose="02010600030101010101" pitchFamily="2" charset="-122"/>
+                <a:ea typeface="宋体" panose="02010600030101010101" pitchFamily="2" charset="-122"/>
+              </a:rPr>
+              <a:t>ID</a:t>
+            </a:r>
+            <a:r>
+              <a:rPr lang="zh-CN" altLang="en-US" sz="2900" dirty="0">
+                <a:latin typeface="宋体" panose="02010600030101010101" pitchFamily="2" charset="-122"/>
+                <a:ea typeface="宋体" panose="02010600030101010101" pitchFamily="2" charset="-122"/>
+              </a:rPr>
+              <a:t>和密码。</a:t>
+            </a:r>
+            <a:endParaRPr lang="en-US" altLang="zh-CN" sz="2900" dirty="0">
+              <a:latin typeface="宋体" panose="02010600030101010101" pitchFamily="2" charset="-122"/>
+              <a:ea typeface="宋体" panose="02010600030101010101" pitchFamily="2" charset="-122"/>
+            </a:endParaRPr>
+          </a:p>
+          <a:p>
+            <a:endParaRPr lang="en-US" altLang="zh-CN" sz="2900" dirty="0">
+              <a:latin typeface="宋体" panose="02010600030101010101" pitchFamily="2" charset="-122"/>
+              <a:ea typeface="宋体" panose="02010600030101010101" pitchFamily="2" charset="-122"/>
+            </a:endParaRPr>
+          </a:p>
+        </p:txBody>
+      </p:sp>
+      <p:pic>
+        <p:nvPicPr>
+          <p:cNvPr id="5" name="图片 4">
+            <a:extLst>
+              <a:ext uri="{FF2B5EF4-FFF2-40B4-BE49-F238E27FC236}">
+                <a16:creationId xmlns:a16="http://schemas.microsoft.com/office/drawing/2014/main" id="{59392F2E-FACF-459C-8EA9-7E656C81167F}"/>
+              </a:ext>
+            </a:extLst>
+          </p:cNvPr>
+          <p:cNvPicPr>
+            <a:picLocks noChangeAspect="1"/>
+          </p:cNvPicPr>
+          <p:nvPr/>
+        </p:nvPicPr>
+        <p:blipFill>
+          <a:blip r:embed="rId2">
+            <a:extLst>
+              <a:ext uri="{28A0092B-C50C-407E-A947-70E740481C1C}">
+                <a14:useLocalDpi xmlns:a14="http://schemas.microsoft.com/office/drawing/2010/main" val="0"/>
+              </a:ext>
+            </a:extLst>
+          </a:blip>
+          <a:stretch>
+            <a:fillRect/>
+          </a:stretch>
+        </p:blipFill>
+        <p:spPr>
+          <a:xfrm>
+            <a:off x="199154" y="4229057"/>
+            <a:ext cx="3170515" cy="2016675"/>
+          </a:xfrm>
+          <a:prstGeom prst="rect">
+            <a:avLst/>
+          </a:prstGeom>
+        </p:spPr>
+      </p:pic>
+      <p:pic>
+        <p:nvPicPr>
+          <p:cNvPr id="7" name="图片 6">
+            <a:extLst>
+              <a:ext uri="{FF2B5EF4-FFF2-40B4-BE49-F238E27FC236}">
+                <a16:creationId xmlns:a16="http://schemas.microsoft.com/office/drawing/2014/main" id="{21ADB5ED-8BC2-3FD3-2F46-6E3C3F04B2C2}"/>
+              </a:ext>
+            </a:extLst>
+          </p:cNvPr>
+          <p:cNvPicPr>
+            <a:picLocks noChangeAspect="1"/>
+          </p:cNvPicPr>
+          <p:nvPr/>
+        </p:nvPicPr>
+        <p:blipFill>
+          <a:blip r:embed="rId3">
+            <a:extLst>
+              <a:ext uri="{28A0092B-C50C-407E-A947-70E740481C1C}">
+                <a14:useLocalDpi xmlns:a14="http://schemas.microsoft.com/office/drawing/2010/main" val="0"/>
+              </a:ext>
+            </a:extLst>
+          </a:blip>
+          <a:stretch>
+            <a:fillRect/>
+          </a:stretch>
+        </p:blipFill>
+        <p:spPr>
+          <a:xfrm>
+            <a:off x="3422800" y="3948277"/>
+            <a:ext cx="8822331" cy="2578233"/>
+          </a:xfrm>
+          <a:prstGeom prst="rect">
+            <a:avLst/>
+          </a:prstGeom>
+        </p:spPr>
+      </p:pic>
+    </p:spTree>
+    <p:extLst>
+      <p:ext uri="{BB962C8B-B14F-4D97-AF65-F5344CB8AC3E}">
+        <p14:creationId xmlns:p14="http://schemas.microsoft.com/office/powerpoint/2010/main" val="2187584799"/>
+      </p:ext>
+    </p:extLst>
+  </p:cSld>
+  <p:clrMapOvr>
+    <a:masterClrMapping/>
+  </p:clrMapOvr>
+</p:sld>
+</file>
+
+<file path=ppt/slides/slide23.xml><?xml version="1.0" encoding="utf-8"?>
+<p:sld xmlns:a="http://schemas.openxmlformats.org/drawingml/2006/main" xmlns:r="http://schemas.openxmlformats.org/officeDocument/2006/relationships" xmlns:p="http://schemas.openxmlformats.org/presentationml/2006/main">
+  <p:cSld>
+    <p:spTree>
+      <p:nvGrpSpPr>
+        <p:cNvPr id="1" name="">
+          <a:extLst>
+            <a:ext uri="{FF2B5EF4-FFF2-40B4-BE49-F238E27FC236}">
+              <a16:creationId xmlns:a16="http://schemas.microsoft.com/office/drawing/2014/main" id="{0EB3A3C5-4244-1493-8974-D337A1EC9706}"/>
+            </a:ext>
+          </a:extLst>
+        </p:cNvPr>
+        <p:cNvGrpSpPr/>
+        <p:nvPr/>
+      </p:nvGrpSpPr>
+      <p:grpSpPr>
+        <a:xfrm>
+          <a:off x="0" y="0"/>
+          <a:ext cx="0" cy="0"/>
+          <a:chOff x="0" y="0"/>
+          <a:chExt cx="0" cy="0"/>
+        </a:xfrm>
+      </p:grpSpPr>
+      <p:sp>
+        <p:nvSpPr>
+          <p:cNvPr id="2" name="标题 1">
+            <a:extLst>
+              <a:ext uri="{FF2B5EF4-FFF2-40B4-BE49-F238E27FC236}">
+                <a16:creationId xmlns:a16="http://schemas.microsoft.com/office/drawing/2014/main" id="{E20D9547-159F-0A8B-7B2B-A400AEA58363}"/>
+              </a:ext>
+            </a:extLst>
+          </p:cNvPr>
+          <p:cNvSpPr>
+            <a:spLocks noGrp="1"/>
+          </p:cNvSpPr>
+          <p:nvPr>
+            <p:ph type="title"/>
+          </p:nvPr>
+        </p:nvSpPr>
+        <p:spPr>
+          <a:xfrm>
+            <a:off x="0" y="0"/>
+            <a:ext cx="12192000" cy="903383"/>
+          </a:xfrm>
+        </p:spPr>
+        <p:txBody>
+          <a:bodyPr>
+            <a:normAutofit fontScale="90000"/>
+          </a:bodyPr>
+          <a:lstStyle/>
+          <a:p>
+            <a:r>
+              <a:rPr lang="zh-CN" altLang="en-US" sz="4800" dirty="0">
+                <a:latin typeface="宋体" panose="02010600030101010101" pitchFamily="2" charset="-122"/>
+                <a:ea typeface="宋体" panose="02010600030101010101" pitchFamily="2" charset="-122"/>
+              </a:rPr>
+              <a:t>登录</a:t>
+            </a:r>
+            <a:r>
+              <a:rPr lang="en-US" altLang="zh-CN" sz="4800" dirty="0">
+                <a:latin typeface="宋体" panose="02010600030101010101" pitchFamily="2" charset="-122"/>
+                <a:ea typeface="宋体" panose="02010600030101010101" pitchFamily="2" charset="-122"/>
+              </a:rPr>
+              <a:t>/login</a:t>
+            </a:r>
+            <a:r>
+              <a:rPr lang="zh-CN" altLang="en-US" sz="4800" dirty="0">
+                <a:latin typeface="宋体" panose="02010600030101010101" pitchFamily="2" charset="-122"/>
+                <a:ea typeface="宋体" panose="02010600030101010101" pitchFamily="2" charset="-122"/>
+              </a:rPr>
+              <a:t>界面</a:t>
+            </a:r>
+            <a:r>
+              <a:rPr lang="en-US" altLang="zh-CN" sz="4800" dirty="0">
+                <a:latin typeface="宋体" panose="02010600030101010101" pitchFamily="2" charset="-122"/>
+                <a:ea typeface="宋体" panose="02010600030101010101" pitchFamily="2" charset="-122"/>
+              </a:rPr>
+              <a:t>—</a:t>
+            </a:r>
+            <a:r>
+              <a:rPr lang="zh-CN" altLang="en-US" sz="4800" dirty="0">
+                <a:latin typeface="宋体" panose="02010600030101010101" pitchFamily="2" charset="-122"/>
+                <a:ea typeface="宋体" panose="02010600030101010101" pitchFamily="2" charset="-122"/>
+              </a:rPr>
+              <a:t>打开聊天框函数，凯撒加密法</a:t>
+            </a:r>
+          </a:p>
+        </p:txBody>
+      </p:sp>
+      <p:sp>
+        <p:nvSpPr>
+          <p:cNvPr id="3" name="内容占位符 2">
+            <a:extLst>
+              <a:ext uri="{FF2B5EF4-FFF2-40B4-BE49-F238E27FC236}">
+                <a16:creationId xmlns:a16="http://schemas.microsoft.com/office/drawing/2014/main" id="{2C6EAAC2-A9C9-97B0-9BCE-4EDA1A05B7D7}"/>
+              </a:ext>
+            </a:extLst>
+          </p:cNvPr>
+          <p:cNvSpPr>
+            <a:spLocks noGrp="1"/>
+          </p:cNvSpPr>
+          <p:nvPr>
+            <p:ph idx="1"/>
+          </p:nvPr>
+        </p:nvSpPr>
+        <p:spPr>
+          <a:xfrm>
+            <a:off x="0" y="826265"/>
+            <a:ext cx="12192000" cy="6169446"/>
+          </a:xfrm>
+        </p:spPr>
+        <p:txBody>
+          <a:bodyPr>
+            <a:normAutofit/>
+          </a:bodyPr>
+          <a:lstStyle/>
+          <a:p>
+            <a:r>
+              <a:rPr lang="zh-CN" altLang="en-US" sz="2900" dirty="0">
+                <a:latin typeface="宋体" panose="02010600030101010101" pitchFamily="2" charset="-122"/>
+                <a:ea typeface="宋体" panose="02010600030101010101" pitchFamily="2" charset="-122"/>
+              </a:rPr>
+              <a:t>凯撒加密法，</a:t>
+            </a:r>
+            <a:r>
+              <a:rPr lang="zh-CN" altLang="en-US" dirty="0">
+                <a:latin typeface="宋体" panose="02010600030101010101" pitchFamily="2" charset="-122"/>
+                <a:ea typeface="宋体" panose="02010600030101010101" pitchFamily="2" charset="-122"/>
+              </a:rPr>
+              <a:t>是一种替换加密的技术，明文中的所有字母都在字母表上向后（或向前）按照一个固定数目进行偏移后被替换成密文。例如，当偏移量是</a:t>
+            </a:r>
+            <a:r>
+              <a:rPr lang="en-US" altLang="zh-CN" dirty="0">
+                <a:latin typeface="宋体" panose="02010600030101010101" pitchFamily="2" charset="-122"/>
+                <a:ea typeface="宋体" panose="02010600030101010101" pitchFamily="2" charset="-122"/>
+              </a:rPr>
+              <a:t>3</a:t>
+            </a:r>
+            <a:r>
+              <a:rPr lang="zh-CN" altLang="en-US" dirty="0">
+                <a:latin typeface="宋体" panose="02010600030101010101" pitchFamily="2" charset="-122"/>
+                <a:ea typeface="宋体" panose="02010600030101010101" pitchFamily="2" charset="-122"/>
+              </a:rPr>
+              <a:t>的时候，所有的字母</a:t>
+            </a:r>
+            <a:r>
+              <a:rPr lang="en-US" altLang="zh-CN" dirty="0">
+                <a:latin typeface="宋体" panose="02010600030101010101" pitchFamily="2" charset="-122"/>
+                <a:ea typeface="宋体" panose="02010600030101010101" pitchFamily="2" charset="-122"/>
+              </a:rPr>
+              <a:t>A</a:t>
+            </a:r>
+            <a:r>
+              <a:rPr lang="zh-CN" altLang="en-US" dirty="0">
+                <a:latin typeface="宋体" panose="02010600030101010101" pitchFamily="2" charset="-122"/>
+                <a:ea typeface="宋体" panose="02010600030101010101" pitchFamily="2" charset="-122"/>
+              </a:rPr>
+              <a:t>将被替换成</a:t>
+            </a:r>
+            <a:r>
+              <a:rPr lang="en-US" altLang="zh-CN" dirty="0">
+                <a:latin typeface="宋体" panose="02010600030101010101" pitchFamily="2" charset="-122"/>
+                <a:ea typeface="宋体" panose="02010600030101010101" pitchFamily="2" charset="-122"/>
+              </a:rPr>
+              <a:t>D</a:t>
+            </a:r>
+            <a:r>
+              <a:rPr lang="zh-CN" altLang="en-US" dirty="0">
+                <a:latin typeface="宋体" panose="02010600030101010101" pitchFamily="2" charset="-122"/>
+                <a:ea typeface="宋体" panose="02010600030101010101" pitchFamily="2" charset="-122"/>
+              </a:rPr>
+              <a:t>，</a:t>
+            </a:r>
+            <a:r>
+              <a:rPr lang="en-US" altLang="zh-CN" dirty="0">
+                <a:latin typeface="宋体" panose="02010600030101010101" pitchFamily="2" charset="-122"/>
+                <a:ea typeface="宋体" panose="02010600030101010101" pitchFamily="2" charset="-122"/>
+              </a:rPr>
+              <a:t>B</a:t>
+            </a:r>
+            <a:r>
+              <a:rPr lang="zh-CN" altLang="en-US" dirty="0">
+                <a:latin typeface="宋体" panose="02010600030101010101" pitchFamily="2" charset="-122"/>
+                <a:ea typeface="宋体" panose="02010600030101010101" pitchFamily="2" charset="-122"/>
+              </a:rPr>
+              <a:t>变成</a:t>
+            </a:r>
+            <a:r>
+              <a:rPr lang="en-US" altLang="zh-CN" dirty="0">
+                <a:latin typeface="宋体" panose="02010600030101010101" pitchFamily="2" charset="-122"/>
+                <a:ea typeface="宋体" panose="02010600030101010101" pitchFamily="2" charset="-122"/>
+              </a:rPr>
+              <a:t>E</a:t>
+            </a:r>
+            <a:r>
+              <a:rPr lang="zh-CN" altLang="en-US" dirty="0">
+                <a:latin typeface="宋体" panose="02010600030101010101" pitchFamily="2" charset="-122"/>
+                <a:ea typeface="宋体" panose="02010600030101010101" pitchFamily="2" charset="-122"/>
+              </a:rPr>
+              <a:t>，以此类推。当然，偏移量并不是固定的，开发者可以根据个人习惯，偏移</a:t>
+            </a:r>
+            <a:r>
+              <a:rPr lang="en-US" altLang="zh-CN" dirty="0">
+                <a:latin typeface="宋体" panose="02010600030101010101" pitchFamily="2" charset="-122"/>
+                <a:ea typeface="宋体" panose="02010600030101010101" pitchFamily="2" charset="-122"/>
+              </a:rPr>
+              <a:t>5</a:t>
+            </a:r>
+            <a:r>
+              <a:rPr lang="zh-CN" altLang="en-US" dirty="0">
+                <a:latin typeface="宋体" panose="02010600030101010101" pitchFamily="2" charset="-122"/>
+                <a:ea typeface="宋体" panose="02010600030101010101" pitchFamily="2" charset="-122"/>
+              </a:rPr>
+              <a:t>个也是可以的，但在该项目和测试用中，还是使用了</a:t>
+            </a:r>
+            <a:r>
+              <a:rPr lang="en-US" altLang="zh-CN" dirty="0">
+                <a:latin typeface="宋体" panose="02010600030101010101" pitchFamily="2" charset="-122"/>
+                <a:ea typeface="宋体" panose="02010600030101010101" pitchFamily="2" charset="-122"/>
+              </a:rPr>
+              <a:t>3</a:t>
+            </a:r>
+            <a:r>
+              <a:rPr lang="zh-CN" altLang="en-US" dirty="0">
+                <a:latin typeface="宋体" panose="02010600030101010101" pitchFamily="2" charset="-122"/>
+                <a:ea typeface="宋体" panose="02010600030101010101" pitchFamily="2" charset="-122"/>
+              </a:rPr>
+              <a:t>个偏移量，下面是偏移</a:t>
+            </a:r>
+            <a:r>
+              <a:rPr lang="en-US" altLang="zh-CN" dirty="0">
+                <a:latin typeface="宋体" panose="02010600030101010101" pitchFamily="2" charset="-122"/>
+                <a:ea typeface="宋体" panose="02010600030101010101" pitchFamily="2" charset="-122"/>
+              </a:rPr>
+              <a:t>3</a:t>
+            </a:r>
+            <a:r>
+              <a:rPr lang="zh-CN" altLang="en-US" dirty="0">
+                <a:latin typeface="宋体" panose="02010600030101010101" pitchFamily="2" charset="-122"/>
+                <a:ea typeface="宋体" panose="02010600030101010101" pitchFamily="2" charset="-122"/>
+              </a:rPr>
+              <a:t>个量的简单介绍。</a:t>
+            </a:r>
+            <a:endParaRPr lang="en-US" altLang="zh-CN" dirty="0">
+              <a:latin typeface="宋体" panose="02010600030101010101" pitchFamily="2" charset="-122"/>
+              <a:ea typeface="宋体" panose="02010600030101010101" pitchFamily="2" charset="-122"/>
+            </a:endParaRPr>
+          </a:p>
+          <a:p>
+            <a:endParaRPr lang="en-US" altLang="zh-CN" sz="2900" dirty="0">
+              <a:latin typeface="宋体" panose="02010600030101010101" pitchFamily="2" charset="-122"/>
+              <a:ea typeface="宋体" panose="02010600030101010101" pitchFamily="2" charset="-122"/>
+            </a:endParaRPr>
+          </a:p>
+        </p:txBody>
+      </p:sp>
+      <p:pic>
+        <p:nvPicPr>
+          <p:cNvPr id="5" name="图片 4">
+            <a:extLst>
+              <a:ext uri="{FF2B5EF4-FFF2-40B4-BE49-F238E27FC236}">
+                <a16:creationId xmlns:a16="http://schemas.microsoft.com/office/drawing/2014/main" id="{13A41303-B0F9-3803-8784-93F42E7E4063}"/>
+              </a:ext>
+            </a:extLst>
+          </p:cNvPr>
+          <p:cNvPicPr>
+            <a:picLocks noChangeAspect="1"/>
+          </p:cNvPicPr>
+          <p:nvPr/>
+        </p:nvPicPr>
+        <p:blipFill>
+          <a:blip r:embed="rId2">
+            <a:extLst>
+              <a:ext uri="{28A0092B-C50C-407E-A947-70E740481C1C}">
+                <a14:useLocalDpi xmlns:a14="http://schemas.microsoft.com/office/drawing/2010/main" val="0"/>
+              </a:ext>
+            </a:extLst>
+          </a:blip>
+          <a:stretch>
+            <a:fillRect/>
+          </a:stretch>
+        </p:blipFill>
+        <p:spPr>
+          <a:xfrm>
+            <a:off x="-77118" y="2929672"/>
+            <a:ext cx="12192000" cy="2761354"/>
+          </a:xfrm>
+          <a:prstGeom prst="rect">
+            <a:avLst/>
+          </a:prstGeom>
+        </p:spPr>
+      </p:pic>
+    </p:spTree>
+    <p:extLst>
+      <p:ext uri="{BB962C8B-B14F-4D97-AF65-F5344CB8AC3E}">
+        <p14:creationId xmlns:p14="http://schemas.microsoft.com/office/powerpoint/2010/main" val="434246831"/>
+      </p:ext>
+    </p:extLst>
+  </p:cSld>
+  <p:clrMapOvr>
+    <a:masterClrMapping/>
+  </p:clrMapOvr>
+</p:sld>
+</file>
+
+<file path=ppt/slides/slide24.xml><?xml version="1.0" encoding="utf-8"?>
 <p:sld xmlns:a="http://schemas.openxmlformats.org/drawingml/2006/main" xmlns:r="http://schemas.openxmlformats.org/officeDocument/2006/relationships" xmlns:p="http://schemas.openxmlformats.org/presentationml/2006/main">
   <p:cSld>
     <p:spTree>
@@ -9402,7 +10494,7 @@
         </p:spPr>
         <p:txBody>
           <a:bodyPr>
-            <a:normAutofit/>
+            <a:normAutofit fontScale="90000"/>
           </a:bodyPr>
           <a:lstStyle/>
           <a:p>
@@ -9439,17 +10531,17 @@
                 <a:latin typeface="宋体" panose="02010600030101010101" pitchFamily="2" charset="-122"/>
                 <a:ea typeface="宋体" panose="02010600030101010101" pitchFamily="2" charset="-122"/>
               </a:rPr>
-              <a:t>打开聊天框函数</a:t>
+              <a:t>打开聊天框函数，凯撒加密法</a:t>
             </a:r>
           </a:p>
         </p:txBody>
       </p:sp>
       <p:sp>
         <p:nvSpPr>
-          <p:cNvPr id="3" name="内容占位符 2">
+          <p:cNvPr id="9" name="内容占位符 8">
             <a:extLst>
               <a:ext uri="{FF2B5EF4-FFF2-40B4-BE49-F238E27FC236}">
-                <a16:creationId xmlns:a16="http://schemas.microsoft.com/office/drawing/2014/main" id="{0718E66B-B794-C2D0-EA26-4CCD5AC32C69}"/>
+                <a16:creationId xmlns:a16="http://schemas.microsoft.com/office/drawing/2014/main" id="{909EB9F4-469B-DDC4-1736-C3E416E0F2FE}"/>
               </a:ext>
             </a:extLst>
           </p:cNvPr>
@@ -9462,325 +10554,84 @@
         </p:nvSpPr>
         <p:spPr>
           <a:xfrm>
-            <a:off x="0" y="1310639"/>
-            <a:ext cx="12192000" cy="5547360"/>
+            <a:off x="1" y="1167788"/>
+            <a:ext cx="11353800" cy="5009175"/>
           </a:xfrm>
         </p:spPr>
         <p:txBody>
-          <a:bodyPr>
-            <a:normAutofit lnSpcReduction="10000"/>
-          </a:bodyPr>
+          <a:bodyPr/>
           <a:lstStyle/>
           <a:p>
             <a:r>
-              <a:rPr lang="en-US" altLang="zh-CN" sz="2900" dirty="0">
-                <a:latin typeface="宋体" panose="02010600030101010101" pitchFamily="2" charset="-122"/>
-                <a:ea typeface="宋体" panose="02010600030101010101" pitchFamily="2" charset="-122"/>
-              </a:rPr>
-              <a:t>class </a:t>
-            </a:r>
-            <a:r>
-              <a:rPr lang="en-US" altLang="zh-CN" sz="2900" dirty="0" err="1">
-                <a:latin typeface="宋体" panose="02010600030101010101" pitchFamily="2" charset="-122"/>
-                <a:ea typeface="宋体" panose="02010600030101010101" pitchFamily="2" charset="-122"/>
-              </a:rPr>
-              <a:t>LoginApp</a:t>
-            </a:r>
-            <a:r>
-              <a:rPr lang="en-US" altLang="zh-CN" sz="2900" dirty="0">
-                <a:latin typeface="宋体" panose="02010600030101010101" pitchFamily="2" charset="-122"/>
-                <a:ea typeface="宋体" panose="02010600030101010101" pitchFamily="2" charset="-122"/>
-              </a:rPr>
-              <a:t>: </a:t>
-            </a:r>
-          </a:p>
-          <a:p>
-            <a:pPr lvl="1"/>
-            <a:r>
-              <a:rPr lang="en-US" altLang="zh-CN" sz="2900" dirty="0">
-                <a:latin typeface="宋体" panose="02010600030101010101" pitchFamily="2" charset="-122"/>
-                <a:ea typeface="宋体" panose="02010600030101010101" pitchFamily="2" charset="-122"/>
-              </a:rPr>
-              <a:t>def </a:t>
-            </a:r>
-            <a:r>
-              <a:rPr lang="en-US" altLang="zh-CN" sz="2900" dirty="0" err="1">
-                <a:latin typeface="宋体" panose="02010600030101010101" pitchFamily="2" charset="-122"/>
-                <a:ea typeface="宋体" panose="02010600030101010101" pitchFamily="2" charset="-122"/>
-              </a:rPr>
-              <a:t>encryptID</a:t>
-            </a:r>
-            <a:r>
-              <a:rPr lang="en-US" altLang="zh-CN" sz="2900" dirty="0">
-                <a:latin typeface="宋体" panose="02010600030101010101" pitchFamily="2" charset="-122"/>
-                <a:ea typeface="宋体" panose="02010600030101010101" pitchFamily="2" charset="-122"/>
-              </a:rPr>
-              <a:t>(</a:t>
-            </a:r>
-            <a:r>
-              <a:rPr lang="en-US" altLang="zh-CN" sz="2900" dirty="0" err="1">
-                <a:latin typeface="宋体" panose="02010600030101010101" pitchFamily="2" charset="-122"/>
-                <a:ea typeface="宋体" panose="02010600030101010101" pitchFamily="2" charset="-122"/>
-              </a:rPr>
-              <a:t>self.data</a:t>
-            </a:r>
-            <a:r>
-              <a:rPr lang="en-US" altLang="zh-CN" sz="2900" dirty="0">
-                <a:latin typeface="宋体" panose="02010600030101010101" pitchFamily="2" charset="-122"/>
-                <a:ea typeface="宋体" panose="02010600030101010101" pitchFamily="2" charset="-122"/>
-              </a:rPr>
-              <a:t>):</a:t>
-            </a:r>
-          </a:p>
-          <a:p>
-            <a:pPr lvl="2"/>
-            <a:r>
-              <a:rPr lang="en-US" altLang="zh-CN" sz="2400" dirty="0">
-                <a:latin typeface="宋体" panose="02010600030101010101" pitchFamily="2" charset="-122"/>
-                <a:ea typeface="宋体" panose="02010600030101010101" pitchFamily="2" charset="-122"/>
-              </a:rPr>
-              <a:t>result=''</a:t>
-            </a:r>
-          </a:p>
-          <a:p>
-            <a:pPr lvl="2"/>
-            <a:r>
-              <a:rPr lang="en-US" altLang="zh-CN" sz="2400" dirty="0">
-                <a:latin typeface="宋体" panose="02010600030101010101" pitchFamily="2" charset="-122"/>
-                <a:ea typeface="宋体" panose="02010600030101010101" pitchFamily="2" charset="-122"/>
-              </a:rPr>
-              <a:t>for word in data:</a:t>
-            </a:r>
-          </a:p>
-          <a:p>
-            <a:pPr lvl="2"/>
-            <a:r>
-              <a:rPr lang="en-US" altLang="zh-CN" sz="2400" dirty="0">
-                <a:latin typeface="宋体" panose="02010600030101010101" pitchFamily="2" charset="-122"/>
-                <a:ea typeface="宋体" panose="02010600030101010101" pitchFamily="2" charset="-122"/>
-              </a:rPr>
-              <a:t>      if 'a' &lt;= word &lt;= 'z':</a:t>
-            </a:r>
-          </a:p>
-          <a:p>
-            <a:pPr lvl="2"/>
-            <a:r>
-              <a:rPr lang="en-US" altLang="zh-CN" sz="2400" dirty="0">
-                <a:latin typeface="宋体" panose="02010600030101010101" pitchFamily="2" charset="-122"/>
-                <a:ea typeface="宋体" panose="02010600030101010101" pitchFamily="2" charset="-122"/>
-              </a:rPr>
-              <a:t>          # </a:t>
-            </a:r>
-            <a:r>
-              <a:rPr lang="zh-CN" altLang="en-US" sz="2400" dirty="0">
-                <a:latin typeface="宋体" panose="02010600030101010101" pitchFamily="2" charset="-122"/>
-                <a:ea typeface="宋体" panose="02010600030101010101" pitchFamily="2" charset="-122"/>
-              </a:rPr>
-              <a:t>将字符转换为</a:t>
-            </a:r>
-            <a:r>
-              <a:rPr lang="en-US" altLang="zh-CN" sz="2400" dirty="0">
-                <a:latin typeface="宋体" panose="02010600030101010101" pitchFamily="2" charset="-122"/>
-                <a:ea typeface="宋体" panose="02010600030101010101" pitchFamily="2" charset="-122"/>
-              </a:rPr>
-              <a:t>0-25</a:t>
-            </a:r>
-            <a:r>
-              <a:rPr lang="zh-CN" altLang="en-US" sz="2400" dirty="0">
-                <a:latin typeface="宋体" panose="02010600030101010101" pitchFamily="2" charset="-122"/>
-                <a:ea typeface="宋体" panose="02010600030101010101" pitchFamily="2" charset="-122"/>
-              </a:rPr>
-              <a:t>的数字，加上偏移量</a:t>
-            </a:r>
-            <a:r>
-              <a:rPr lang="en-US" altLang="zh-CN" sz="2400" dirty="0">
+              <a:rPr lang="zh-CN" altLang="en-US" dirty="0">
+                <a:latin typeface="宋体" panose="02010600030101010101" pitchFamily="2" charset="-122"/>
+                <a:ea typeface="宋体" panose="02010600030101010101" pitchFamily="2" charset="-122"/>
+              </a:rPr>
+              <a:t>下面为该项目中使用凯撒加密法，并偏移</a:t>
+            </a:r>
+            <a:r>
+              <a:rPr lang="en-US" altLang="zh-CN" dirty="0">
                 <a:latin typeface="宋体" panose="02010600030101010101" pitchFamily="2" charset="-122"/>
                 <a:ea typeface="宋体" panose="02010600030101010101" pitchFamily="2" charset="-122"/>
               </a:rPr>
               <a:t>3</a:t>
             </a:r>
             <a:r>
-              <a:rPr lang="zh-CN" altLang="en-US" sz="2400" dirty="0">
-                <a:latin typeface="宋体" panose="02010600030101010101" pitchFamily="2" charset="-122"/>
-                <a:ea typeface="宋体" panose="02010600030101010101" pitchFamily="2" charset="-122"/>
-              </a:rPr>
-              <a:t>，然后取模</a:t>
-            </a:r>
-            <a:r>
-              <a:rPr lang="en-US" altLang="zh-CN" sz="2400" dirty="0">
-                <a:latin typeface="宋体" panose="02010600030101010101" pitchFamily="2" charset="-122"/>
-                <a:ea typeface="宋体" panose="02010600030101010101" pitchFamily="2" charset="-122"/>
-              </a:rPr>
-              <a:t>26</a:t>
-            </a:r>
-            <a:r>
-              <a:rPr lang="zh-CN" altLang="en-US" sz="2400" dirty="0">
-                <a:latin typeface="宋体" panose="02010600030101010101" pitchFamily="2" charset="-122"/>
-                <a:ea typeface="宋体" panose="02010600030101010101" pitchFamily="2" charset="-122"/>
-              </a:rPr>
-              <a:t>确保在字母范围内</a:t>
-            </a:r>
-          </a:p>
-          <a:p>
-            <a:pPr lvl="2"/>
-            <a:r>
-              <a:rPr lang="zh-CN" altLang="en-US" sz="2400" dirty="0">
-                <a:latin typeface="宋体" panose="02010600030101010101" pitchFamily="2" charset="-122"/>
-                <a:ea typeface="宋体" panose="02010600030101010101" pitchFamily="2" charset="-122"/>
-              </a:rPr>
-              <a:t>           </a:t>
-            </a:r>
-            <a:r>
-              <a:rPr lang="en-US" altLang="zh-CN" sz="2400" dirty="0">
-                <a:latin typeface="宋体" panose="02010600030101010101" pitchFamily="2" charset="-122"/>
-                <a:ea typeface="宋体" panose="02010600030101010101" pitchFamily="2" charset="-122"/>
-              </a:rPr>
-              <a:t>w = (</a:t>
-            </a:r>
-            <a:r>
-              <a:rPr lang="en-US" altLang="zh-CN" sz="2400" dirty="0" err="1">
-                <a:latin typeface="宋体" panose="02010600030101010101" pitchFamily="2" charset="-122"/>
-                <a:ea typeface="宋体" panose="02010600030101010101" pitchFamily="2" charset="-122"/>
-              </a:rPr>
-              <a:t>ord</a:t>
-            </a:r>
-            <a:r>
-              <a:rPr lang="en-US" altLang="zh-CN" sz="2400" dirty="0">
-                <a:latin typeface="宋体" panose="02010600030101010101" pitchFamily="2" charset="-122"/>
-                <a:ea typeface="宋体" panose="02010600030101010101" pitchFamily="2" charset="-122"/>
-              </a:rPr>
-              <a:t>(word) - </a:t>
-            </a:r>
-            <a:r>
-              <a:rPr lang="en-US" altLang="zh-CN" sz="2400" dirty="0" err="1">
-                <a:latin typeface="宋体" panose="02010600030101010101" pitchFamily="2" charset="-122"/>
-                <a:ea typeface="宋体" panose="02010600030101010101" pitchFamily="2" charset="-122"/>
-              </a:rPr>
-              <a:t>ord</a:t>
-            </a:r>
-            <a:r>
-              <a:rPr lang="en-US" altLang="zh-CN" sz="2400" dirty="0">
-                <a:latin typeface="宋体" panose="02010600030101010101" pitchFamily="2" charset="-122"/>
-                <a:ea typeface="宋体" panose="02010600030101010101" pitchFamily="2" charset="-122"/>
-              </a:rPr>
-              <a:t>('a') + 3) % 26</a:t>
-            </a:r>
-          </a:p>
-          <a:p>
-            <a:pPr lvl="2"/>
-            <a:r>
-              <a:rPr lang="en-US" altLang="zh-CN" sz="2400" dirty="0">
-                <a:latin typeface="宋体" panose="02010600030101010101" pitchFamily="2" charset="-122"/>
-                <a:ea typeface="宋体" panose="02010600030101010101" pitchFamily="2" charset="-122"/>
-              </a:rPr>
-              <a:t>           </a:t>
-            </a:r>
-            <a:r>
-              <a:rPr lang="en-US" altLang="zh-CN" sz="2400" dirty="0" err="1">
-                <a:latin typeface="宋体" panose="02010600030101010101" pitchFamily="2" charset="-122"/>
-                <a:ea typeface="宋体" panose="02010600030101010101" pitchFamily="2" charset="-122"/>
-              </a:rPr>
-              <a:t>encrypted_word</a:t>
-            </a:r>
-            <a:r>
-              <a:rPr lang="en-US" altLang="zh-CN" sz="2400" dirty="0">
-                <a:latin typeface="宋体" panose="02010600030101010101" pitchFamily="2" charset="-122"/>
-                <a:ea typeface="宋体" panose="02010600030101010101" pitchFamily="2" charset="-122"/>
-              </a:rPr>
-              <a:t> = chr(w + </a:t>
-            </a:r>
-            <a:r>
-              <a:rPr lang="en-US" altLang="zh-CN" sz="2400" dirty="0" err="1">
-                <a:latin typeface="宋体" panose="02010600030101010101" pitchFamily="2" charset="-122"/>
-                <a:ea typeface="宋体" panose="02010600030101010101" pitchFamily="2" charset="-122"/>
-              </a:rPr>
-              <a:t>ord</a:t>
-            </a:r>
-            <a:r>
-              <a:rPr lang="en-US" altLang="zh-CN" sz="2400" dirty="0">
-                <a:latin typeface="宋体" panose="02010600030101010101" pitchFamily="2" charset="-122"/>
-                <a:ea typeface="宋体" panose="02010600030101010101" pitchFamily="2" charset="-122"/>
-              </a:rPr>
-              <a:t>('a'))</a:t>
-            </a:r>
-          </a:p>
-          <a:p>
-            <a:pPr lvl="2"/>
-            <a:r>
-              <a:rPr lang="en-US" altLang="zh-CN" sz="2400" dirty="0">
-                <a:latin typeface="宋体" panose="02010600030101010101" pitchFamily="2" charset="-122"/>
-                <a:ea typeface="宋体" panose="02010600030101010101" pitchFamily="2" charset="-122"/>
-              </a:rPr>
-              <a:t>           result += </a:t>
-            </a:r>
-            <a:r>
-              <a:rPr lang="en-US" altLang="zh-CN" sz="2400" dirty="0" err="1">
-                <a:latin typeface="宋体" panose="02010600030101010101" pitchFamily="2" charset="-122"/>
-                <a:ea typeface="宋体" panose="02010600030101010101" pitchFamily="2" charset="-122"/>
-              </a:rPr>
-              <a:t>encrypted_word</a:t>
-            </a:r>
-            <a:endParaRPr lang="en-US" altLang="zh-CN" sz="2400" dirty="0">
+              <a:rPr lang="zh-CN" altLang="en-US" dirty="0">
+                <a:latin typeface="宋体" panose="02010600030101010101" pitchFamily="2" charset="-122"/>
+                <a:ea typeface="宋体" panose="02010600030101010101" pitchFamily="2" charset="-122"/>
+              </a:rPr>
+              <a:t>个量的代码。</a:t>
+            </a:r>
+            <a:endParaRPr lang="en-US" altLang="zh-CN" dirty="0">
               <a:latin typeface="宋体" panose="02010600030101010101" pitchFamily="2" charset="-122"/>
               <a:ea typeface="宋体" panose="02010600030101010101" pitchFamily="2" charset="-122"/>
             </a:endParaRPr>
           </a:p>
           <a:p>
-            <a:pPr lvl="2"/>
-            <a:r>
-              <a:rPr lang="en-US" altLang="zh-CN" sz="2400" dirty="0">
-                <a:latin typeface="宋体" panose="02010600030101010101" pitchFamily="2" charset="-122"/>
-                <a:ea typeface="宋体" panose="02010600030101010101" pitchFamily="2" charset="-122"/>
-              </a:rPr>
-              <a:t>      else:</a:t>
-            </a:r>
-          </a:p>
-          <a:p>
-            <a:pPr lvl="2"/>
-            <a:r>
-              <a:rPr lang="en-US" altLang="zh-CN" sz="2400" dirty="0">
-                <a:latin typeface="宋体" panose="02010600030101010101" pitchFamily="2" charset="-122"/>
-                <a:ea typeface="宋体" panose="02010600030101010101" pitchFamily="2" charset="-122"/>
-              </a:rPr>
-              <a:t>             # </a:t>
-            </a:r>
-            <a:r>
-              <a:rPr lang="zh-CN" altLang="en-US" sz="2400" dirty="0">
-                <a:latin typeface="宋体" panose="02010600030101010101" pitchFamily="2" charset="-122"/>
-                <a:ea typeface="宋体" panose="02010600030101010101" pitchFamily="2" charset="-122"/>
-              </a:rPr>
-              <a:t>非字母字符保持不变</a:t>
-            </a:r>
-          </a:p>
-          <a:p>
-            <a:pPr lvl="2"/>
-            <a:r>
-              <a:rPr lang="zh-CN" altLang="en-US" sz="2400" dirty="0">
-                <a:latin typeface="宋体" panose="02010600030101010101" pitchFamily="2" charset="-122"/>
-                <a:ea typeface="宋体" panose="02010600030101010101" pitchFamily="2" charset="-122"/>
-              </a:rPr>
-              <a:t>             </a:t>
-            </a:r>
-            <a:r>
-              <a:rPr lang="en-US" altLang="zh-CN" sz="2400" dirty="0">
-                <a:latin typeface="宋体" panose="02010600030101010101" pitchFamily="2" charset="-122"/>
-                <a:ea typeface="宋体" panose="02010600030101010101" pitchFamily="2" charset="-122"/>
-              </a:rPr>
-              <a:t>result += word</a:t>
-            </a:r>
-          </a:p>
-          <a:p>
-            <a:pPr lvl="2"/>
-            <a:r>
-              <a:rPr lang="en-US" altLang="zh-CN" sz="2400" dirty="0">
-                <a:latin typeface="宋体" panose="02010600030101010101" pitchFamily="2" charset="-122"/>
-                <a:ea typeface="宋体" panose="02010600030101010101" pitchFamily="2" charset="-122"/>
-              </a:rPr>
-              <a:t>return result</a:t>
-            </a:r>
+            <a:endParaRPr lang="zh-CN" altLang="en-US" dirty="0">
+              <a:latin typeface="宋体" panose="02010600030101010101" pitchFamily="2" charset="-122"/>
+              <a:ea typeface="宋体" panose="02010600030101010101" pitchFamily="2" charset="-122"/>
+            </a:endParaRPr>
           </a:p>
         </p:txBody>
       </p:sp>
+      <p:pic>
+        <p:nvPicPr>
+          <p:cNvPr id="11" name="图片 10">
+            <a:extLst>
+              <a:ext uri="{FF2B5EF4-FFF2-40B4-BE49-F238E27FC236}">
+                <a16:creationId xmlns:a16="http://schemas.microsoft.com/office/drawing/2014/main" id="{D1F048E2-D8C8-EE23-9994-9BD307AD2295}"/>
+              </a:ext>
+            </a:extLst>
+          </p:cNvPr>
+          <p:cNvPicPr>
+            <a:picLocks noChangeAspect="1"/>
+          </p:cNvPicPr>
+          <p:nvPr/>
+        </p:nvPicPr>
+        <p:blipFill>
+          <a:blip r:embed="rId2">
+            <a:extLst>
+              <a:ext uri="{28A0092B-C50C-407E-A947-70E740481C1C}">
+                <a14:useLocalDpi xmlns:a14="http://schemas.microsoft.com/office/drawing/2010/main" val="0"/>
+              </a:ext>
+            </a:extLst>
+          </a:blip>
+          <a:stretch>
+            <a:fillRect/>
+          </a:stretch>
+        </p:blipFill>
+        <p:spPr>
+          <a:xfrm>
+            <a:off x="729729" y="1949435"/>
+            <a:ext cx="7211099" cy="3974689"/>
+          </a:xfrm>
+          <a:prstGeom prst="rect">
+            <a:avLst/>
+          </a:prstGeom>
+        </p:spPr>
+      </p:pic>
     </p:spTree>
     <p:extLst>
       <p:ext uri="{BB962C8B-B14F-4D97-AF65-F5344CB8AC3E}">
@@ -9794,7 +10645,355 @@
 </p:sld>
 </file>
 
-<file path=ppt/slides/slide22.xml><?xml version="1.0" encoding="utf-8"?>
+<file path=ppt/slides/slide25.xml><?xml version="1.0" encoding="utf-8"?>
+<p:sld xmlns:a="http://schemas.openxmlformats.org/drawingml/2006/main" xmlns:r="http://schemas.openxmlformats.org/officeDocument/2006/relationships" xmlns:p="http://schemas.openxmlformats.org/presentationml/2006/main">
+  <p:cSld>
+    <p:spTree>
+      <p:nvGrpSpPr>
+        <p:cNvPr id="1" name="">
+          <a:extLst>
+            <a:ext uri="{FF2B5EF4-FFF2-40B4-BE49-F238E27FC236}">
+              <a16:creationId xmlns:a16="http://schemas.microsoft.com/office/drawing/2014/main" id="{453EE1A7-69D1-8988-12E5-BB61A7192D5B}"/>
+            </a:ext>
+          </a:extLst>
+        </p:cNvPr>
+        <p:cNvGrpSpPr/>
+        <p:nvPr/>
+      </p:nvGrpSpPr>
+      <p:grpSpPr>
+        <a:xfrm>
+          <a:off x="0" y="0"/>
+          <a:ext cx="0" cy="0"/>
+          <a:chOff x="0" y="0"/>
+          <a:chExt cx="0" cy="0"/>
+        </a:xfrm>
+      </p:grpSpPr>
+      <p:sp>
+        <p:nvSpPr>
+          <p:cNvPr id="2" name="标题 1">
+            <a:extLst>
+              <a:ext uri="{FF2B5EF4-FFF2-40B4-BE49-F238E27FC236}">
+                <a16:creationId xmlns:a16="http://schemas.microsoft.com/office/drawing/2014/main" id="{BA104003-3DBC-B79E-814B-250D33240EED}"/>
+              </a:ext>
+            </a:extLst>
+          </p:cNvPr>
+          <p:cNvSpPr>
+            <a:spLocks noGrp="1"/>
+          </p:cNvSpPr>
+          <p:nvPr>
+            <p:ph type="title"/>
+          </p:nvPr>
+        </p:nvSpPr>
+        <p:spPr>
+          <a:xfrm>
+            <a:off x="0" y="0"/>
+            <a:ext cx="12192000" cy="1310639"/>
+          </a:xfrm>
+        </p:spPr>
+        <p:txBody>
+          <a:bodyPr>
+            <a:normAutofit fontScale="90000"/>
+          </a:bodyPr>
+          <a:lstStyle/>
+          <a:p>
+            <a:r>
+              <a:rPr lang="zh-CN" altLang="en-US" sz="4800" dirty="0">
+                <a:latin typeface="宋体" panose="02010600030101010101" pitchFamily="2" charset="-122"/>
+                <a:ea typeface="宋体" panose="02010600030101010101" pitchFamily="2" charset="-122"/>
+              </a:rPr>
+              <a:t>登录</a:t>
+            </a:r>
+            <a:r>
+              <a:rPr lang="en-US" altLang="zh-CN" sz="4800" dirty="0">
+                <a:latin typeface="宋体" panose="02010600030101010101" pitchFamily="2" charset="-122"/>
+                <a:ea typeface="宋体" panose="02010600030101010101" pitchFamily="2" charset="-122"/>
+              </a:rPr>
+              <a:t>/login</a:t>
+            </a:r>
+            <a:r>
+              <a:rPr lang="zh-CN" altLang="en-US" sz="4800" dirty="0">
+                <a:latin typeface="宋体" panose="02010600030101010101" pitchFamily="2" charset="-122"/>
+                <a:ea typeface="宋体" panose="02010600030101010101" pitchFamily="2" charset="-122"/>
+              </a:rPr>
+              <a:t>界面</a:t>
+            </a:r>
+            <a:r>
+              <a:rPr lang="en-US" altLang="zh-CN" sz="4800" dirty="0">
+                <a:latin typeface="宋体" panose="02010600030101010101" pitchFamily="2" charset="-122"/>
+                <a:ea typeface="宋体" panose="02010600030101010101" pitchFamily="2" charset="-122"/>
+              </a:rPr>
+              <a:t>—</a:t>
+            </a:r>
+            <a:r>
+              <a:rPr lang="zh-CN" altLang="en-US" sz="4800" dirty="0">
+                <a:latin typeface="宋体" panose="02010600030101010101" pitchFamily="2" charset="-122"/>
+                <a:ea typeface="宋体" panose="02010600030101010101" pitchFamily="2" charset="-122"/>
+              </a:rPr>
+              <a:t>打开聊天框函数，凯撒加密法</a:t>
+            </a:r>
+          </a:p>
+        </p:txBody>
+      </p:sp>
+      <p:sp>
+        <p:nvSpPr>
+          <p:cNvPr id="9" name="内容占位符 8">
+            <a:extLst>
+              <a:ext uri="{FF2B5EF4-FFF2-40B4-BE49-F238E27FC236}">
+                <a16:creationId xmlns:a16="http://schemas.microsoft.com/office/drawing/2014/main" id="{E0604BB2-1EE8-F0A9-2A5C-254618BFF58D}"/>
+              </a:ext>
+            </a:extLst>
+          </p:cNvPr>
+          <p:cNvSpPr>
+            <a:spLocks noGrp="1"/>
+          </p:cNvSpPr>
+          <p:nvPr>
+            <p:ph idx="1"/>
+          </p:nvPr>
+        </p:nvSpPr>
+        <p:spPr>
+          <a:xfrm>
+            <a:off x="0" y="1167788"/>
+            <a:ext cx="12191999" cy="5690212"/>
+          </a:xfrm>
+        </p:spPr>
+        <p:txBody>
+          <a:bodyPr/>
+          <a:lstStyle/>
+          <a:p>
+            <a:r>
+              <a:rPr lang="zh-CN" altLang="en-US" dirty="0">
+                <a:latin typeface="宋体" panose="02010600030101010101" pitchFamily="2" charset="-122"/>
+                <a:ea typeface="宋体" panose="02010600030101010101" pitchFamily="2" charset="-122"/>
+              </a:rPr>
+              <a:t>凯撒加密法测试用代码，如图所示，偏移了</a:t>
+            </a:r>
+            <a:r>
+              <a:rPr lang="en-US" altLang="zh-CN" dirty="0">
+                <a:latin typeface="宋体" panose="02010600030101010101" pitchFamily="2" charset="-122"/>
+                <a:ea typeface="宋体" panose="02010600030101010101" pitchFamily="2" charset="-122"/>
+              </a:rPr>
+              <a:t>3</a:t>
+            </a:r>
+            <a:r>
+              <a:rPr lang="zh-CN" altLang="en-US" dirty="0">
+                <a:latin typeface="宋体" panose="02010600030101010101" pitchFamily="2" charset="-122"/>
+                <a:ea typeface="宋体" panose="02010600030101010101" pitchFamily="2" charset="-122"/>
+              </a:rPr>
+              <a:t>个量，在控制台中输入用户的</a:t>
+            </a:r>
+            <a:r>
+              <a:rPr lang="en-US" altLang="zh-CN" dirty="0">
+                <a:latin typeface="宋体" panose="02010600030101010101" pitchFamily="2" charset="-122"/>
+                <a:ea typeface="宋体" panose="02010600030101010101" pitchFamily="2" charset="-122"/>
+              </a:rPr>
+              <a:t>ID</a:t>
+            </a:r>
+            <a:r>
+              <a:rPr lang="zh-CN" altLang="en-US" dirty="0">
+                <a:latin typeface="宋体" panose="02010600030101010101" pitchFamily="2" charset="-122"/>
+                <a:ea typeface="宋体" panose="02010600030101010101" pitchFamily="2" charset="-122"/>
+              </a:rPr>
+              <a:t>，可以得到和</a:t>
+            </a:r>
+            <a:r>
+              <a:rPr lang="en-US" altLang="zh-CN" dirty="0">
+                <a:latin typeface="宋体" panose="02010600030101010101" pitchFamily="2" charset="-122"/>
+                <a:ea typeface="宋体" panose="02010600030101010101" pitchFamily="2" charset="-122"/>
+              </a:rPr>
+              <a:t>ID</a:t>
+            </a:r>
+            <a:r>
+              <a:rPr lang="zh-CN" altLang="en-US" dirty="0">
+                <a:latin typeface="宋体" panose="02010600030101010101" pitchFamily="2" charset="-122"/>
+                <a:ea typeface="宋体" panose="02010600030101010101" pitchFamily="2" charset="-122"/>
+              </a:rPr>
+              <a:t>毫无关系的一串字符串，这就是加密后的</a:t>
+            </a:r>
+            <a:r>
+              <a:rPr lang="en-US" altLang="zh-CN" dirty="0">
+                <a:latin typeface="宋体" panose="02010600030101010101" pitchFamily="2" charset="-122"/>
+                <a:ea typeface="宋体" panose="02010600030101010101" pitchFamily="2" charset="-122"/>
+              </a:rPr>
+              <a:t>ID</a:t>
+            </a:r>
+            <a:r>
+              <a:rPr lang="zh-CN" altLang="en-US" dirty="0">
+                <a:latin typeface="宋体" panose="02010600030101010101" pitchFamily="2" charset="-122"/>
+                <a:ea typeface="宋体" panose="02010600030101010101" pitchFamily="2" charset="-122"/>
+              </a:rPr>
+              <a:t>。</a:t>
+            </a:r>
+            <a:endParaRPr lang="en-US" altLang="zh-CN" dirty="0">
+              <a:latin typeface="宋体" panose="02010600030101010101" pitchFamily="2" charset="-122"/>
+              <a:ea typeface="宋体" panose="02010600030101010101" pitchFamily="2" charset="-122"/>
+            </a:endParaRPr>
+          </a:p>
+          <a:p>
+            <a:endParaRPr lang="zh-CN" altLang="en-US" dirty="0">
+              <a:latin typeface="宋体" panose="02010600030101010101" pitchFamily="2" charset="-122"/>
+              <a:ea typeface="宋体" panose="02010600030101010101" pitchFamily="2" charset="-122"/>
+            </a:endParaRPr>
+          </a:p>
+        </p:txBody>
+      </p:sp>
+      <p:pic>
+        <p:nvPicPr>
+          <p:cNvPr id="3" name="图片 2">
+            <a:extLst>
+              <a:ext uri="{FF2B5EF4-FFF2-40B4-BE49-F238E27FC236}">
+                <a16:creationId xmlns:a16="http://schemas.microsoft.com/office/drawing/2014/main" id="{68D95621-7CB5-F8B1-CFDF-DB4AA1A15C3E}"/>
+              </a:ext>
+            </a:extLst>
+          </p:cNvPr>
+          <p:cNvPicPr>
+            <a:picLocks noChangeAspect="1"/>
+          </p:cNvPicPr>
+          <p:nvPr/>
+        </p:nvPicPr>
+        <p:blipFill>
+          <a:blip r:embed="rId2">
+            <a:extLst>
+              <a:ext uri="{28A0092B-C50C-407E-A947-70E740481C1C}">
+                <a14:useLocalDpi xmlns:a14="http://schemas.microsoft.com/office/drawing/2010/main" val="0"/>
+              </a:ext>
+            </a:extLst>
+          </a:blip>
+          <a:stretch>
+            <a:fillRect/>
+          </a:stretch>
+        </p:blipFill>
+        <p:spPr>
+          <a:xfrm>
+            <a:off x="105120" y="2432105"/>
+            <a:ext cx="7215827" cy="4269404"/>
+          </a:xfrm>
+          <a:prstGeom prst="rect">
+            <a:avLst/>
+          </a:prstGeom>
+        </p:spPr>
+      </p:pic>
+      <p:pic>
+        <p:nvPicPr>
+          <p:cNvPr id="6" name="图片 5">
+            <a:extLst>
+              <a:ext uri="{FF2B5EF4-FFF2-40B4-BE49-F238E27FC236}">
+                <a16:creationId xmlns:a16="http://schemas.microsoft.com/office/drawing/2014/main" id="{803BCC1A-8414-D45E-9FFA-010892219C9F}"/>
+              </a:ext>
+            </a:extLst>
+          </p:cNvPr>
+          <p:cNvPicPr>
+            <a:picLocks noChangeAspect="1"/>
+          </p:cNvPicPr>
+          <p:nvPr/>
+        </p:nvPicPr>
+        <p:blipFill>
+          <a:blip r:embed="rId3">
+            <a:extLst>
+              <a:ext uri="{28A0092B-C50C-407E-A947-70E740481C1C}">
+                <a14:useLocalDpi xmlns:a14="http://schemas.microsoft.com/office/drawing/2010/main" val="0"/>
+              </a:ext>
+            </a:extLst>
+          </a:blip>
+          <a:stretch>
+            <a:fillRect/>
+          </a:stretch>
+        </p:blipFill>
+        <p:spPr>
+          <a:xfrm>
+            <a:off x="7327052" y="2506965"/>
+            <a:ext cx="2367929" cy="2088380"/>
+          </a:xfrm>
+          <a:prstGeom prst="rect">
+            <a:avLst/>
+          </a:prstGeom>
+        </p:spPr>
+      </p:pic>
+      <p:pic>
+        <p:nvPicPr>
+          <p:cNvPr id="5" name="图片 4">
+            <a:extLst>
+              <a:ext uri="{FF2B5EF4-FFF2-40B4-BE49-F238E27FC236}">
+                <a16:creationId xmlns:a16="http://schemas.microsoft.com/office/drawing/2014/main" id="{BCAF275C-8E89-B104-7523-332D1534E9AD}"/>
+              </a:ext>
+            </a:extLst>
+          </p:cNvPr>
+          <p:cNvPicPr>
+            <a:picLocks noChangeAspect="1"/>
+          </p:cNvPicPr>
+          <p:nvPr/>
+        </p:nvPicPr>
+        <p:blipFill>
+          <a:blip r:embed="rId4">
+            <a:extLst>
+              <a:ext uri="{28A0092B-C50C-407E-A947-70E740481C1C}">
+                <a14:useLocalDpi xmlns:a14="http://schemas.microsoft.com/office/drawing/2010/main" val="0"/>
+              </a:ext>
+            </a:extLst>
+          </a:blip>
+          <a:stretch>
+            <a:fillRect/>
+          </a:stretch>
+        </p:blipFill>
+        <p:spPr>
+          <a:xfrm>
+            <a:off x="9793995" y="2544948"/>
+            <a:ext cx="2367929" cy="1955337"/>
+          </a:xfrm>
+          <a:prstGeom prst="rect">
+            <a:avLst/>
+          </a:prstGeom>
+        </p:spPr>
+      </p:pic>
+      <p:pic>
+        <p:nvPicPr>
+          <p:cNvPr id="8" name="图片 7">
+            <a:extLst>
+              <a:ext uri="{FF2B5EF4-FFF2-40B4-BE49-F238E27FC236}">
+                <a16:creationId xmlns:a16="http://schemas.microsoft.com/office/drawing/2014/main" id="{0A403420-A009-A432-661F-5F9A9D28B81B}"/>
+              </a:ext>
+            </a:extLst>
+          </p:cNvPr>
+          <p:cNvPicPr>
+            <a:picLocks noChangeAspect="1"/>
+          </p:cNvPicPr>
+          <p:nvPr/>
+        </p:nvPicPr>
+        <p:blipFill>
+          <a:blip r:embed="rId5">
+            <a:extLst>
+              <a:ext uri="{28A0092B-C50C-407E-A947-70E740481C1C}">
+                <a14:useLocalDpi xmlns:a14="http://schemas.microsoft.com/office/drawing/2010/main" val="0"/>
+              </a:ext>
+            </a:extLst>
+          </a:blip>
+          <a:stretch>
+            <a:fillRect/>
+          </a:stretch>
+        </p:blipFill>
+        <p:spPr>
+          <a:xfrm>
+            <a:off x="7632101" y="4690404"/>
+            <a:ext cx="4125761" cy="1955338"/>
+          </a:xfrm>
+          <a:prstGeom prst="rect">
+            <a:avLst/>
+          </a:prstGeom>
+        </p:spPr>
+      </p:pic>
+    </p:spTree>
+    <p:extLst>
+      <p:ext uri="{BB962C8B-B14F-4D97-AF65-F5344CB8AC3E}">
+        <p14:creationId xmlns:p14="http://schemas.microsoft.com/office/powerpoint/2010/main" val="3001405451"/>
+      </p:ext>
+    </p:extLst>
+  </p:cSld>
+  <p:clrMapOvr>
+    <a:masterClrMapping/>
+  </p:clrMapOvr>
+</p:sld>
+</file>
+
+<file path=ppt/slides/slide26.xml><?xml version="1.0" encoding="utf-8"?>
 <p:sld xmlns:a="http://schemas.openxmlformats.org/drawingml/2006/main" xmlns:r="http://schemas.openxmlformats.org/officeDocument/2006/relationships" xmlns:p="http://schemas.openxmlformats.org/presentationml/2006/main">
   <p:cSld>
     <p:spTree>
@@ -10119,7 +11318,7 @@
 </p:sld>
 </file>
 
-<file path=ppt/slides/slide23.xml><?xml version="1.0" encoding="utf-8"?>
+<file path=ppt/slides/slide27.xml><?xml version="1.0" encoding="utf-8"?>
 <p:sld xmlns:a="http://schemas.openxmlformats.org/drawingml/2006/main" xmlns:r="http://schemas.openxmlformats.org/officeDocument/2006/relationships" xmlns:p="http://schemas.openxmlformats.org/presentationml/2006/main">
   <p:cSld>
     <p:spTree>
@@ -10563,7 +11762,7 @@
 </p:sld>
 </file>
 
-<file path=ppt/slides/slide24.xml><?xml version="1.0" encoding="utf-8"?>
+<file path=ppt/slides/slide28.xml><?xml version="1.0" encoding="utf-8"?>
 <p:sld xmlns:a="http://schemas.openxmlformats.org/drawingml/2006/main" xmlns:r="http://schemas.openxmlformats.org/officeDocument/2006/relationships" xmlns:p="http://schemas.openxmlformats.org/presentationml/2006/main">
   <p:cSld>
     <p:spTree>
@@ -11095,7 +12294,7 @@
 </p:sld>
 </file>
 
-<file path=ppt/slides/slide25.xml><?xml version="1.0" encoding="utf-8"?>
+<file path=ppt/slides/slide29.xml><?xml version="1.0" encoding="utf-8"?>
 <p:sld xmlns:a="http://schemas.openxmlformats.org/drawingml/2006/main" xmlns:r="http://schemas.openxmlformats.org/officeDocument/2006/relationships" xmlns:p="http://schemas.openxmlformats.org/presentationml/2006/main">
   <p:cSld>
     <p:spTree>
@@ -11575,7 +12774,149 @@
 </p:sld>
 </file>
 
-<file path=ppt/slides/slide26.xml><?xml version="1.0" encoding="utf-8"?>
+<file path=ppt/slides/slide3.xml><?xml version="1.0" encoding="utf-8"?>
+<p:sld xmlns:a="http://schemas.openxmlformats.org/drawingml/2006/main" xmlns:r="http://schemas.openxmlformats.org/officeDocument/2006/relationships" xmlns:p="http://schemas.openxmlformats.org/presentationml/2006/main">
+  <p:cSld>
+    <p:spTree>
+      <p:nvGrpSpPr>
+        <p:cNvPr id="1" name="">
+          <a:extLst>
+            <a:ext uri="{FF2B5EF4-FFF2-40B4-BE49-F238E27FC236}">
+              <a16:creationId xmlns:a16="http://schemas.microsoft.com/office/drawing/2014/main" id="{54764E5F-D5C0-7A01-8C8D-59C558EC53E0}"/>
+            </a:ext>
+          </a:extLst>
+        </p:cNvPr>
+        <p:cNvGrpSpPr/>
+        <p:nvPr/>
+      </p:nvGrpSpPr>
+      <p:grpSpPr>
+        <a:xfrm>
+          <a:off x="0" y="0"/>
+          <a:ext cx="0" cy="0"/>
+          <a:chOff x="0" y="0"/>
+          <a:chExt cx="0" cy="0"/>
+        </a:xfrm>
+      </p:grpSpPr>
+      <p:sp>
+        <p:nvSpPr>
+          <p:cNvPr id="2" name="标题 1">
+            <a:extLst>
+              <a:ext uri="{FF2B5EF4-FFF2-40B4-BE49-F238E27FC236}">
+                <a16:creationId xmlns:a16="http://schemas.microsoft.com/office/drawing/2014/main" id="{465AFE80-9B71-362D-CB84-6C1811417129}"/>
+              </a:ext>
+            </a:extLst>
+          </p:cNvPr>
+          <p:cNvSpPr>
+            <a:spLocks noGrp="1"/>
+          </p:cNvSpPr>
+          <p:nvPr>
+            <p:ph type="title"/>
+          </p:nvPr>
+        </p:nvSpPr>
+        <p:spPr>
+          <a:xfrm>
+            <a:off x="167640" y="365125"/>
+            <a:ext cx="11186160" cy="1325563"/>
+          </a:xfrm>
+        </p:spPr>
+        <p:txBody>
+          <a:bodyPr>
+            <a:normAutofit/>
+          </a:bodyPr>
+          <a:lstStyle/>
+          <a:p>
+            <a:r>
+              <a:rPr lang="zh-CN" altLang="en-US" sz="5400" dirty="0">
+                <a:latin typeface="宋体" panose="02010600030101010101" pitchFamily="2" charset="-122"/>
+                <a:ea typeface="宋体" panose="02010600030101010101" pitchFamily="2" charset="-122"/>
+              </a:rPr>
+              <a:t>项目动机</a:t>
+            </a:r>
+          </a:p>
+        </p:txBody>
+      </p:sp>
+      <p:sp>
+        <p:nvSpPr>
+          <p:cNvPr id="3" name="内容占位符 2">
+            <a:extLst>
+              <a:ext uri="{FF2B5EF4-FFF2-40B4-BE49-F238E27FC236}">
+                <a16:creationId xmlns:a16="http://schemas.microsoft.com/office/drawing/2014/main" id="{D263E535-8A8D-19AE-8D05-44EC22B2BC23}"/>
+              </a:ext>
+            </a:extLst>
+          </p:cNvPr>
+          <p:cNvSpPr>
+            <a:spLocks noGrp="1"/>
+          </p:cNvSpPr>
+          <p:nvPr>
+            <p:ph idx="1"/>
+          </p:nvPr>
+        </p:nvSpPr>
+        <p:spPr>
+          <a:xfrm>
+            <a:off x="167640" y="1825625"/>
+            <a:ext cx="11186160" cy="4351338"/>
+          </a:xfrm>
+        </p:spPr>
+        <p:txBody>
+          <a:bodyPr/>
+          <a:lstStyle/>
+          <a:p>
+            <a:r>
+              <a:rPr lang="zh-CN" altLang="en-US" dirty="0">
+                <a:latin typeface="宋体" panose="02010600030101010101" pitchFamily="2" charset="-122"/>
+                <a:ea typeface="宋体" panose="02010600030101010101" pitchFamily="2" charset="-122"/>
+              </a:rPr>
+              <a:t>想要了解微信或</a:t>
+            </a:r>
+            <a:r>
+              <a:rPr lang="en-US" altLang="zh-CN" dirty="0" err="1">
+                <a:latin typeface="宋体" panose="02010600030101010101" pitchFamily="2" charset="-122"/>
+                <a:ea typeface="宋体" panose="02010600030101010101" pitchFamily="2" charset="-122"/>
+              </a:rPr>
+              <a:t>kakaotalk</a:t>
+            </a:r>
+            <a:r>
+              <a:rPr lang="zh-CN" altLang="en-US" dirty="0">
+                <a:latin typeface="宋体" panose="02010600030101010101" pitchFamily="2" charset="-122"/>
+                <a:ea typeface="宋体" panose="02010600030101010101" pitchFamily="2" charset="-122"/>
+              </a:rPr>
+              <a:t>等聊天工具是如何进行注册、登录、登录后添加联系人，与联系人那些经年累月的聊天记录和联系人信息是存储在何处。还要了解软件公司是如何对用户的真实姓名以及设置的密码进行保密工作的。据此用</a:t>
+            </a:r>
+            <a:r>
+              <a:rPr lang="en-US" altLang="zh-CN" dirty="0">
+                <a:latin typeface="宋体" panose="02010600030101010101" pitchFamily="2" charset="-122"/>
+                <a:ea typeface="宋体" panose="02010600030101010101" pitchFamily="2" charset="-122"/>
+              </a:rPr>
+              <a:t>Python</a:t>
+            </a:r>
+            <a:r>
+              <a:rPr lang="zh-CN" altLang="en-US" dirty="0">
+                <a:latin typeface="宋体" panose="02010600030101010101" pitchFamily="2" charset="-122"/>
+                <a:ea typeface="宋体" panose="02010600030101010101" pitchFamily="2" charset="-122"/>
+              </a:rPr>
+              <a:t>尝试实现上述这几点。</a:t>
+            </a:r>
+            <a:endParaRPr lang="en-US" altLang="zh-CN" dirty="0">
+              <a:latin typeface="宋体" panose="02010600030101010101" pitchFamily="2" charset="-122"/>
+              <a:ea typeface="宋体" panose="02010600030101010101" pitchFamily="2" charset="-122"/>
+            </a:endParaRPr>
+          </a:p>
+        </p:txBody>
+      </p:sp>
+    </p:spTree>
+    <p:extLst>
+      <p:ext uri="{BB962C8B-B14F-4D97-AF65-F5344CB8AC3E}">
+        <p14:creationId xmlns:p14="http://schemas.microsoft.com/office/powerpoint/2010/main" val="2387694127"/>
+      </p:ext>
+    </p:extLst>
+  </p:cSld>
+  <p:clrMapOvr>
+    <a:masterClrMapping/>
+  </p:clrMapOvr>
+</p:sld>
+</file>
+
+<file path=ppt/slides/slide30.xml><?xml version="1.0" encoding="utf-8"?>
 <p:sld xmlns:a="http://schemas.openxmlformats.org/drawingml/2006/main" xmlns:r="http://schemas.openxmlformats.org/officeDocument/2006/relationships" xmlns:p="http://schemas.openxmlformats.org/presentationml/2006/main">
   <p:cSld>
     <p:spTree>
@@ -12107,7 +13448,7 @@
 </p:sld>
 </file>
 
-<file path=ppt/slides/slide27.xml><?xml version="1.0" encoding="utf-8"?>
+<file path=ppt/slides/slide31.xml><?xml version="1.0" encoding="utf-8"?>
 <p:sld xmlns:a="http://schemas.openxmlformats.org/drawingml/2006/main" xmlns:r="http://schemas.openxmlformats.org/officeDocument/2006/relationships" xmlns:p="http://schemas.openxmlformats.org/presentationml/2006/main">
   <p:cSld>
     <p:spTree>
@@ -12291,7 +13632,7 @@
 </p:sld>
 </file>
 
-<file path=ppt/slides/slide28.xml><?xml version="1.0" encoding="utf-8"?>
+<file path=ppt/slides/slide32.xml><?xml version="1.0" encoding="utf-8"?>
 <p:sld xmlns:a="http://schemas.openxmlformats.org/drawingml/2006/main" xmlns:r="http://schemas.openxmlformats.org/officeDocument/2006/relationships" xmlns:p="http://schemas.openxmlformats.org/presentationml/2006/main">
   <p:cSld>
     <p:spTree>
@@ -12621,7 +13962,7 @@
 </p:sld>
 </file>
 
-<file path=ppt/slides/slide29.xml><?xml version="1.0" encoding="utf-8"?>
+<file path=ppt/slides/slide33.xml><?xml version="1.0" encoding="utf-8"?>
 <p:sld xmlns:a="http://schemas.openxmlformats.org/drawingml/2006/main" xmlns:r="http://schemas.openxmlformats.org/officeDocument/2006/relationships" xmlns:p="http://schemas.openxmlformats.org/presentationml/2006/main">
   <p:cSld>
     <p:spTree>
@@ -13093,149 +14434,7 @@
 </p:sld>
 </file>
 
-<file path=ppt/slides/slide3.xml><?xml version="1.0" encoding="utf-8"?>
-<p:sld xmlns:a="http://schemas.openxmlformats.org/drawingml/2006/main" xmlns:r="http://schemas.openxmlformats.org/officeDocument/2006/relationships" xmlns:p="http://schemas.openxmlformats.org/presentationml/2006/main">
-  <p:cSld>
-    <p:spTree>
-      <p:nvGrpSpPr>
-        <p:cNvPr id="1" name="">
-          <a:extLst>
-            <a:ext uri="{FF2B5EF4-FFF2-40B4-BE49-F238E27FC236}">
-              <a16:creationId xmlns:a16="http://schemas.microsoft.com/office/drawing/2014/main" id="{54764E5F-D5C0-7A01-8C8D-59C558EC53E0}"/>
-            </a:ext>
-          </a:extLst>
-        </p:cNvPr>
-        <p:cNvGrpSpPr/>
-        <p:nvPr/>
-      </p:nvGrpSpPr>
-      <p:grpSpPr>
-        <a:xfrm>
-          <a:off x="0" y="0"/>
-          <a:ext cx="0" cy="0"/>
-          <a:chOff x="0" y="0"/>
-          <a:chExt cx="0" cy="0"/>
-        </a:xfrm>
-      </p:grpSpPr>
-      <p:sp>
-        <p:nvSpPr>
-          <p:cNvPr id="2" name="标题 1">
-            <a:extLst>
-              <a:ext uri="{FF2B5EF4-FFF2-40B4-BE49-F238E27FC236}">
-                <a16:creationId xmlns:a16="http://schemas.microsoft.com/office/drawing/2014/main" id="{465AFE80-9B71-362D-CB84-6C1811417129}"/>
-              </a:ext>
-            </a:extLst>
-          </p:cNvPr>
-          <p:cNvSpPr>
-            <a:spLocks noGrp="1"/>
-          </p:cNvSpPr>
-          <p:nvPr>
-            <p:ph type="title"/>
-          </p:nvPr>
-        </p:nvSpPr>
-        <p:spPr>
-          <a:xfrm>
-            <a:off x="167640" y="365125"/>
-            <a:ext cx="11186160" cy="1325563"/>
-          </a:xfrm>
-        </p:spPr>
-        <p:txBody>
-          <a:bodyPr>
-            <a:normAutofit/>
-          </a:bodyPr>
-          <a:lstStyle/>
-          <a:p>
-            <a:r>
-              <a:rPr lang="zh-CN" altLang="en-US" sz="5400" dirty="0">
-                <a:latin typeface="宋体" panose="02010600030101010101" pitchFamily="2" charset="-122"/>
-                <a:ea typeface="宋体" panose="02010600030101010101" pitchFamily="2" charset="-122"/>
-              </a:rPr>
-              <a:t>项目动机</a:t>
-            </a:r>
-          </a:p>
-        </p:txBody>
-      </p:sp>
-      <p:sp>
-        <p:nvSpPr>
-          <p:cNvPr id="3" name="内容占位符 2">
-            <a:extLst>
-              <a:ext uri="{FF2B5EF4-FFF2-40B4-BE49-F238E27FC236}">
-                <a16:creationId xmlns:a16="http://schemas.microsoft.com/office/drawing/2014/main" id="{D263E535-8A8D-19AE-8D05-44EC22B2BC23}"/>
-              </a:ext>
-            </a:extLst>
-          </p:cNvPr>
-          <p:cNvSpPr>
-            <a:spLocks noGrp="1"/>
-          </p:cNvSpPr>
-          <p:nvPr>
-            <p:ph idx="1"/>
-          </p:nvPr>
-        </p:nvSpPr>
-        <p:spPr>
-          <a:xfrm>
-            <a:off x="167640" y="1825625"/>
-            <a:ext cx="11186160" cy="4351338"/>
-          </a:xfrm>
-        </p:spPr>
-        <p:txBody>
-          <a:bodyPr/>
-          <a:lstStyle/>
-          <a:p>
-            <a:r>
-              <a:rPr lang="zh-CN" altLang="en-US" dirty="0">
-                <a:latin typeface="宋体" panose="02010600030101010101" pitchFamily="2" charset="-122"/>
-                <a:ea typeface="宋体" panose="02010600030101010101" pitchFamily="2" charset="-122"/>
-              </a:rPr>
-              <a:t>想要了解微信或</a:t>
-            </a:r>
-            <a:r>
-              <a:rPr lang="en-US" altLang="zh-CN" dirty="0" err="1">
-                <a:latin typeface="宋体" panose="02010600030101010101" pitchFamily="2" charset="-122"/>
-                <a:ea typeface="宋体" panose="02010600030101010101" pitchFamily="2" charset="-122"/>
-              </a:rPr>
-              <a:t>kakaotalk</a:t>
-            </a:r>
-            <a:r>
-              <a:rPr lang="zh-CN" altLang="en-US" dirty="0">
-                <a:latin typeface="宋体" panose="02010600030101010101" pitchFamily="2" charset="-122"/>
-                <a:ea typeface="宋体" panose="02010600030101010101" pitchFamily="2" charset="-122"/>
-              </a:rPr>
-              <a:t>等聊天工具是如何进行注册、登录、登录后添加联系人，与联系人那些经年累月的聊天记录和联系人信息是存储在何处。还要了解软件公司是如何对用户的真实姓名以及设置的密码进行保密工作的。据此用</a:t>
-            </a:r>
-            <a:r>
-              <a:rPr lang="en-US" altLang="zh-CN" dirty="0">
-                <a:latin typeface="宋体" panose="02010600030101010101" pitchFamily="2" charset="-122"/>
-                <a:ea typeface="宋体" panose="02010600030101010101" pitchFamily="2" charset="-122"/>
-              </a:rPr>
-              <a:t>Python</a:t>
-            </a:r>
-            <a:r>
-              <a:rPr lang="zh-CN" altLang="en-US" dirty="0">
-                <a:latin typeface="宋体" panose="02010600030101010101" pitchFamily="2" charset="-122"/>
-                <a:ea typeface="宋体" panose="02010600030101010101" pitchFamily="2" charset="-122"/>
-              </a:rPr>
-              <a:t>尝试实现上述这几点。</a:t>
-            </a:r>
-            <a:endParaRPr lang="en-US" altLang="zh-CN" dirty="0">
-              <a:latin typeface="宋体" panose="02010600030101010101" pitchFamily="2" charset="-122"/>
-              <a:ea typeface="宋体" panose="02010600030101010101" pitchFamily="2" charset="-122"/>
-            </a:endParaRPr>
-          </a:p>
-        </p:txBody>
-      </p:sp>
-    </p:spTree>
-    <p:extLst>
-      <p:ext uri="{BB962C8B-B14F-4D97-AF65-F5344CB8AC3E}">
-        <p14:creationId xmlns:p14="http://schemas.microsoft.com/office/powerpoint/2010/main" val="2387694127"/>
-      </p:ext>
-    </p:extLst>
-  </p:cSld>
-  <p:clrMapOvr>
-    <a:masterClrMapping/>
-  </p:clrMapOvr>
-</p:sld>
-</file>
-
-<file path=ppt/slides/slide30.xml><?xml version="1.0" encoding="utf-8"?>
+<file path=ppt/slides/slide34.xml><?xml version="1.0" encoding="utf-8"?>
 <p:sld xmlns:a="http://schemas.openxmlformats.org/drawingml/2006/main" xmlns:r="http://schemas.openxmlformats.org/officeDocument/2006/relationships" xmlns:p="http://schemas.openxmlformats.org/presentationml/2006/main">
   <p:cSld>
     <p:spTree>
@@ -13684,7 +14883,7 @@
 </p:sld>
 </file>
 
-<file path=ppt/slides/slide31.xml><?xml version="1.0" encoding="utf-8"?>
+<file path=ppt/slides/slide35.xml><?xml version="1.0" encoding="utf-8"?>
 <p:sld xmlns:a="http://schemas.openxmlformats.org/drawingml/2006/main" xmlns:r="http://schemas.openxmlformats.org/officeDocument/2006/relationships" xmlns:p="http://schemas.openxmlformats.org/presentationml/2006/main">
   <p:cSld>
     <p:spTree>
@@ -14055,7 +15254,7 @@
 </p:sld>
 </file>
 
-<file path=ppt/slides/slide32.xml><?xml version="1.0" encoding="utf-8"?>
+<file path=ppt/slides/slide36.xml><?xml version="1.0" encoding="utf-8"?>
 <p:sld xmlns:a="http://schemas.openxmlformats.org/drawingml/2006/main" xmlns:r="http://schemas.openxmlformats.org/officeDocument/2006/relationships" xmlns:p="http://schemas.openxmlformats.org/presentationml/2006/main">
   <p:cSld>
     <p:spTree>
@@ -14467,7 +15666,7 @@
 </p:sld>
 </file>
 
-<file path=ppt/slides/slide33.xml><?xml version="1.0" encoding="utf-8"?>
+<file path=ppt/slides/slide37.xml><?xml version="1.0" encoding="utf-8"?>
 <p:sld xmlns:a="http://schemas.openxmlformats.org/drawingml/2006/main" xmlns:r="http://schemas.openxmlformats.org/officeDocument/2006/relationships" xmlns:p="http://schemas.openxmlformats.org/presentationml/2006/main">
   <p:cSld>
     <p:spTree>
@@ -14838,7 +16037,7 @@
 </p:sld>
 </file>
 
-<file path=ppt/slides/slide34.xml><?xml version="1.0" encoding="utf-8"?>
+<file path=ppt/slides/slide38.xml><?xml version="1.0" encoding="utf-8"?>
 <p:sld xmlns:a="http://schemas.openxmlformats.org/drawingml/2006/main" xmlns:r="http://schemas.openxmlformats.org/officeDocument/2006/relationships" xmlns:p="http://schemas.openxmlformats.org/presentationml/2006/main">
   <p:cSld>
     <p:spTree>
@@ -15214,7 +16413,7 @@
 </p:sld>
 </file>
 
-<file path=ppt/slides/slide35.xml><?xml version="1.0" encoding="utf-8"?>
+<file path=ppt/slides/slide39.xml><?xml version="1.0" encoding="utf-8"?>
 <p:sld xmlns:a="http://schemas.openxmlformats.org/drawingml/2006/main" xmlns:r="http://schemas.openxmlformats.org/officeDocument/2006/relationships" xmlns:p="http://schemas.openxmlformats.org/presentationml/2006/main">
   <p:cSld>
     <p:spTree>
@@ -15679,1831 +16878,6 @@
     <p:extLst>
       <p:ext uri="{BB962C8B-B14F-4D97-AF65-F5344CB8AC3E}">
         <p14:creationId xmlns:p14="http://schemas.microsoft.com/office/powerpoint/2010/main" val="4136560021"/>
-      </p:ext>
-    </p:extLst>
-  </p:cSld>
-  <p:clrMapOvr>
-    <a:masterClrMapping/>
-  </p:clrMapOvr>
-</p:sld>
-</file>
-
-<file path=ppt/slides/slide36.xml><?xml version="1.0" encoding="utf-8"?>
-<p:sld xmlns:a="http://schemas.openxmlformats.org/drawingml/2006/main" xmlns:r="http://schemas.openxmlformats.org/officeDocument/2006/relationships" xmlns:p="http://schemas.openxmlformats.org/presentationml/2006/main">
-  <p:cSld>
-    <p:spTree>
-      <p:nvGrpSpPr>
-        <p:cNvPr id="1" name="">
-          <a:extLst>
-            <a:ext uri="{FF2B5EF4-FFF2-40B4-BE49-F238E27FC236}">
-              <a16:creationId xmlns:a16="http://schemas.microsoft.com/office/drawing/2014/main" id="{DE7E8B6A-EC1B-474F-FB5A-A6B671D27547}"/>
-            </a:ext>
-          </a:extLst>
-        </p:cNvPr>
-        <p:cNvGrpSpPr/>
-        <p:nvPr/>
-      </p:nvGrpSpPr>
-      <p:grpSpPr>
-        <a:xfrm>
-          <a:off x="0" y="0"/>
-          <a:ext cx="0" cy="0"/>
-          <a:chOff x="0" y="0"/>
-          <a:chExt cx="0" cy="0"/>
-        </a:xfrm>
-      </p:grpSpPr>
-      <p:sp>
-        <p:nvSpPr>
-          <p:cNvPr id="2" name="标题 1">
-            <a:extLst>
-              <a:ext uri="{FF2B5EF4-FFF2-40B4-BE49-F238E27FC236}">
-                <a16:creationId xmlns:a16="http://schemas.microsoft.com/office/drawing/2014/main" id="{97FC9F55-389A-E825-BA89-EE74FF0FF153}"/>
-              </a:ext>
-            </a:extLst>
-          </p:cNvPr>
-          <p:cNvSpPr>
-            <a:spLocks noGrp="1"/>
-          </p:cNvSpPr>
-          <p:nvPr>
-            <p:ph type="title"/>
-          </p:nvPr>
-        </p:nvSpPr>
-        <p:spPr>
-          <a:xfrm>
-            <a:off x="0" y="0"/>
-            <a:ext cx="12192000" cy="1310639"/>
-          </a:xfrm>
-        </p:spPr>
-        <p:txBody>
-          <a:bodyPr>
-            <a:normAutofit/>
-          </a:bodyPr>
-          <a:lstStyle/>
-          <a:p>
-            <a:r>
-              <a:rPr lang="zh-CN" altLang="en-US" sz="4800" dirty="0">
-                <a:latin typeface="宋体" panose="02010600030101010101" pitchFamily="2" charset="-122"/>
-                <a:ea typeface="宋体" panose="02010600030101010101" pitchFamily="2" charset="-122"/>
-              </a:rPr>
-              <a:t>聊天界面</a:t>
-            </a:r>
-            <a:r>
-              <a:rPr lang="en-US" altLang="zh-CN" sz="4800" dirty="0">
-                <a:latin typeface="宋体" panose="02010600030101010101" pitchFamily="2" charset="-122"/>
-                <a:ea typeface="宋体" panose="02010600030101010101" pitchFamily="2" charset="-122"/>
-              </a:rPr>
-              <a:t>—</a:t>
-            </a:r>
-            <a:r>
-              <a:rPr lang="zh-CN" altLang="en-US" sz="4800" dirty="0">
-                <a:latin typeface="宋体" panose="02010600030101010101" pitchFamily="2" charset="-122"/>
-                <a:ea typeface="宋体" panose="02010600030101010101" pitchFamily="2" charset="-122"/>
-              </a:rPr>
-              <a:t>选择聊天对象函数</a:t>
-            </a:r>
-          </a:p>
-        </p:txBody>
-      </p:sp>
-      <p:sp>
-        <p:nvSpPr>
-          <p:cNvPr id="3" name="内容占位符 2">
-            <a:extLst>
-              <a:ext uri="{FF2B5EF4-FFF2-40B4-BE49-F238E27FC236}">
-                <a16:creationId xmlns:a16="http://schemas.microsoft.com/office/drawing/2014/main" id="{A3C8682A-054B-D0CC-94F1-7C5656D30228}"/>
-              </a:ext>
-            </a:extLst>
-          </p:cNvPr>
-          <p:cNvSpPr>
-            <a:spLocks noGrp="1"/>
-          </p:cNvSpPr>
-          <p:nvPr>
-            <p:ph idx="1"/>
-          </p:nvPr>
-        </p:nvSpPr>
-        <p:spPr>
-          <a:xfrm>
-            <a:off x="0" y="1310639"/>
-            <a:ext cx="12192000" cy="5547360"/>
-          </a:xfrm>
-        </p:spPr>
-        <p:txBody>
-          <a:bodyPr>
-            <a:normAutofit/>
-          </a:bodyPr>
-          <a:lstStyle/>
-          <a:p>
-            <a:r>
-              <a:rPr lang="en-US" altLang="zh-CN" dirty="0">
-                <a:latin typeface="宋体" panose="02010600030101010101" pitchFamily="2" charset="-122"/>
-                <a:ea typeface="宋体" panose="02010600030101010101" pitchFamily="2" charset="-122"/>
-              </a:rPr>
-              <a:t>class </a:t>
-            </a:r>
-            <a:r>
-              <a:rPr lang="en-US" altLang="zh-CN" dirty="0" err="1">
-                <a:latin typeface="宋体" panose="02010600030101010101" pitchFamily="2" charset="-122"/>
-                <a:ea typeface="宋体" panose="02010600030101010101" pitchFamily="2" charset="-122"/>
-              </a:rPr>
-              <a:t>ChatApp</a:t>
-            </a:r>
-            <a:r>
-              <a:rPr lang="en-US" altLang="zh-CN" dirty="0">
-                <a:latin typeface="宋体" panose="02010600030101010101" pitchFamily="2" charset="-122"/>
-                <a:ea typeface="宋体" panose="02010600030101010101" pitchFamily="2" charset="-122"/>
-              </a:rPr>
-              <a:t>:</a:t>
-            </a:r>
-          </a:p>
-          <a:p>
-            <a:pPr lvl="1"/>
-            <a:r>
-              <a:rPr lang="en-US" altLang="zh-CN" dirty="0">
-                <a:latin typeface="宋体" panose="02010600030101010101" pitchFamily="2" charset="-122"/>
-                <a:ea typeface="宋体" panose="02010600030101010101" pitchFamily="2" charset="-122"/>
-              </a:rPr>
-              <a:t>def </a:t>
-            </a:r>
-            <a:r>
-              <a:rPr lang="en-US" altLang="zh-CN" dirty="0" err="1">
-                <a:latin typeface="宋体" panose="02010600030101010101" pitchFamily="2" charset="-122"/>
-                <a:ea typeface="宋体" panose="02010600030101010101" pitchFamily="2" charset="-122"/>
-              </a:rPr>
-              <a:t>select_contact</a:t>
-            </a:r>
-            <a:r>
-              <a:rPr lang="en-US" altLang="zh-CN" dirty="0">
-                <a:latin typeface="宋体" panose="02010600030101010101" pitchFamily="2" charset="-122"/>
-                <a:ea typeface="宋体" panose="02010600030101010101" pitchFamily="2" charset="-122"/>
-              </a:rPr>
-              <a:t>(</a:t>
-            </a:r>
-            <a:r>
-              <a:rPr lang="en-US" altLang="zh-CN" dirty="0" err="1">
-                <a:latin typeface="宋体" panose="02010600030101010101" pitchFamily="2" charset="-122"/>
-                <a:ea typeface="宋体" panose="02010600030101010101" pitchFamily="2" charset="-122"/>
-              </a:rPr>
-              <a:t>self,contact</a:t>
-            </a:r>
-            <a:r>
-              <a:rPr lang="en-US" altLang="zh-CN" dirty="0">
-                <a:latin typeface="宋体" panose="02010600030101010101" pitchFamily="2" charset="-122"/>
-                <a:ea typeface="宋体" panose="02010600030101010101" pitchFamily="2" charset="-122"/>
-              </a:rPr>
-              <a:t>):</a:t>
-            </a:r>
-          </a:p>
-          <a:p>
-            <a:pPr lvl="2"/>
-            <a:r>
-              <a:rPr lang="en-US" altLang="zh-CN" dirty="0">
-                <a:latin typeface="宋体" panose="02010600030101010101" pitchFamily="2" charset="-122"/>
-                <a:ea typeface="宋体" panose="02010600030101010101" pitchFamily="2" charset="-122"/>
-              </a:rPr>
-              <a:t># </a:t>
-            </a:r>
-            <a:r>
-              <a:rPr lang="zh-CN" altLang="en-US" dirty="0">
-                <a:latin typeface="宋体" panose="02010600030101010101" pitchFamily="2" charset="-122"/>
-                <a:ea typeface="宋体" panose="02010600030101010101" pitchFamily="2" charset="-122"/>
-              </a:rPr>
-              <a:t>显示聊天记录</a:t>
-            </a:r>
-          </a:p>
-          <a:p>
-            <a:pPr lvl="2"/>
-            <a:r>
-              <a:rPr lang="en-US" altLang="zh-CN" dirty="0" err="1">
-                <a:latin typeface="宋体" panose="02010600030101010101" pitchFamily="2" charset="-122"/>
-                <a:ea typeface="宋体" panose="02010600030101010101" pitchFamily="2" charset="-122"/>
-              </a:rPr>
-              <a:t>self.chat_area.config</a:t>
-            </a:r>
-            <a:r>
-              <a:rPr lang="en-US" altLang="zh-CN" dirty="0">
-                <a:latin typeface="宋体" panose="02010600030101010101" pitchFamily="2" charset="-122"/>
-                <a:ea typeface="宋体" panose="02010600030101010101" pitchFamily="2" charset="-122"/>
-              </a:rPr>
-              <a:t>(state='normal')</a:t>
-            </a:r>
-          </a:p>
-          <a:p>
-            <a:pPr lvl="2"/>
-            <a:r>
-              <a:rPr lang="en-US" altLang="zh-CN" dirty="0" err="1">
-                <a:latin typeface="宋体" panose="02010600030101010101" pitchFamily="2" charset="-122"/>
-                <a:ea typeface="宋体" panose="02010600030101010101" pitchFamily="2" charset="-122"/>
-              </a:rPr>
-              <a:t>self.chat_area.delete</a:t>
-            </a:r>
-            <a:r>
-              <a:rPr lang="en-US" altLang="zh-CN" dirty="0">
-                <a:latin typeface="宋体" panose="02010600030101010101" pitchFamily="2" charset="-122"/>
-                <a:ea typeface="宋体" panose="02010600030101010101" pitchFamily="2" charset="-122"/>
-              </a:rPr>
-              <a:t>(1.0, </a:t>
-            </a:r>
-            <a:r>
-              <a:rPr lang="en-US" altLang="zh-CN" dirty="0" err="1">
-                <a:latin typeface="宋体" panose="02010600030101010101" pitchFamily="2" charset="-122"/>
-                <a:ea typeface="宋体" panose="02010600030101010101" pitchFamily="2" charset="-122"/>
-              </a:rPr>
-              <a:t>tk.END</a:t>
-            </a:r>
-            <a:r>
-              <a:rPr lang="en-US" altLang="zh-CN" dirty="0">
-                <a:latin typeface="宋体" panose="02010600030101010101" pitchFamily="2" charset="-122"/>
-                <a:ea typeface="宋体" panose="02010600030101010101" pitchFamily="2" charset="-122"/>
-              </a:rPr>
-              <a:t>)</a:t>
-            </a:r>
-          </a:p>
-          <a:p>
-            <a:pPr lvl="2"/>
-            <a:endParaRPr lang="en-US" altLang="zh-CN" dirty="0">
-              <a:latin typeface="宋体" panose="02010600030101010101" pitchFamily="2" charset="-122"/>
-              <a:ea typeface="宋体" panose="02010600030101010101" pitchFamily="2" charset="-122"/>
-            </a:endParaRPr>
-          </a:p>
-          <a:p>
-            <a:pPr lvl="2"/>
-            <a:r>
-              <a:rPr lang="en-US" altLang="zh-CN" dirty="0">
-                <a:latin typeface="宋体" panose="02010600030101010101" pitchFamily="2" charset="-122"/>
-                <a:ea typeface="宋体" panose="02010600030101010101" pitchFamily="2" charset="-122"/>
-              </a:rPr>
-              <a:t># </a:t>
-            </a:r>
-            <a:r>
-              <a:rPr lang="zh-CN" altLang="en-US" dirty="0">
-                <a:latin typeface="宋体" panose="02010600030101010101" pitchFamily="2" charset="-122"/>
-                <a:ea typeface="宋体" panose="02010600030101010101" pitchFamily="2" charset="-122"/>
-              </a:rPr>
-              <a:t>选中的联系人在之前有过聊天记录</a:t>
-            </a:r>
-          </a:p>
-          <a:p>
-            <a:pPr lvl="2"/>
-            <a:r>
-              <a:rPr lang="en-US" altLang="zh-CN" dirty="0">
-                <a:latin typeface="宋体" panose="02010600030101010101" pitchFamily="2" charset="-122"/>
-                <a:ea typeface="宋体" panose="02010600030101010101" pitchFamily="2" charset="-122"/>
-              </a:rPr>
-              <a:t>if contact in </a:t>
-            </a:r>
-            <a:r>
-              <a:rPr lang="en-US" altLang="zh-CN" dirty="0" err="1">
-                <a:latin typeface="宋体" panose="02010600030101010101" pitchFamily="2" charset="-122"/>
-                <a:ea typeface="宋体" panose="02010600030101010101" pitchFamily="2" charset="-122"/>
-              </a:rPr>
-              <a:t>self.chat_history</a:t>
-            </a:r>
-            <a:r>
-              <a:rPr lang="en-US" altLang="zh-CN" dirty="0">
-                <a:latin typeface="宋体" panose="02010600030101010101" pitchFamily="2" charset="-122"/>
-                <a:ea typeface="宋体" panose="02010600030101010101" pitchFamily="2" charset="-122"/>
-              </a:rPr>
-              <a:t>:</a:t>
-            </a:r>
-          </a:p>
-          <a:p>
-            <a:pPr lvl="2"/>
-            <a:r>
-              <a:rPr lang="en-US" altLang="zh-CN" dirty="0">
-                <a:latin typeface="宋体" panose="02010600030101010101" pitchFamily="2" charset="-122"/>
-                <a:ea typeface="宋体" panose="02010600030101010101" pitchFamily="2" charset="-122"/>
-              </a:rPr>
-              <a:t>     # </a:t>
-            </a:r>
-            <a:r>
-              <a:rPr lang="zh-CN" altLang="en-US" dirty="0">
-                <a:latin typeface="宋体" panose="02010600030101010101" pitchFamily="2" charset="-122"/>
-                <a:ea typeface="宋体" panose="02010600030101010101" pitchFamily="2" charset="-122"/>
-              </a:rPr>
-              <a:t>获取到与该联系人的聊天记录</a:t>
-            </a:r>
-          </a:p>
-          <a:p>
-            <a:pPr lvl="2"/>
-            <a:r>
-              <a:rPr lang="zh-CN" altLang="en-US" dirty="0">
-                <a:latin typeface="宋体" panose="02010600030101010101" pitchFamily="2" charset="-122"/>
-                <a:ea typeface="宋体" panose="02010600030101010101" pitchFamily="2" charset="-122"/>
-              </a:rPr>
-              <a:t>     </a:t>
-            </a:r>
-            <a:r>
-              <a:rPr lang="en-US" altLang="zh-CN" dirty="0">
-                <a:latin typeface="宋体" panose="02010600030101010101" pitchFamily="2" charset="-122"/>
-                <a:ea typeface="宋体" panose="02010600030101010101" pitchFamily="2" charset="-122"/>
-              </a:rPr>
-              <a:t>for message in </a:t>
-            </a:r>
-            <a:r>
-              <a:rPr lang="en-US" altLang="zh-CN" dirty="0" err="1">
-                <a:latin typeface="宋体" panose="02010600030101010101" pitchFamily="2" charset="-122"/>
-                <a:ea typeface="宋体" panose="02010600030101010101" pitchFamily="2" charset="-122"/>
-              </a:rPr>
-              <a:t>self.chat_history</a:t>
-            </a:r>
-            <a:r>
-              <a:rPr lang="en-US" altLang="zh-CN" dirty="0">
-                <a:latin typeface="宋体" panose="02010600030101010101" pitchFamily="2" charset="-122"/>
-                <a:ea typeface="宋体" panose="02010600030101010101" pitchFamily="2" charset="-122"/>
-              </a:rPr>
-              <a:t>[contact]:</a:t>
-            </a:r>
-          </a:p>
-          <a:p>
-            <a:pPr lvl="2"/>
-            <a:r>
-              <a:rPr lang="en-US" altLang="zh-CN" dirty="0">
-                <a:latin typeface="宋体" panose="02010600030101010101" pitchFamily="2" charset="-122"/>
-                <a:ea typeface="宋体" panose="02010600030101010101" pitchFamily="2" charset="-122"/>
-              </a:rPr>
-              <a:t>           # </a:t>
-            </a:r>
-            <a:r>
-              <a:rPr lang="zh-CN" altLang="en-US" dirty="0">
-                <a:latin typeface="宋体" panose="02010600030101010101" pitchFamily="2" charset="-122"/>
-                <a:ea typeface="宋体" panose="02010600030101010101" pitchFamily="2" charset="-122"/>
-              </a:rPr>
-              <a:t>向聊天区域添加新聊天记录中</a:t>
-            </a:r>
-          </a:p>
-          <a:p>
-            <a:pPr lvl="2"/>
-            <a:r>
-              <a:rPr lang="zh-CN" altLang="en-US" dirty="0">
-                <a:latin typeface="宋体" panose="02010600030101010101" pitchFamily="2" charset="-122"/>
-                <a:ea typeface="宋体" panose="02010600030101010101" pitchFamily="2" charset="-122"/>
-              </a:rPr>
-              <a:t>           </a:t>
-            </a:r>
-            <a:r>
-              <a:rPr lang="en-US" altLang="zh-CN" dirty="0" err="1">
-                <a:latin typeface="宋体" panose="02010600030101010101" pitchFamily="2" charset="-122"/>
-                <a:ea typeface="宋体" panose="02010600030101010101" pitchFamily="2" charset="-122"/>
-              </a:rPr>
-              <a:t>self.chat_area.insert</a:t>
-            </a:r>
-            <a:r>
-              <a:rPr lang="en-US" altLang="zh-CN" dirty="0">
-                <a:latin typeface="宋体" panose="02010600030101010101" pitchFamily="2" charset="-122"/>
-                <a:ea typeface="宋体" panose="02010600030101010101" pitchFamily="2" charset="-122"/>
-              </a:rPr>
-              <a:t>(</a:t>
-            </a:r>
-            <a:r>
-              <a:rPr lang="en-US" altLang="zh-CN" dirty="0" err="1">
-                <a:latin typeface="宋体" panose="02010600030101010101" pitchFamily="2" charset="-122"/>
-                <a:ea typeface="宋体" panose="02010600030101010101" pitchFamily="2" charset="-122"/>
-              </a:rPr>
-              <a:t>tk.END</a:t>
-            </a:r>
-            <a:r>
-              <a:rPr lang="en-US" altLang="zh-CN" dirty="0">
-                <a:latin typeface="宋体" panose="02010600030101010101" pitchFamily="2" charset="-122"/>
-                <a:ea typeface="宋体" panose="02010600030101010101" pitchFamily="2" charset="-122"/>
-              </a:rPr>
-              <a:t>, message)</a:t>
-            </a:r>
-          </a:p>
-          <a:p>
-            <a:pPr lvl="2"/>
-            <a:endParaRPr lang="en-US" altLang="zh-CN" dirty="0">
-              <a:latin typeface="宋体" panose="02010600030101010101" pitchFamily="2" charset="-122"/>
-              <a:ea typeface="宋体" panose="02010600030101010101" pitchFamily="2" charset="-122"/>
-            </a:endParaRPr>
-          </a:p>
-          <a:p>
-            <a:pPr lvl="2"/>
-            <a:r>
-              <a:rPr lang="en-US" altLang="zh-CN" dirty="0" err="1">
-                <a:latin typeface="宋体" panose="02010600030101010101" pitchFamily="2" charset="-122"/>
-                <a:ea typeface="宋体" panose="02010600030101010101" pitchFamily="2" charset="-122"/>
-              </a:rPr>
-              <a:t>self.chat_area.config</a:t>
-            </a:r>
-            <a:r>
-              <a:rPr lang="en-US" altLang="zh-CN" dirty="0">
-                <a:latin typeface="宋体" panose="02010600030101010101" pitchFamily="2" charset="-122"/>
-                <a:ea typeface="宋体" panose="02010600030101010101" pitchFamily="2" charset="-122"/>
-              </a:rPr>
-              <a:t>(state='disabled')</a:t>
-            </a:r>
-          </a:p>
-          <a:p>
-            <a:pPr lvl="2"/>
-            <a:r>
-              <a:rPr lang="en-US" altLang="zh-CN" dirty="0" err="1">
-                <a:latin typeface="宋体" panose="02010600030101010101" pitchFamily="2" charset="-122"/>
-                <a:ea typeface="宋体" panose="02010600030101010101" pitchFamily="2" charset="-122"/>
-              </a:rPr>
-              <a:t>self.chat_area.yview</a:t>
-            </a:r>
-            <a:r>
-              <a:rPr lang="en-US" altLang="zh-CN" dirty="0">
-                <a:latin typeface="宋体" panose="02010600030101010101" pitchFamily="2" charset="-122"/>
-                <a:ea typeface="宋体" panose="02010600030101010101" pitchFamily="2" charset="-122"/>
-              </a:rPr>
-              <a:t>(</a:t>
-            </a:r>
-            <a:r>
-              <a:rPr lang="en-US" altLang="zh-CN" dirty="0" err="1">
-                <a:latin typeface="宋体" panose="02010600030101010101" pitchFamily="2" charset="-122"/>
-                <a:ea typeface="宋体" panose="02010600030101010101" pitchFamily="2" charset="-122"/>
-              </a:rPr>
-              <a:t>tk.END</a:t>
-            </a:r>
-            <a:r>
-              <a:rPr lang="en-US" altLang="zh-CN" dirty="0">
-                <a:latin typeface="宋体" panose="02010600030101010101" pitchFamily="2" charset="-122"/>
-                <a:ea typeface="宋体" panose="02010600030101010101" pitchFamily="2" charset="-122"/>
-              </a:rPr>
-              <a:t>)</a:t>
-            </a:r>
-          </a:p>
-        </p:txBody>
-      </p:sp>
-    </p:spTree>
-    <p:extLst>
-      <p:ext uri="{BB962C8B-B14F-4D97-AF65-F5344CB8AC3E}">
-        <p14:creationId xmlns:p14="http://schemas.microsoft.com/office/powerpoint/2010/main" val="846573269"/>
-      </p:ext>
-    </p:extLst>
-  </p:cSld>
-  <p:clrMapOvr>
-    <a:masterClrMapping/>
-  </p:clrMapOvr>
-</p:sld>
-</file>
-
-<file path=ppt/slides/slide37.xml><?xml version="1.0" encoding="utf-8"?>
-<p:sld xmlns:a="http://schemas.openxmlformats.org/drawingml/2006/main" xmlns:r="http://schemas.openxmlformats.org/officeDocument/2006/relationships" xmlns:p="http://schemas.openxmlformats.org/presentationml/2006/main">
-  <p:cSld>
-    <p:spTree>
-      <p:nvGrpSpPr>
-        <p:cNvPr id="1" name="">
-          <a:extLst>
-            <a:ext uri="{FF2B5EF4-FFF2-40B4-BE49-F238E27FC236}">
-              <a16:creationId xmlns:a16="http://schemas.microsoft.com/office/drawing/2014/main" id="{162DCA50-3312-21C4-7B1E-2804D2F73668}"/>
-            </a:ext>
-          </a:extLst>
-        </p:cNvPr>
-        <p:cNvGrpSpPr/>
-        <p:nvPr/>
-      </p:nvGrpSpPr>
-      <p:grpSpPr>
-        <a:xfrm>
-          <a:off x="0" y="0"/>
-          <a:ext cx="0" cy="0"/>
-          <a:chOff x="0" y="0"/>
-          <a:chExt cx="0" cy="0"/>
-        </a:xfrm>
-      </p:grpSpPr>
-      <p:sp>
-        <p:nvSpPr>
-          <p:cNvPr id="2" name="标题 1">
-            <a:extLst>
-              <a:ext uri="{FF2B5EF4-FFF2-40B4-BE49-F238E27FC236}">
-                <a16:creationId xmlns:a16="http://schemas.microsoft.com/office/drawing/2014/main" id="{CF48F5C1-57FF-B964-F868-7196ED23A984}"/>
-              </a:ext>
-            </a:extLst>
-          </p:cNvPr>
-          <p:cNvSpPr>
-            <a:spLocks noGrp="1"/>
-          </p:cNvSpPr>
-          <p:nvPr>
-            <p:ph type="title"/>
-          </p:nvPr>
-        </p:nvSpPr>
-        <p:spPr>
-          <a:xfrm>
-            <a:off x="0" y="0"/>
-            <a:ext cx="12192000" cy="1310639"/>
-          </a:xfrm>
-        </p:spPr>
-        <p:txBody>
-          <a:bodyPr>
-            <a:normAutofit/>
-          </a:bodyPr>
-          <a:lstStyle/>
-          <a:p>
-            <a:r>
-              <a:rPr lang="zh-CN" altLang="en-US" sz="4800" dirty="0">
-                <a:latin typeface="宋体" panose="02010600030101010101" pitchFamily="2" charset="-122"/>
-                <a:ea typeface="宋体" panose="02010600030101010101" pitchFamily="2" charset="-122"/>
-              </a:rPr>
-              <a:t>聊天界面</a:t>
-            </a:r>
-            <a:r>
-              <a:rPr lang="en-US" altLang="zh-CN" sz="4800" dirty="0">
-                <a:latin typeface="宋体" panose="02010600030101010101" pitchFamily="2" charset="-122"/>
-                <a:ea typeface="宋体" panose="02010600030101010101" pitchFamily="2" charset="-122"/>
-              </a:rPr>
-              <a:t>—</a:t>
-            </a:r>
-            <a:r>
-              <a:rPr lang="zh-CN" altLang="en-US" sz="4800" dirty="0">
-                <a:latin typeface="宋体" panose="02010600030101010101" pitchFamily="2" charset="-122"/>
-                <a:ea typeface="宋体" panose="02010600030101010101" pitchFamily="2" charset="-122"/>
-              </a:rPr>
-              <a:t>发送信息函数</a:t>
-            </a:r>
-          </a:p>
-        </p:txBody>
-      </p:sp>
-      <p:sp>
-        <p:nvSpPr>
-          <p:cNvPr id="3" name="内容占位符 2">
-            <a:extLst>
-              <a:ext uri="{FF2B5EF4-FFF2-40B4-BE49-F238E27FC236}">
-                <a16:creationId xmlns:a16="http://schemas.microsoft.com/office/drawing/2014/main" id="{7797ACB2-EB58-E8FD-7655-E604AF0CDA0D}"/>
-              </a:ext>
-            </a:extLst>
-          </p:cNvPr>
-          <p:cNvSpPr>
-            <a:spLocks noGrp="1"/>
-          </p:cNvSpPr>
-          <p:nvPr>
-            <p:ph idx="1"/>
-          </p:nvPr>
-        </p:nvSpPr>
-        <p:spPr>
-          <a:xfrm>
-            <a:off x="0" y="1310639"/>
-            <a:ext cx="12192000" cy="5547360"/>
-          </a:xfrm>
-        </p:spPr>
-        <p:txBody>
-          <a:bodyPr>
-            <a:normAutofit/>
-          </a:bodyPr>
-          <a:lstStyle/>
-          <a:p>
-            <a:r>
-              <a:rPr lang="zh-CN" altLang="en-US" dirty="0">
-                <a:latin typeface="宋体" panose="02010600030101010101" pitchFamily="2" charset="-122"/>
-                <a:ea typeface="宋体" panose="02010600030101010101" pitchFamily="2" charset="-122"/>
-              </a:rPr>
-              <a:t>输入信息，点击发送后，在展示区展示聊天内容，并将内容连带时间和聊天对象存储到用于登录的用户聊天记录</a:t>
-            </a:r>
-            <a:r>
-              <a:rPr lang="en-US" altLang="zh-CN" dirty="0" err="1">
-                <a:latin typeface="宋体" panose="02010600030101010101" pitchFamily="2" charset="-122"/>
-                <a:ea typeface="宋体" panose="02010600030101010101" pitchFamily="2" charset="-122"/>
-              </a:rPr>
-              <a:t>json</a:t>
-            </a:r>
-            <a:r>
-              <a:rPr lang="zh-CN" altLang="en-US" dirty="0">
-                <a:latin typeface="宋体" panose="02010600030101010101" pitchFamily="2" charset="-122"/>
-                <a:ea typeface="宋体" panose="02010600030101010101" pitchFamily="2" charset="-122"/>
-              </a:rPr>
-              <a:t>文件中。</a:t>
-            </a:r>
-            <a:endParaRPr lang="en-US" altLang="zh-CN" dirty="0">
-              <a:latin typeface="宋体" panose="02010600030101010101" pitchFamily="2" charset="-122"/>
-              <a:ea typeface="宋体" panose="02010600030101010101" pitchFamily="2" charset="-122"/>
-            </a:endParaRPr>
-          </a:p>
-          <a:p>
-            <a:r>
-              <a:rPr lang="en-US" altLang="zh-CN" dirty="0">
-                <a:latin typeface="宋体" panose="02010600030101010101" pitchFamily="2" charset="-122"/>
-                <a:ea typeface="宋体" panose="02010600030101010101" pitchFamily="2" charset="-122"/>
-              </a:rPr>
-              <a:t>class </a:t>
-            </a:r>
-            <a:r>
-              <a:rPr lang="en-US" altLang="zh-CN" dirty="0" err="1">
-                <a:latin typeface="宋体" panose="02010600030101010101" pitchFamily="2" charset="-122"/>
-                <a:ea typeface="宋体" panose="02010600030101010101" pitchFamily="2" charset="-122"/>
-              </a:rPr>
-              <a:t>ChatApp</a:t>
-            </a:r>
-            <a:r>
-              <a:rPr lang="en-US" altLang="zh-CN" dirty="0">
-                <a:latin typeface="宋体" panose="02010600030101010101" pitchFamily="2" charset="-122"/>
-                <a:ea typeface="宋体" panose="02010600030101010101" pitchFamily="2" charset="-122"/>
-              </a:rPr>
-              <a:t>:</a:t>
-            </a:r>
-          </a:p>
-          <a:p>
-            <a:pPr lvl="1"/>
-            <a:r>
-              <a:rPr lang="en-US" altLang="zh-CN" dirty="0">
-                <a:latin typeface="宋体" panose="02010600030101010101" pitchFamily="2" charset="-122"/>
-                <a:ea typeface="宋体" panose="02010600030101010101" pitchFamily="2" charset="-122"/>
-              </a:rPr>
-              <a:t>def </a:t>
-            </a:r>
-            <a:r>
-              <a:rPr lang="en-US" altLang="zh-CN" dirty="0" err="1">
-                <a:latin typeface="宋体" panose="02010600030101010101" pitchFamily="2" charset="-122"/>
-                <a:ea typeface="宋体" panose="02010600030101010101" pitchFamily="2" charset="-122"/>
-              </a:rPr>
-              <a:t>send_message</a:t>
-            </a:r>
-            <a:r>
-              <a:rPr lang="en-US" altLang="zh-CN" dirty="0">
-                <a:latin typeface="宋体" panose="02010600030101010101" pitchFamily="2" charset="-122"/>
-                <a:ea typeface="宋体" panose="02010600030101010101" pitchFamily="2" charset="-122"/>
-              </a:rPr>
-              <a:t>(</a:t>
-            </a:r>
-            <a:r>
-              <a:rPr lang="en-US" altLang="zh-CN" dirty="0" err="1">
-                <a:latin typeface="宋体" panose="02010600030101010101" pitchFamily="2" charset="-122"/>
-                <a:ea typeface="宋体" panose="02010600030101010101" pitchFamily="2" charset="-122"/>
-              </a:rPr>
-              <a:t>self,event</a:t>
-            </a:r>
-            <a:r>
-              <a:rPr lang="en-US" altLang="zh-CN" dirty="0">
-                <a:latin typeface="宋体" panose="02010600030101010101" pitchFamily="2" charset="-122"/>
-                <a:ea typeface="宋体" panose="02010600030101010101" pitchFamily="2" charset="-122"/>
-              </a:rPr>
-              <a:t>=None):</a:t>
-            </a:r>
-          </a:p>
-          <a:p>
-            <a:pPr lvl="2"/>
-            <a:r>
-              <a:rPr lang="en-US" altLang="zh-CN" dirty="0">
-                <a:latin typeface="宋体" panose="02010600030101010101" pitchFamily="2" charset="-122"/>
-                <a:ea typeface="宋体" panose="02010600030101010101" pitchFamily="2" charset="-122"/>
-              </a:rPr>
-              <a:t>message=</a:t>
-            </a:r>
-            <a:r>
-              <a:rPr lang="en-US" altLang="zh-CN" dirty="0" err="1">
-                <a:latin typeface="宋体" panose="02010600030101010101" pitchFamily="2" charset="-122"/>
-                <a:ea typeface="宋体" panose="02010600030101010101" pitchFamily="2" charset="-122"/>
-              </a:rPr>
-              <a:t>self.message_entry.get</a:t>
-            </a:r>
-            <a:r>
-              <a:rPr lang="en-US" altLang="zh-CN" dirty="0">
-                <a:latin typeface="宋体" panose="02010600030101010101" pitchFamily="2" charset="-122"/>
-                <a:ea typeface="宋体" panose="02010600030101010101" pitchFamily="2" charset="-122"/>
-              </a:rPr>
-              <a:t>().strip()</a:t>
-            </a:r>
-          </a:p>
-          <a:p>
-            <a:pPr lvl="2"/>
-            <a:r>
-              <a:rPr lang="en-US" altLang="zh-CN" dirty="0">
-                <a:latin typeface="宋体" panose="02010600030101010101" pitchFamily="2" charset="-122"/>
-                <a:ea typeface="宋体" panose="02010600030101010101" pitchFamily="2" charset="-122"/>
-              </a:rPr>
-              <a:t># </a:t>
-            </a:r>
-            <a:r>
-              <a:rPr lang="zh-CN" altLang="en-US" dirty="0">
-                <a:latin typeface="宋体" panose="02010600030101010101" pitchFamily="2" charset="-122"/>
-                <a:ea typeface="宋体" panose="02010600030101010101" pitchFamily="2" charset="-122"/>
-              </a:rPr>
-              <a:t>若无新输入的信息或没有选中任何联系人，则直接返回</a:t>
-            </a:r>
-            <a:endParaRPr lang="en-US" altLang="zh-CN" dirty="0">
-              <a:latin typeface="宋体" panose="02010600030101010101" pitchFamily="2" charset="-122"/>
-              <a:ea typeface="宋体" panose="02010600030101010101" pitchFamily="2" charset="-122"/>
-            </a:endParaRPr>
-          </a:p>
-          <a:p>
-            <a:pPr lvl="2"/>
-            <a:r>
-              <a:rPr lang="en-US" altLang="zh-CN" dirty="0">
-                <a:latin typeface="宋体" panose="02010600030101010101" pitchFamily="2" charset="-122"/>
-                <a:ea typeface="宋体" panose="02010600030101010101" pitchFamily="2" charset="-122"/>
-              </a:rPr>
-              <a:t>if not message or not </a:t>
-            </a:r>
-            <a:r>
-              <a:rPr lang="en-US" altLang="zh-CN" dirty="0" err="1">
-                <a:latin typeface="宋体" panose="02010600030101010101" pitchFamily="2" charset="-122"/>
-                <a:ea typeface="宋体" panose="02010600030101010101" pitchFamily="2" charset="-122"/>
-              </a:rPr>
-              <a:t>self.current_contact</a:t>
-            </a:r>
-            <a:r>
-              <a:rPr lang="en-US" altLang="zh-CN" dirty="0">
-                <a:latin typeface="宋体" panose="02010600030101010101" pitchFamily="2" charset="-122"/>
-                <a:ea typeface="宋体" panose="02010600030101010101" pitchFamily="2" charset="-122"/>
-              </a:rPr>
-              <a:t>:</a:t>
-            </a:r>
-          </a:p>
-          <a:p>
-            <a:pPr lvl="3"/>
-            <a:r>
-              <a:rPr lang="en-US" altLang="zh-CN" dirty="0">
-                <a:latin typeface="宋体" panose="02010600030101010101" pitchFamily="2" charset="-122"/>
-                <a:ea typeface="宋体" panose="02010600030101010101" pitchFamily="2" charset="-122"/>
-              </a:rPr>
-              <a:t>return</a:t>
-            </a:r>
-          </a:p>
-          <a:p>
-            <a:pPr lvl="2"/>
-            <a:r>
-              <a:rPr lang="en-US" altLang="zh-CN" dirty="0">
-                <a:latin typeface="宋体" panose="02010600030101010101" pitchFamily="2" charset="-122"/>
-                <a:ea typeface="宋体" panose="02010600030101010101" pitchFamily="2" charset="-122"/>
-              </a:rPr>
-              <a:t># </a:t>
-            </a:r>
-            <a:r>
-              <a:rPr lang="zh-CN" altLang="en-US" dirty="0">
-                <a:latin typeface="宋体" panose="02010600030101010101" pitchFamily="2" charset="-122"/>
-                <a:ea typeface="宋体" panose="02010600030101010101" pitchFamily="2" charset="-122"/>
-              </a:rPr>
-              <a:t>获取当前时间</a:t>
-            </a:r>
-          </a:p>
-          <a:p>
-            <a:pPr lvl="2"/>
-            <a:r>
-              <a:rPr lang="en-US" altLang="zh-CN" dirty="0">
-                <a:latin typeface="宋体" panose="02010600030101010101" pitchFamily="2" charset="-122"/>
-                <a:ea typeface="宋体" panose="02010600030101010101" pitchFamily="2" charset="-122"/>
-              </a:rPr>
-              <a:t>now = </a:t>
-            </a:r>
-            <a:r>
-              <a:rPr lang="en-US" altLang="zh-CN" dirty="0" err="1">
-                <a:latin typeface="宋体" panose="02010600030101010101" pitchFamily="2" charset="-122"/>
-                <a:ea typeface="宋体" panose="02010600030101010101" pitchFamily="2" charset="-122"/>
-              </a:rPr>
-              <a:t>datetime.datetime.now</a:t>
-            </a:r>
-            <a:r>
-              <a:rPr lang="en-US" altLang="zh-CN" dirty="0">
-                <a:latin typeface="宋体" panose="02010600030101010101" pitchFamily="2" charset="-122"/>
-                <a:ea typeface="宋体" panose="02010600030101010101" pitchFamily="2" charset="-122"/>
-              </a:rPr>
-              <a:t>()</a:t>
-            </a:r>
-          </a:p>
-          <a:p>
-            <a:pPr lvl="2"/>
-            <a:r>
-              <a:rPr lang="en-US" altLang="zh-CN" dirty="0" err="1">
-                <a:latin typeface="宋体" panose="02010600030101010101" pitchFamily="2" charset="-122"/>
-                <a:ea typeface="宋体" panose="02010600030101010101" pitchFamily="2" charset="-122"/>
-              </a:rPr>
-              <a:t>time_str</a:t>
-            </a:r>
-            <a:r>
-              <a:rPr lang="en-US" altLang="zh-CN" dirty="0">
-                <a:latin typeface="宋体" panose="02010600030101010101" pitchFamily="2" charset="-122"/>
-                <a:ea typeface="宋体" panose="02010600030101010101" pitchFamily="2" charset="-122"/>
-              </a:rPr>
-              <a:t> = </a:t>
-            </a:r>
-            <a:r>
-              <a:rPr lang="en-US" altLang="zh-CN" dirty="0" err="1">
-                <a:latin typeface="宋体" panose="02010600030101010101" pitchFamily="2" charset="-122"/>
-                <a:ea typeface="宋体" panose="02010600030101010101" pitchFamily="2" charset="-122"/>
-              </a:rPr>
-              <a:t>now.strftime</a:t>
-            </a:r>
-            <a:r>
-              <a:rPr lang="en-US" altLang="zh-CN" dirty="0">
-                <a:latin typeface="宋体" panose="02010600030101010101" pitchFamily="2" charset="-122"/>
-                <a:ea typeface="宋体" panose="02010600030101010101" pitchFamily="2" charset="-122"/>
-              </a:rPr>
-              <a:t>("%H:%M")</a:t>
-            </a:r>
-          </a:p>
-          <a:p>
-            <a:pPr lvl="2"/>
-            <a:endParaRPr lang="en-US" altLang="zh-CN" dirty="0">
-              <a:latin typeface="宋体" panose="02010600030101010101" pitchFamily="2" charset="-122"/>
-              <a:ea typeface="宋体" panose="02010600030101010101" pitchFamily="2" charset="-122"/>
-            </a:endParaRPr>
-          </a:p>
-          <a:p>
-            <a:pPr lvl="2"/>
-            <a:r>
-              <a:rPr lang="en-US" altLang="zh-CN" dirty="0">
-                <a:latin typeface="宋体" panose="02010600030101010101" pitchFamily="2" charset="-122"/>
-                <a:ea typeface="宋体" panose="02010600030101010101" pitchFamily="2" charset="-122"/>
-              </a:rPr>
-              <a:t># </a:t>
-            </a:r>
-            <a:r>
-              <a:rPr lang="zh-CN" altLang="en-US" dirty="0">
-                <a:latin typeface="宋体" panose="02010600030101010101" pitchFamily="2" charset="-122"/>
-                <a:ea typeface="宋体" panose="02010600030101010101" pitchFamily="2" charset="-122"/>
-              </a:rPr>
-              <a:t>格式化消息</a:t>
-            </a:r>
-          </a:p>
-          <a:p>
-            <a:pPr lvl="2"/>
-            <a:r>
-              <a:rPr lang="en-US" altLang="zh-CN" dirty="0" err="1">
-                <a:latin typeface="宋体" panose="02010600030101010101" pitchFamily="2" charset="-122"/>
-                <a:ea typeface="宋体" panose="02010600030101010101" pitchFamily="2" charset="-122"/>
-              </a:rPr>
-              <a:t>formatted_message</a:t>
-            </a:r>
-            <a:r>
-              <a:rPr lang="en-US" altLang="zh-CN" dirty="0">
-                <a:latin typeface="宋体" panose="02010600030101010101" pitchFamily="2" charset="-122"/>
-                <a:ea typeface="宋体" panose="02010600030101010101" pitchFamily="2" charset="-122"/>
-              </a:rPr>
-              <a:t> = f"[{</a:t>
-            </a:r>
-            <a:r>
-              <a:rPr lang="en-US" altLang="zh-CN" dirty="0" err="1">
-                <a:latin typeface="宋体" panose="02010600030101010101" pitchFamily="2" charset="-122"/>
-                <a:ea typeface="宋体" panose="02010600030101010101" pitchFamily="2" charset="-122"/>
-              </a:rPr>
-              <a:t>time_str</a:t>
-            </a:r>
-            <a:r>
-              <a:rPr lang="en-US" altLang="zh-CN" dirty="0">
-                <a:latin typeface="宋体" panose="02010600030101010101" pitchFamily="2" charset="-122"/>
-                <a:ea typeface="宋体" panose="02010600030101010101" pitchFamily="2" charset="-122"/>
-              </a:rPr>
-              <a:t>}] </a:t>
-            </a:r>
-            <a:r>
-              <a:rPr lang="zh-CN" altLang="en-US" dirty="0">
-                <a:latin typeface="宋体" panose="02010600030101010101" pitchFamily="2" charset="-122"/>
-                <a:ea typeface="宋体" panose="02010600030101010101" pitchFamily="2" charset="-122"/>
-              </a:rPr>
-              <a:t>我</a:t>
-            </a:r>
-            <a:r>
-              <a:rPr lang="en-US" altLang="zh-CN" dirty="0">
-                <a:latin typeface="宋体" panose="02010600030101010101" pitchFamily="2" charset="-122"/>
-                <a:ea typeface="宋体" panose="02010600030101010101" pitchFamily="2" charset="-122"/>
-              </a:rPr>
-              <a:t>: {message}\n"</a:t>
-            </a:r>
-          </a:p>
-          <a:p>
-            <a:pPr lvl="3"/>
-            <a:endParaRPr lang="en-US" altLang="zh-CN" dirty="0">
-              <a:latin typeface="宋体" panose="02010600030101010101" pitchFamily="2" charset="-122"/>
-              <a:ea typeface="宋体" panose="02010600030101010101" pitchFamily="2" charset="-122"/>
-            </a:endParaRPr>
-          </a:p>
-        </p:txBody>
-      </p:sp>
-    </p:spTree>
-    <p:extLst>
-      <p:ext uri="{BB962C8B-B14F-4D97-AF65-F5344CB8AC3E}">
-        <p14:creationId xmlns:p14="http://schemas.microsoft.com/office/powerpoint/2010/main" val="2711486440"/>
-      </p:ext>
-    </p:extLst>
-  </p:cSld>
-  <p:clrMapOvr>
-    <a:masterClrMapping/>
-  </p:clrMapOvr>
-</p:sld>
-</file>
-
-<file path=ppt/slides/slide38.xml><?xml version="1.0" encoding="utf-8"?>
-<p:sld xmlns:a="http://schemas.openxmlformats.org/drawingml/2006/main" xmlns:r="http://schemas.openxmlformats.org/officeDocument/2006/relationships" xmlns:p="http://schemas.openxmlformats.org/presentationml/2006/main">
-  <p:cSld>
-    <p:spTree>
-      <p:nvGrpSpPr>
-        <p:cNvPr id="1" name="">
-          <a:extLst>
-            <a:ext uri="{FF2B5EF4-FFF2-40B4-BE49-F238E27FC236}">
-              <a16:creationId xmlns:a16="http://schemas.microsoft.com/office/drawing/2014/main" id="{D92B7795-01F8-F3A7-1CF0-9F4AED27A6B8}"/>
-            </a:ext>
-          </a:extLst>
-        </p:cNvPr>
-        <p:cNvGrpSpPr/>
-        <p:nvPr/>
-      </p:nvGrpSpPr>
-      <p:grpSpPr>
-        <a:xfrm>
-          <a:off x="0" y="0"/>
-          <a:ext cx="0" cy="0"/>
-          <a:chOff x="0" y="0"/>
-          <a:chExt cx="0" cy="0"/>
-        </a:xfrm>
-      </p:grpSpPr>
-      <p:sp>
-        <p:nvSpPr>
-          <p:cNvPr id="2" name="标题 1">
-            <a:extLst>
-              <a:ext uri="{FF2B5EF4-FFF2-40B4-BE49-F238E27FC236}">
-                <a16:creationId xmlns:a16="http://schemas.microsoft.com/office/drawing/2014/main" id="{B516B3C8-2C48-B558-ED01-A74C665F383E}"/>
-              </a:ext>
-            </a:extLst>
-          </p:cNvPr>
-          <p:cNvSpPr>
-            <a:spLocks noGrp="1"/>
-          </p:cNvSpPr>
-          <p:nvPr>
-            <p:ph type="title"/>
-          </p:nvPr>
-        </p:nvSpPr>
-        <p:spPr>
-          <a:xfrm>
-            <a:off x="0" y="0"/>
-            <a:ext cx="12192000" cy="1310639"/>
-          </a:xfrm>
-        </p:spPr>
-        <p:txBody>
-          <a:bodyPr>
-            <a:normAutofit/>
-          </a:bodyPr>
-          <a:lstStyle/>
-          <a:p>
-            <a:r>
-              <a:rPr lang="zh-CN" altLang="en-US" sz="4800" dirty="0">
-                <a:latin typeface="宋体" panose="02010600030101010101" pitchFamily="2" charset="-122"/>
-                <a:ea typeface="宋体" panose="02010600030101010101" pitchFamily="2" charset="-122"/>
-              </a:rPr>
-              <a:t>聊天界面</a:t>
-            </a:r>
-            <a:r>
-              <a:rPr lang="en-US" altLang="zh-CN" sz="4800" dirty="0">
-                <a:latin typeface="宋体" panose="02010600030101010101" pitchFamily="2" charset="-122"/>
-                <a:ea typeface="宋体" panose="02010600030101010101" pitchFamily="2" charset="-122"/>
-              </a:rPr>
-              <a:t>—</a:t>
-            </a:r>
-            <a:r>
-              <a:rPr lang="zh-CN" altLang="en-US" sz="4800" dirty="0">
-                <a:latin typeface="宋体" panose="02010600030101010101" pitchFamily="2" charset="-122"/>
-                <a:ea typeface="宋体" panose="02010600030101010101" pitchFamily="2" charset="-122"/>
-              </a:rPr>
-              <a:t>发送信息函数</a:t>
-            </a:r>
-          </a:p>
-        </p:txBody>
-      </p:sp>
-      <p:sp>
-        <p:nvSpPr>
-          <p:cNvPr id="3" name="内容占位符 2">
-            <a:extLst>
-              <a:ext uri="{FF2B5EF4-FFF2-40B4-BE49-F238E27FC236}">
-                <a16:creationId xmlns:a16="http://schemas.microsoft.com/office/drawing/2014/main" id="{6AAEDF07-D6CC-677B-DF93-BC93FC1F6AFF}"/>
-              </a:ext>
-            </a:extLst>
-          </p:cNvPr>
-          <p:cNvSpPr>
-            <a:spLocks noGrp="1"/>
-          </p:cNvSpPr>
-          <p:nvPr>
-            <p:ph idx="1"/>
-          </p:nvPr>
-        </p:nvSpPr>
-        <p:spPr>
-          <a:xfrm>
-            <a:off x="0" y="1310639"/>
-            <a:ext cx="12192000" cy="5547360"/>
-          </a:xfrm>
-        </p:spPr>
-        <p:txBody>
-          <a:bodyPr>
-            <a:normAutofit lnSpcReduction="10000"/>
-          </a:bodyPr>
-          <a:lstStyle/>
-          <a:p>
-            <a:r>
-              <a:rPr lang="zh-CN" altLang="en-US" dirty="0">
-                <a:latin typeface="宋体" panose="02010600030101010101" pitchFamily="2" charset="-122"/>
-                <a:ea typeface="宋体" panose="02010600030101010101" pitchFamily="2" charset="-122"/>
-              </a:rPr>
-              <a:t>输入信息，点击发送后，在展示区展示聊天内容，并将内容连带时间和聊天对象存储到用于登录的用户聊天记录</a:t>
-            </a:r>
-            <a:r>
-              <a:rPr lang="en-US" altLang="zh-CN" dirty="0" err="1">
-                <a:latin typeface="宋体" panose="02010600030101010101" pitchFamily="2" charset="-122"/>
-                <a:ea typeface="宋体" panose="02010600030101010101" pitchFamily="2" charset="-122"/>
-              </a:rPr>
-              <a:t>json</a:t>
-            </a:r>
-            <a:r>
-              <a:rPr lang="zh-CN" altLang="en-US" dirty="0">
-                <a:latin typeface="宋体" panose="02010600030101010101" pitchFamily="2" charset="-122"/>
-                <a:ea typeface="宋体" panose="02010600030101010101" pitchFamily="2" charset="-122"/>
-              </a:rPr>
-              <a:t>文件中。</a:t>
-            </a:r>
-            <a:endParaRPr lang="en-US" altLang="zh-CN" dirty="0">
-              <a:latin typeface="宋体" panose="02010600030101010101" pitchFamily="2" charset="-122"/>
-              <a:ea typeface="宋体" panose="02010600030101010101" pitchFamily="2" charset="-122"/>
-            </a:endParaRPr>
-          </a:p>
-          <a:p>
-            <a:r>
-              <a:rPr lang="en-US" altLang="zh-CN" dirty="0">
-                <a:latin typeface="宋体" panose="02010600030101010101" pitchFamily="2" charset="-122"/>
-                <a:ea typeface="宋体" panose="02010600030101010101" pitchFamily="2" charset="-122"/>
-              </a:rPr>
-              <a:t>class </a:t>
-            </a:r>
-            <a:r>
-              <a:rPr lang="en-US" altLang="zh-CN" dirty="0" err="1">
-                <a:latin typeface="宋体" panose="02010600030101010101" pitchFamily="2" charset="-122"/>
-                <a:ea typeface="宋体" panose="02010600030101010101" pitchFamily="2" charset="-122"/>
-              </a:rPr>
-              <a:t>ChatApp</a:t>
-            </a:r>
-            <a:r>
-              <a:rPr lang="en-US" altLang="zh-CN" dirty="0">
-                <a:latin typeface="宋体" panose="02010600030101010101" pitchFamily="2" charset="-122"/>
-                <a:ea typeface="宋体" panose="02010600030101010101" pitchFamily="2" charset="-122"/>
-              </a:rPr>
-              <a:t>:</a:t>
-            </a:r>
-          </a:p>
-          <a:p>
-            <a:pPr lvl="1"/>
-            <a:r>
-              <a:rPr lang="en-US" altLang="zh-CN" dirty="0">
-                <a:latin typeface="宋体" panose="02010600030101010101" pitchFamily="2" charset="-122"/>
-                <a:ea typeface="宋体" panose="02010600030101010101" pitchFamily="2" charset="-122"/>
-              </a:rPr>
-              <a:t>def </a:t>
-            </a:r>
-            <a:r>
-              <a:rPr lang="en-US" altLang="zh-CN" dirty="0" err="1">
-                <a:latin typeface="宋体" panose="02010600030101010101" pitchFamily="2" charset="-122"/>
-                <a:ea typeface="宋体" panose="02010600030101010101" pitchFamily="2" charset="-122"/>
-              </a:rPr>
-              <a:t>send_message</a:t>
-            </a:r>
-            <a:r>
-              <a:rPr lang="en-US" altLang="zh-CN" dirty="0">
-                <a:latin typeface="宋体" panose="02010600030101010101" pitchFamily="2" charset="-122"/>
-                <a:ea typeface="宋体" panose="02010600030101010101" pitchFamily="2" charset="-122"/>
-              </a:rPr>
-              <a:t>(</a:t>
-            </a:r>
-            <a:r>
-              <a:rPr lang="en-US" altLang="zh-CN" dirty="0" err="1">
-                <a:latin typeface="宋体" panose="02010600030101010101" pitchFamily="2" charset="-122"/>
-                <a:ea typeface="宋体" panose="02010600030101010101" pitchFamily="2" charset="-122"/>
-              </a:rPr>
-              <a:t>self,event</a:t>
-            </a:r>
-            <a:r>
-              <a:rPr lang="en-US" altLang="zh-CN" dirty="0">
-                <a:latin typeface="宋体" panose="02010600030101010101" pitchFamily="2" charset="-122"/>
-                <a:ea typeface="宋体" panose="02010600030101010101" pitchFamily="2" charset="-122"/>
-              </a:rPr>
-              <a:t>=None):</a:t>
-            </a:r>
-          </a:p>
-          <a:p>
-            <a:pPr lvl="2"/>
-            <a:r>
-              <a:rPr lang="en-US" altLang="zh-CN" dirty="0">
-                <a:latin typeface="宋体" panose="02010600030101010101" pitchFamily="2" charset="-122"/>
-                <a:ea typeface="宋体" panose="02010600030101010101" pitchFamily="2" charset="-122"/>
-              </a:rPr>
-              <a:t># </a:t>
-            </a:r>
-            <a:r>
-              <a:rPr lang="zh-CN" altLang="en-US" dirty="0">
-                <a:latin typeface="宋体" panose="02010600030101010101" pitchFamily="2" charset="-122"/>
-                <a:ea typeface="宋体" panose="02010600030101010101" pitchFamily="2" charset="-122"/>
-              </a:rPr>
-              <a:t>若与选中的联系人无聊天记录</a:t>
-            </a:r>
-          </a:p>
-          <a:p>
-            <a:pPr lvl="2"/>
-            <a:r>
-              <a:rPr lang="en-US" altLang="zh-CN" dirty="0">
-                <a:latin typeface="宋体" panose="02010600030101010101" pitchFamily="2" charset="-122"/>
-                <a:ea typeface="宋体" panose="02010600030101010101" pitchFamily="2" charset="-122"/>
-              </a:rPr>
-              <a:t>if </a:t>
-            </a:r>
-            <a:r>
-              <a:rPr lang="en-US" altLang="zh-CN" dirty="0" err="1">
-                <a:latin typeface="宋体" panose="02010600030101010101" pitchFamily="2" charset="-122"/>
-                <a:ea typeface="宋体" panose="02010600030101010101" pitchFamily="2" charset="-122"/>
-              </a:rPr>
-              <a:t>self.current_contact</a:t>
-            </a:r>
-            <a:r>
-              <a:rPr lang="en-US" altLang="zh-CN" dirty="0">
-                <a:latin typeface="宋体" panose="02010600030101010101" pitchFamily="2" charset="-122"/>
-                <a:ea typeface="宋体" panose="02010600030101010101" pitchFamily="2" charset="-122"/>
-              </a:rPr>
-              <a:t> not in </a:t>
-            </a:r>
-            <a:r>
-              <a:rPr lang="en-US" altLang="zh-CN" dirty="0" err="1">
-                <a:latin typeface="宋体" panose="02010600030101010101" pitchFamily="2" charset="-122"/>
-                <a:ea typeface="宋体" panose="02010600030101010101" pitchFamily="2" charset="-122"/>
-              </a:rPr>
-              <a:t>self.chat_history</a:t>
-            </a:r>
-            <a:r>
-              <a:rPr lang="en-US" altLang="zh-CN" dirty="0">
-                <a:latin typeface="宋体" panose="02010600030101010101" pitchFamily="2" charset="-122"/>
-                <a:ea typeface="宋体" panose="02010600030101010101" pitchFamily="2" charset="-122"/>
-              </a:rPr>
-              <a:t>:</a:t>
-            </a:r>
-          </a:p>
-          <a:p>
-            <a:pPr lvl="2"/>
-            <a:r>
-              <a:rPr lang="en-US" altLang="zh-CN" dirty="0">
-                <a:latin typeface="宋体" panose="02010600030101010101" pitchFamily="2" charset="-122"/>
-                <a:ea typeface="宋体" panose="02010600030101010101" pitchFamily="2" charset="-122"/>
-              </a:rPr>
-              <a:t>     # </a:t>
-            </a:r>
-            <a:r>
-              <a:rPr lang="zh-CN" altLang="en-US" dirty="0">
-                <a:latin typeface="宋体" panose="02010600030101010101" pitchFamily="2" charset="-122"/>
-                <a:ea typeface="宋体" panose="02010600030101010101" pitchFamily="2" charset="-122"/>
-              </a:rPr>
-              <a:t>则向聊天记录中添加选中的联系人</a:t>
-            </a:r>
-          </a:p>
-          <a:p>
-            <a:pPr lvl="2"/>
-            <a:r>
-              <a:rPr lang="zh-CN" altLang="en-US" dirty="0">
-                <a:latin typeface="宋体" panose="02010600030101010101" pitchFamily="2" charset="-122"/>
-                <a:ea typeface="宋体" panose="02010600030101010101" pitchFamily="2" charset="-122"/>
-              </a:rPr>
-              <a:t>     </a:t>
-            </a:r>
-            <a:r>
-              <a:rPr lang="en-US" altLang="zh-CN" dirty="0" err="1">
-                <a:latin typeface="宋体" panose="02010600030101010101" pitchFamily="2" charset="-122"/>
-                <a:ea typeface="宋体" panose="02010600030101010101" pitchFamily="2" charset="-122"/>
-              </a:rPr>
-              <a:t>self.chat_history</a:t>
-            </a:r>
-            <a:r>
-              <a:rPr lang="en-US" altLang="zh-CN" dirty="0">
-                <a:latin typeface="宋体" panose="02010600030101010101" pitchFamily="2" charset="-122"/>
-                <a:ea typeface="宋体" panose="02010600030101010101" pitchFamily="2" charset="-122"/>
-              </a:rPr>
-              <a:t>[</a:t>
-            </a:r>
-            <a:r>
-              <a:rPr lang="en-US" altLang="zh-CN" dirty="0" err="1">
-                <a:latin typeface="宋体" panose="02010600030101010101" pitchFamily="2" charset="-122"/>
-                <a:ea typeface="宋体" panose="02010600030101010101" pitchFamily="2" charset="-122"/>
-              </a:rPr>
-              <a:t>self.current_contact</a:t>
-            </a:r>
-            <a:r>
-              <a:rPr lang="en-US" altLang="zh-CN" dirty="0">
-                <a:latin typeface="宋体" panose="02010600030101010101" pitchFamily="2" charset="-122"/>
-                <a:ea typeface="宋体" panose="02010600030101010101" pitchFamily="2" charset="-122"/>
-              </a:rPr>
-              <a:t>] = []</a:t>
-            </a:r>
-          </a:p>
-          <a:p>
-            <a:pPr lvl="2"/>
-            <a:r>
-              <a:rPr lang="en-US" altLang="zh-CN" dirty="0">
-                <a:latin typeface="宋体" panose="02010600030101010101" pitchFamily="2" charset="-122"/>
-                <a:ea typeface="宋体" panose="02010600030101010101" pitchFamily="2" charset="-122"/>
-              </a:rPr>
-              <a:t># </a:t>
-            </a:r>
-            <a:r>
-              <a:rPr lang="zh-CN" altLang="en-US" dirty="0">
-                <a:latin typeface="宋体" panose="02010600030101010101" pitchFamily="2" charset="-122"/>
-                <a:ea typeface="宋体" panose="02010600030101010101" pitchFamily="2" charset="-122"/>
-              </a:rPr>
-              <a:t>将与选中的联系人的聊天记录添加到</a:t>
-            </a:r>
-            <a:r>
-              <a:rPr lang="en-US" altLang="zh-CN" dirty="0" err="1">
-                <a:latin typeface="宋体" panose="02010600030101010101" pitchFamily="2" charset="-122"/>
-                <a:ea typeface="宋体" panose="02010600030101010101" pitchFamily="2" charset="-122"/>
-              </a:rPr>
-              <a:t>chat_history</a:t>
-            </a:r>
-            <a:r>
-              <a:rPr lang="zh-CN" altLang="en-US" dirty="0">
-                <a:latin typeface="宋体" panose="02010600030101010101" pitchFamily="2" charset="-122"/>
-                <a:ea typeface="宋体" panose="02010600030101010101" pitchFamily="2" charset="-122"/>
-              </a:rPr>
-              <a:t>中</a:t>
-            </a:r>
-          </a:p>
-          <a:p>
-            <a:pPr lvl="2"/>
-            <a:r>
-              <a:rPr lang="en-US" altLang="zh-CN" dirty="0" err="1">
-                <a:latin typeface="宋体" panose="02010600030101010101" pitchFamily="2" charset="-122"/>
-                <a:ea typeface="宋体" panose="02010600030101010101" pitchFamily="2" charset="-122"/>
-              </a:rPr>
-              <a:t>self.chat_history</a:t>
-            </a:r>
-            <a:r>
-              <a:rPr lang="en-US" altLang="zh-CN" dirty="0">
-                <a:latin typeface="宋体" panose="02010600030101010101" pitchFamily="2" charset="-122"/>
-                <a:ea typeface="宋体" panose="02010600030101010101" pitchFamily="2" charset="-122"/>
-              </a:rPr>
-              <a:t>[</a:t>
-            </a:r>
-            <a:r>
-              <a:rPr lang="en-US" altLang="zh-CN" dirty="0" err="1">
-                <a:latin typeface="宋体" panose="02010600030101010101" pitchFamily="2" charset="-122"/>
-                <a:ea typeface="宋体" panose="02010600030101010101" pitchFamily="2" charset="-122"/>
-              </a:rPr>
-              <a:t>self.current_contact</a:t>
-            </a:r>
-            <a:r>
-              <a:rPr lang="en-US" altLang="zh-CN" dirty="0">
-                <a:latin typeface="宋体" panose="02010600030101010101" pitchFamily="2" charset="-122"/>
-                <a:ea typeface="宋体" panose="02010600030101010101" pitchFamily="2" charset="-122"/>
-              </a:rPr>
-              <a:t>].append(</a:t>
-            </a:r>
-            <a:r>
-              <a:rPr lang="en-US" altLang="zh-CN" dirty="0" err="1">
-                <a:latin typeface="宋体" panose="02010600030101010101" pitchFamily="2" charset="-122"/>
-                <a:ea typeface="宋体" panose="02010600030101010101" pitchFamily="2" charset="-122"/>
-              </a:rPr>
-              <a:t>formatted_message</a:t>
-            </a:r>
-            <a:r>
-              <a:rPr lang="en-US" altLang="zh-CN" dirty="0">
-                <a:latin typeface="宋体" panose="02010600030101010101" pitchFamily="2" charset="-122"/>
-                <a:ea typeface="宋体" panose="02010600030101010101" pitchFamily="2" charset="-122"/>
-              </a:rPr>
-              <a:t>)</a:t>
-            </a:r>
-          </a:p>
-          <a:p>
-            <a:pPr lvl="2"/>
-            <a:endParaRPr lang="en-US" altLang="zh-CN" dirty="0">
-              <a:latin typeface="宋体" panose="02010600030101010101" pitchFamily="2" charset="-122"/>
-              <a:ea typeface="宋体" panose="02010600030101010101" pitchFamily="2" charset="-122"/>
-            </a:endParaRPr>
-          </a:p>
-          <a:p>
-            <a:pPr lvl="2"/>
-            <a:r>
-              <a:rPr lang="en-US" altLang="zh-CN" dirty="0">
-                <a:latin typeface="宋体" panose="02010600030101010101" pitchFamily="2" charset="-122"/>
-                <a:ea typeface="宋体" panose="02010600030101010101" pitchFamily="2" charset="-122"/>
-              </a:rPr>
-              <a:t># </a:t>
-            </a:r>
-            <a:r>
-              <a:rPr lang="zh-CN" altLang="en-US" dirty="0">
-                <a:latin typeface="宋体" panose="02010600030101010101" pitchFamily="2" charset="-122"/>
-                <a:ea typeface="宋体" panose="02010600030101010101" pitchFamily="2" charset="-122"/>
-              </a:rPr>
-              <a:t>更新聊天区域</a:t>
-            </a:r>
-          </a:p>
-          <a:p>
-            <a:pPr lvl="2"/>
-            <a:r>
-              <a:rPr lang="en-US" altLang="zh-CN" dirty="0" err="1">
-                <a:latin typeface="宋体" panose="02010600030101010101" pitchFamily="2" charset="-122"/>
-                <a:ea typeface="宋体" panose="02010600030101010101" pitchFamily="2" charset="-122"/>
-              </a:rPr>
-              <a:t>self.chat_area.config</a:t>
-            </a:r>
-            <a:r>
-              <a:rPr lang="en-US" altLang="zh-CN" dirty="0">
-                <a:latin typeface="宋体" panose="02010600030101010101" pitchFamily="2" charset="-122"/>
-                <a:ea typeface="宋体" panose="02010600030101010101" pitchFamily="2" charset="-122"/>
-              </a:rPr>
-              <a:t>(state='normal')</a:t>
-            </a:r>
-          </a:p>
-          <a:p>
-            <a:pPr lvl="2"/>
-            <a:r>
-              <a:rPr lang="en-US" altLang="zh-CN" dirty="0" err="1">
-                <a:latin typeface="宋体" panose="02010600030101010101" pitchFamily="2" charset="-122"/>
-                <a:ea typeface="宋体" panose="02010600030101010101" pitchFamily="2" charset="-122"/>
-              </a:rPr>
-              <a:t>self.chat_area.insert</a:t>
-            </a:r>
-            <a:r>
-              <a:rPr lang="en-US" altLang="zh-CN" dirty="0">
-                <a:latin typeface="宋体" panose="02010600030101010101" pitchFamily="2" charset="-122"/>
-                <a:ea typeface="宋体" panose="02010600030101010101" pitchFamily="2" charset="-122"/>
-              </a:rPr>
-              <a:t>(</a:t>
-            </a:r>
-            <a:r>
-              <a:rPr lang="en-US" altLang="zh-CN" dirty="0" err="1">
-                <a:latin typeface="宋体" panose="02010600030101010101" pitchFamily="2" charset="-122"/>
-                <a:ea typeface="宋体" panose="02010600030101010101" pitchFamily="2" charset="-122"/>
-              </a:rPr>
-              <a:t>tk.END</a:t>
-            </a:r>
-            <a:r>
-              <a:rPr lang="en-US" altLang="zh-CN" dirty="0">
-                <a:latin typeface="宋体" panose="02010600030101010101" pitchFamily="2" charset="-122"/>
-                <a:ea typeface="宋体" panose="02010600030101010101" pitchFamily="2" charset="-122"/>
-              </a:rPr>
-              <a:t>, </a:t>
-            </a:r>
-            <a:r>
-              <a:rPr lang="en-US" altLang="zh-CN" dirty="0" err="1">
-                <a:latin typeface="宋体" panose="02010600030101010101" pitchFamily="2" charset="-122"/>
-                <a:ea typeface="宋体" panose="02010600030101010101" pitchFamily="2" charset="-122"/>
-              </a:rPr>
-              <a:t>formatted_message</a:t>
-            </a:r>
-            <a:r>
-              <a:rPr lang="en-US" altLang="zh-CN" dirty="0">
-                <a:latin typeface="宋体" panose="02010600030101010101" pitchFamily="2" charset="-122"/>
-                <a:ea typeface="宋体" panose="02010600030101010101" pitchFamily="2" charset="-122"/>
-              </a:rPr>
-              <a:t>)</a:t>
-            </a:r>
-          </a:p>
-          <a:p>
-            <a:pPr lvl="2"/>
-            <a:r>
-              <a:rPr lang="en-US" altLang="zh-CN" dirty="0" err="1">
-                <a:latin typeface="宋体" panose="02010600030101010101" pitchFamily="2" charset="-122"/>
-                <a:ea typeface="宋体" panose="02010600030101010101" pitchFamily="2" charset="-122"/>
-              </a:rPr>
-              <a:t>self.chat_area.config</a:t>
-            </a:r>
-            <a:r>
-              <a:rPr lang="en-US" altLang="zh-CN" dirty="0">
-                <a:latin typeface="宋体" panose="02010600030101010101" pitchFamily="2" charset="-122"/>
-                <a:ea typeface="宋体" panose="02010600030101010101" pitchFamily="2" charset="-122"/>
-              </a:rPr>
-              <a:t>(state='disabled')</a:t>
-            </a:r>
-          </a:p>
-          <a:p>
-            <a:pPr lvl="2"/>
-            <a:r>
-              <a:rPr lang="en-US" altLang="zh-CN" dirty="0" err="1">
-                <a:latin typeface="宋体" panose="02010600030101010101" pitchFamily="2" charset="-122"/>
-                <a:ea typeface="宋体" panose="02010600030101010101" pitchFamily="2" charset="-122"/>
-              </a:rPr>
-              <a:t>self.chat_area.yview</a:t>
-            </a:r>
-            <a:r>
-              <a:rPr lang="en-US" altLang="zh-CN" dirty="0">
-                <a:latin typeface="宋体" panose="02010600030101010101" pitchFamily="2" charset="-122"/>
-                <a:ea typeface="宋体" panose="02010600030101010101" pitchFamily="2" charset="-122"/>
-              </a:rPr>
-              <a:t>(</a:t>
-            </a:r>
-            <a:r>
-              <a:rPr lang="en-US" altLang="zh-CN" dirty="0" err="1">
-                <a:latin typeface="宋体" panose="02010600030101010101" pitchFamily="2" charset="-122"/>
-                <a:ea typeface="宋体" panose="02010600030101010101" pitchFamily="2" charset="-122"/>
-              </a:rPr>
-              <a:t>tk.END</a:t>
-            </a:r>
-            <a:r>
-              <a:rPr lang="en-US" altLang="zh-CN" dirty="0">
-                <a:latin typeface="宋体" panose="02010600030101010101" pitchFamily="2" charset="-122"/>
-                <a:ea typeface="宋体" panose="02010600030101010101" pitchFamily="2" charset="-122"/>
-              </a:rPr>
-              <a:t>)</a:t>
-            </a:r>
-          </a:p>
-        </p:txBody>
-      </p:sp>
-    </p:spTree>
-    <p:extLst>
-      <p:ext uri="{BB962C8B-B14F-4D97-AF65-F5344CB8AC3E}">
-        <p14:creationId xmlns:p14="http://schemas.microsoft.com/office/powerpoint/2010/main" val="1495330730"/>
-      </p:ext>
-    </p:extLst>
-  </p:cSld>
-  <p:clrMapOvr>
-    <a:masterClrMapping/>
-  </p:clrMapOvr>
-</p:sld>
-</file>
-
-<file path=ppt/slides/slide39.xml><?xml version="1.0" encoding="utf-8"?>
-<p:sld xmlns:a="http://schemas.openxmlformats.org/drawingml/2006/main" xmlns:r="http://schemas.openxmlformats.org/officeDocument/2006/relationships" xmlns:p="http://schemas.openxmlformats.org/presentationml/2006/main">
-  <p:cSld>
-    <p:spTree>
-      <p:nvGrpSpPr>
-        <p:cNvPr id="1" name="">
-          <a:extLst>
-            <a:ext uri="{FF2B5EF4-FFF2-40B4-BE49-F238E27FC236}">
-              <a16:creationId xmlns:a16="http://schemas.microsoft.com/office/drawing/2014/main" id="{EB0CCF17-30ED-2F7F-EFA5-42C6BF217917}"/>
-            </a:ext>
-          </a:extLst>
-        </p:cNvPr>
-        <p:cNvGrpSpPr/>
-        <p:nvPr/>
-      </p:nvGrpSpPr>
-      <p:grpSpPr>
-        <a:xfrm>
-          <a:off x="0" y="0"/>
-          <a:ext cx="0" cy="0"/>
-          <a:chOff x="0" y="0"/>
-          <a:chExt cx="0" cy="0"/>
-        </a:xfrm>
-      </p:grpSpPr>
-      <p:sp>
-        <p:nvSpPr>
-          <p:cNvPr id="2" name="标题 1">
-            <a:extLst>
-              <a:ext uri="{FF2B5EF4-FFF2-40B4-BE49-F238E27FC236}">
-                <a16:creationId xmlns:a16="http://schemas.microsoft.com/office/drawing/2014/main" id="{EC50C330-996E-9349-62B1-08F6A82235E7}"/>
-              </a:ext>
-            </a:extLst>
-          </p:cNvPr>
-          <p:cNvSpPr>
-            <a:spLocks noGrp="1"/>
-          </p:cNvSpPr>
-          <p:nvPr>
-            <p:ph type="title"/>
-          </p:nvPr>
-        </p:nvSpPr>
-        <p:spPr>
-          <a:xfrm>
-            <a:off x="0" y="0"/>
-            <a:ext cx="12192000" cy="1310639"/>
-          </a:xfrm>
-        </p:spPr>
-        <p:txBody>
-          <a:bodyPr>
-            <a:normAutofit/>
-          </a:bodyPr>
-          <a:lstStyle/>
-          <a:p>
-            <a:r>
-              <a:rPr lang="zh-CN" altLang="en-US" sz="4800" dirty="0">
-                <a:latin typeface="宋体" panose="02010600030101010101" pitchFamily="2" charset="-122"/>
-                <a:ea typeface="宋体" panose="02010600030101010101" pitchFamily="2" charset="-122"/>
-              </a:rPr>
-              <a:t>聊天界面</a:t>
-            </a:r>
-            <a:r>
-              <a:rPr lang="en-US" altLang="zh-CN" sz="4800" dirty="0">
-                <a:latin typeface="宋体" panose="02010600030101010101" pitchFamily="2" charset="-122"/>
-                <a:ea typeface="宋体" panose="02010600030101010101" pitchFamily="2" charset="-122"/>
-              </a:rPr>
-              <a:t>—</a:t>
-            </a:r>
-            <a:r>
-              <a:rPr lang="zh-CN" altLang="en-US" sz="4800" dirty="0">
-                <a:latin typeface="宋体" panose="02010600030101010101" pitchFamily="2" charset="-122"/>
-                <a:ea typeface="宋体" panose="02010600030101010101" pitchFamily="2" charset="-122"/>
-              </a:rPr>
-              <a:t>发送信息函数</a:t>
-            </a:r>
-          </a:p>
-        </p:txBody>
-      </p:sp>
-      <p:sp>
-        <p:nvSpPr>
-          <p:cNvPr id="3" name="内容占位符 2">
-            <a:extLst>
-              <a:ext uri="{FF2B5EF4-FFF2-40B4-BE49-F238E27FC236}">
-                <a16:creationId xmlns:a16="http://schemas.microsoft.com/office/drawing/2014/main" id="{9E7132C2-CFC9-2D11-27C6-42E4F25B2EB0}"/>
-              </a:ext>
-            </a:extLst>
-          </p:cNvPr>
-          <p:cNvSpPr>
-            <a:spLocks noGrp="1"/>
-          </p:cNvSpPr>
-          <p:nvPr>
-            <p:ph idx="1"/>
-          </p:nvPr>
-        </p:nvSpPr>
-        <p:spPr>
-          <a:xfrm>
-            <a:off x="0" y="1310639"/>
-            <a:ext cx="12192000" cy="5547360"/>
-          </a:xfrm>
-        </p:spPr>
-        <p:txBody>
-          <a:bodyPr>
-            <a:normAutofit/>
-          </a:bodyPr>
-          <a:lstStyle/>
-          <a:p>
-            <a:r>
-              <a:rPr lang="zh-CN" altLang="en-US" dirty="0">
-                <a:latin typeface="宋体" panose="02010600030101010101" pitchFamily="2" charset="-122"/>
-                <a:ea typeface="宋体" panose="02010600030101010101" pitchFamily="2" charset="-122"/>
-              </a:rPr>
-              <a:t>输入信息，点击发送后，在展示区展示聊天内容，并将内容连带时间和聊天对象存储到用于登录的用户聊天记录</a:t>
-            </a:r>
-            <a:r>
-              <a:rPr lang="en-US" altLang="zh-CN" dirty="0" err="1">
-                <a:latin typeface="宋体" panose="02010600030101010101" pitchFamily="2" charset="-122"/>
-                <a:ea typeface="宋体" panose="02010600030101010101" pitchFamily="2" charset="-122"/>
-              </a:rPr>
-              <a:t>json</a:t>
-            </a:r>
-            <a:r>
-              <a:rPr lang="zh-CN" altLang="en-US" dirty="0">
-                <a:latin typeface="宋体" panose="02010600030101010101" pitchFamily="2" charset="-122"/>
-                <a:ea typeface="宋体" panose="02010600030101010101" pitchFamily="2" charset="-122"/>
-              </a:rPr>
-              <a:t>文件中。每次点击发送后，还需要情况输入框，以便于下次输入新的内容。</a:t>
-            </a:r>
-            <a:endParaRPr lang="en-US" altLang="zh-CN" dirty="0">
-              <a:latin typeface="宋体" panose="02010600030101010101" pitchFamily="2" charset="-122"/>
-              <a:ea typeface="宋体" panose="02010600030101010101" pitchFamily="2" charset="-122"/>
-            </a:endParaRPr>
-          </a:p>
-          <a:p>
-            <a:r>
-              <a:rPr lang="en-US" altLang="zh-CN" dirty="0">
-                <a:latin typeface="宋体" panose="02010600030101010101" pitchFamily="2" charset="-122"/>
-                <a:ea typeface="宋体" panose="02010600030101010101" pitchFamily="2" charset="-122"/>
-              </a:rPr>
-              <a:t>class </a:t>
-            </a:r>
-            <a:r>
-              <a:rPr lang="en-US" altLang="zh-CN" dirty="0" err="1">
-                <a:latin typeface="宋体" panose="02010600030101010101" pitchFamily="2" charset="-122"/>
-                <a:ea typeface="宋体" panose="02010600030101010101" pitchFamily="2" charset="-122"/>
-              </a:rPr>
-              <a:t>ChatApp</a:t>
-            </a:r>
-            <a:r>
-              <a:rPr lang="en-US" altLang="zh-CN" dirty="0">
-                <a:latin typeface="宋体" panose="02010600030101010101" pitchFamily="2" charset="-122"/>
-                <a:ea typeface="宋体" panose="02010600030101010101" pitchFamily="2" charset="-122"/>
-              </a:rPr>
-              <a:t>:</a:t>
-            </a:r>
-          </a:p>
-          <a:p>
-            <a:pPr lvl="1"/>
-            <a:r>
-              <a:rPr lang="en-US" altLang="zh-CN" dirty="0">
-                <a:latin typeface="宋体" panose="02010600030101010101" pitchFamily="2" charset="-122"/>
-                <a:ea typeface="宋体" panose="02010600030101010101" pitchFamily="2" charset="-122"/>
-              </a:rPr>
-              <a:t>def </a:t>
-            </a:r>
-            <a:r>
-              <a:rPr lang="en-US" altLang="zh-CN" dirty="0" err="1">
-                <a:latin typeface="宋体" panose="02010600030101010101" pitchFamily="2" charset="-122"/>
-                <a:ea typeface="宋体" panose="02010600030101010101" pitchFamily="2" charset="-122"/>
-              </a:rPr>
-              <a:t>send_message</a:t>
-            </a:r>
-            <a:r>
-              <a:rPr lang="en-US" altLang="zh-CN" dirty="0">
-                <a:latin typeface="宋体" panose="02010600030101010101" pitchFamily="2" charset="-122"/>
-                <a:ea typeface="宋体" panose="02010600030101010101" pitchFamily="2" charset="-122"/>
-              </a:rPr>
-              <a:t>(</a:t>
-            </a:r>
-            <a:r>
-              <a:rPr lang="en-US" altLang="zh-CN" dirty="0" err="1">
-                <a:latin typeface="宋体" panose="02010600030101010101" pitchFamily="2" charset="-122"/>
-                <a:ea typeface="宋体" panose="02010600030101010101" pitchFamily="2" charset="-122"/>
-              </a:rPr>
-              <a:t>self,event</a:t>
-            </a:r>
-            <a:r>
-              <a:rPr lang="en-US" altLang="zh-CN" dirty="0">
-                <a:latin typeface="宋体" panose="02010600030101010101" pitchFamily="2" charset="-122"/>
-                <a:ea typeface="宋体" panose="02010600030101010101" pitchFamily="2" charset="-122"/>
-              </a:rPr>
-              <a:t>=None):</a:t>
-            </a:r>
-          </a:p>
-          <a:p>
-            <a:pPr lvl="2"/>
-            <a:r>
-              <a:rPr lang="en-US" altLang="zh-CN" dirty="0">
-                <a:latin typeface="宋体" panose="02010600030101010101" pitchFamily="2" charset="-122"/>
-                <a:ea typeface="宋体" panose="02010600030101010101" pitchFamily="2" charset="-122"/>
-              </a:rPr>
-              <a:t># </a:t>
-            </a:r>
-            <a:r>
-              <a:rPr lang="zh-CN" altLang="en-US" dirty="0">
-                <a:latin typeface="宋体" panose="02010600030101010101" pitchFamily="2" charset="-122"/>
-                <a:ea typeface="宋体" panose="02010600030101010101" pitchFamily="2" charset="-122"/>
-              </a:rPr>
-              <a:t>清空输入框</a:t>
-            </a:r>
-            <a:endParaRPr lang="en-US" altLang="zh-CN" dirty="0">
-              <a:latin typeface="宋体" panose="02010600030101010101" pitchFamily="2" charset="-122"/>
-              <a:ea typeface="宋体" panose="02010600030101010101" pitchFamily="2" charset="-122"/>
-            </a:endParaRPr>
-          </a:p>
-          <a:p>
-            <a:pPr lvl="2"/>
-            <a:r>
-              <a:rPr lang="en-US" altLang="zh-CN" dirty="0" err="1">
-                <a:latin typeface="宋体" panose="02010600030101010101" pitchFamily="2" charset="-122"/>
-                <a:ea typeface="宋体" panose="02010600030101010101" pitchFamily="2" charset="-122"/>
-              </a:rPr>
-              <a:t>self.message_entry.delete</a:t>
-            </a:r>
-            <a:r>
-              <a:rPr lang="en-US" altLang="zh-CN" dirty="0">
-                <a:latin typeface="宋体" panose="02010600030101010101" pitchFamily="2" charset="-122"/>
-                <a:ea typeface="宋体" panose="02010600030101010101" pitchFamily="2" charset="-122"/>
-              </a:rPr>
-              <a:t>(0, </a:t>
-            </a:r>
-            <a:r>
-              <a:rPr lang="en-US" altLang="zh-CN" dirty="0" err="1">
-                <a:latin typeface="宋体" panose="02010600030101010101" pitchFamily="2" charset="-122"/>
-                <a:ea typeface="宋体" panose="02010600030101010101" pitchFamily="2" charset="-122"/>
-              </a:rPr>
-              <a:t>tk.END</a:t>
-            </a:r>
-            <a:r>
-              <a:rPr lang="en-US" altLang="zh-CN" dirty="0">
-                <a:latin typeface="宋体" panose="02010600030101010101" pitchFamily="2" charset="-122"/>
-                <a:ea typeface="宋体" panose="02010600030101010101" pitchFamily="2" charset="-122"/>
-              </a:rPr>
-              <a:t>)</a:t>
-            </a:r>
-          </a:p>
-          <a:p>
-            <a:pPr lvl="2"/>
-            <a:r>
-              <a:rPr lang="en-US" altLang="zh-CN" dirty="0">
-                <a:latin typeface="宋体" panose="02010600030101010101" pitchFamily="2" charset="-122"/>
-                <a:ea typeface="宋体" panose="02010600030101010101" pitchFamily="2" charset="-122"/>
-              </a:rPr>
-              <a:t># </a:t>
-            </a:r>
-            <a:r>
-              <a:rPr lang="zh-CN" altLang="en-US" dirty="0">
-                <a:latin typeface="宋体" panose="02010600030101010101" pitchFamily="2" charset="-122"/>
-                <a:ea typeface="宋体" panose="02010600030101010101" pitchFamily="2" charset="-122"/>
-              </a:rPr>
-              <a:t>将聊天记录存储到</a:t>
-            </a:r>
-            <a:r>
-              <a:rPr lang="en-US" altLang="zh-CN" dirty="0" err="1">
-                <a:latin typeface="宋体" panose="02010600030101010101" pitchFamily="2" charset="-122"/>
-                <a:ea typeface="宋体" panose="02010600030101010101" pitchFamily="2" charset="-122"/>
-              </a:rPr>
-              <a:t>chatHistory.json</a:t>
-            </a:r>
-            <a:r>
-              <a:rPr lang="zh-CN" altLang="en-US" dirty="0">
-                <a:latin typeface="宋体" panose="02010600030101010101" pitchFamily="2" charset="-122"/>
-                <a:ea typeface="宋体" panose="02010600030101010101" pitchFamily="2" charset="-122"/>
-              </a:rPr>
-              <a:t>文件中</a:t>
-            </a:r>
-          </a:p>
-          <a:p>
-            <a:pPr lvl="2"/>
-            <a:r>
-              <a:rPr lang="en-US" altLang="zh-CN" dirty="0">
-                <a:latin typeface="宋体" panose="02010600030101010101" pitchFamily="2" charset="-122"/>
-                <a:ea typeface="宋体" panose="02010600030101010101" pitchFamily="2" charset="-122"/>
-              </a:rPr>
-              <a:t>with open(f"{</a:t>
-            </a:r>
-            <a:r>
-              <a:rPr lang="en-US" altLang="zh-CN" dirty="0" err="1">
-                <a:latin typeface="宋体" panose="02010600030101010101" pitchFamily="2" charset="-122"/>
-                <a:ea typeface="宋体" panose="02010600030101010101" pitchFamily="2" charset="-122"/>
-              </a:rPr>
-              <a:t>self.username</a:t>
-            </a:r>
-            <a:r>
-              <a:rPr lang="en-US" altLang="zh-CN" dirty="0">
-                <a:latin typeface="宋体" panose="02010600030101010101" pitchFamily="2" charset="-122"/>
-                <a:ea typeface="宋体" panose="02010600030101010101" pitchFamily="2" charset="-122"/>
-              </a:rPr>
-              <a:t>}_</a:t>
-            </a:r>
-            <a:r>
-              <a:rPr lang="en-US" altLang="zh-CN" dirty="0" err="1">
-                <a:latin typeface="宋体" panose="02010600030101010101" pitchFamily="2" charset="-122"/>
-                <a:ea typeface="宋体" panose="02010600030101010101" pitchFamily="2" charset="-122"/>
-              </a:rPr>
-              <a:t>chatHistory.json</a:t>
-            </a:r>
-            <a:r>
-              <a:rPr lang="en-US" altLang="zh-CN" dirty="0">
-                <a:latin typeface="宋体" panose="02010600030101010101" pitchFamily="2" charset="-122"/>
-                <a:ea typeface="宋体" panose="02010600030101010101" pitchFamily="2" charset="-122"/>
-              </a:rPr>
-              <a:t>", 'w') as f:</a:t>
-            </a:r>
-          </a:p>
-          <a:p>
-            <a:pPr lvl="2"/>
-            <a:r>
-              <a:rPr lang="en-US" altLang="zh-CN" dirty="0">
-                <a:latin typeface="宋体" panose="02010600030101010101" pitchFamily="2" charset="-122"/>
-                <a:ea typeface="宋体" panose="02010600030101010101" pitchFamily="2" charset="-122"/>
-              </a:rPr>
-              <a:t>        </a:t>
-            </a:r>
-            <a:r>
-              <a:rPr lang="en-US" altLang="zh-CN" dirty="0" err="1">
-                <a:latin typeface="宋体" panose="02010600030101010101" pitchFamily="2" charset="-122"/>
-                <a:ea typeface="宋体" panose="02010600030101010101" pitchFamily="2" charset="-122"/>
-              </a:rPr>
-              <a:t>json.dump</a:t>
-            </a:r>
-            <a:r>
-              <a:rPr lang="en-US" altLang="zh-CN" dirty="0">
-                <a:latin typeface="宋体" panose="02010600030101010101" pitchFamily="2" charset="-122"/>
-                <a:ea typeface="宋体" panose="02010600030101010101" pitchFamily="2" charset="-122"/>
-              </a:rPr>
-              <a:t>(</a:t>
-            </a:r>
-            <a:r>
-              <a:rPr lang="en-US" altLang="zh-CN" dirty="0" err="1">
-                <a:latin typeface="宋体" panose="02010600030101010101" pitchFamily="2" charset="-122"/>
-                <a:ea typeface="宋体" panose="02010600030101010101" pitchFamily="2" charset="-122"/>
-              </a:rPr>
-              <a:t>self.chat_history</a:t>
-            </a:r>
-            <a:r>
-              <a:rPr lang="en-US" altLang="zh-CN" dirty="0">
-                <a:latin typeface="宋体" panose="02010600030101010101" pitchFamily="2" charset="-122"/>
-                <a:ea typeface="宋体" panose="02010600030101010101" pitchFamily="2" charset="-122"/>
-              </a:rPr>
-              <a:t>, f, indent=4)</a:t>
-            </a:r>
-          </a:p>
-          <a:p>
-            <a:pPr lvl="2"/>
-            <a:endParaRPr lang="en-US" altLang="zh-CN" dirty="0">
-              <a:latin typeface="宋体" panose="02010600030101010101" pitchFamily="2" charset="-122"/>
-              <a:ea typeface="宋体" panose="02010600030101010101" pitchFamily="2" charset="-122"/>
-            </a:endParaRPr>
-          </a:p>
-          <a:p>
-            <a:pPr lvl="2"/>
-            <a:r>
-              <a:rPr lang="en-US" altLang="zh-CN" dirty="0">
-                <a:latin typeface="宋体" panose="02010600030101010101" pitchFamily="2" charset="-122"/>
-                <a:ea typeface="宋体" panose="02010600030101010101" pitchFamily="2" charset="-122"/>
-              </a:rPr>
-              <a:t># </a:t>
-            </a:r>
-            <a:r>
-              <a:rPr lang="zh-CN" altLang="en-US" dirty="0">
-                <a:latin typeface="宋体" panose="02010600030101010101" pitchFamily="2" charset="-122"/>
-                <a:ea typeface="宋体" panose="02010600030101010101" pitchFamily="2" charset="-122"/>
-              </a:rPr>
-              <a:t>模拟回复</a:t>
-            </a:r>
-          </a:p>
-          <a:p>
-            <a:pPr lvl="2"/>
-            <a:r>
-              <a:rPr lang="en-US" altLang="zh-CN" dirty="0" err="1">
-                <a:latin typeface="宋体" panose="02010600030101010101" pitchFamily="2" charset="-122"/>
-                <a:ea typeface="宋体" panose="02010600030101010101" pitchFamily="2" charset="-122"/>
-              </a:rPr>
-              <a:t>self.root.after</a:t>
-            </a:r>
-            <a:r>
-              <a:rPr lang="en-US" altLang="zh-CN" dirty="0">
-                <a:latin typeface="宋体" panose="02010600030101010101" pitchFamily="2" charset="-122"/>
-                <a:ea typeface="宋体" panose="02010600030101010101" pitchFamily="2" charset="-122"/>
-              </a:rPr>
-              <a:t>(1000, </a:t>
-            </a:r>
-            <a:r>
-              <a:rPr lang="en-US" altLang="zh-CN" dirty="0" err="1">
-                <a:latin typeface="宋体" panose="02010600030101010101" pitchFamily="2" charset="-122"/>
-                <a:ea typeface="宋体" panose="02010600030101010101" pitchFamily="2" charset="-122"/>
-              </a:rPr>
-              <a:t>self.simulate_reply</a:t>
-            </a:r>
-            <a:r>
-              <a:rPr lang="en-US" altLang="zh-CN" dirty="0">
-                <a:latin typeface="宋体" panose="02010600030101010101" pitchFamily="2" charset="-122"/>
-                <a:ea typeface="宋体" panose="02010600030101010101" pitchFamily="2" charset="-122"/>
-              </a:rPr>
-              <a:t>)</a:t>
-            </a:r>
-          </a:p>
-        </p:txBody>
-      </p:sp>
-    </p:spTree>
-    <p:extLst>
-      <p:ext uri="{BB962C8B-B14F-4D97-AF65-F5344CB8AC3E}">
-        <p14:creationId xmlns:p14="http://schemas.microsoft.com/office/powerpoint/2010/main" val="1970918005"/>
       </p:ext>
     </p:extLst>
   </p:cSld>
@@ -17894,6 +17268,1831 @@
         <p:cNvPr id="1" name="">
           <a:extLst>
             <a:ext uri="{FF2B5EF4-FFF2-40B4-BE49-F238E27FC236}">
+              <a16:creationId xmlns:a16="http://schemas.microsoft.com/office/drawing/2014/main" id="{DE7E8B6A-EC1B-474F-FB5A-A6B671D27547}"/>
+            </a:ext>
+          </a:extLst>
+        </p:cNvPr>
+        <p:cNvGrpSpPr/>
+        <p:nvPr/>
+      </p:nvGrpSpPr>
+      <p:grpSpPr>
+        <a:xfrm>
+          <a:off x="0" y="0"/>
+          <a:ext cx="0" cy="0"/>
+          <a:chOff x="0" y="0"/>
+          <a:chExt cx="0" cy="0"/>
+        </a:xfrm>
+      </p:grpSpPr>
+      <p:sp>
+        <p:nvSpPr>
+          <p:cNvPr id="2" name="标题 1">
+            <a:extLst>
+              <a:ext uri="{FF2B5EF4-FFF2-40B4-BE49-F238E27FC236}">
+                <a16:creationId xmlns:a16="http://schemas.microsoft.com/office/drawing/2014/main" id="{97FC9F55-389A-E825-BA89-EE74FF0FF153}"/>
+              </a:ext>
+            </a:extLst>
+          </p:cNvPr>
+          <p:cNvSpPr>
+            <a:spLocks noGrp="1"/>
+          </p:cNvSpPr>
+          <p:nvPr>
+            <p:ph type="title"/>
+          </p:nvPr>
+        </p:nvSpPr>
+        <p:spPr>
+          <a:xfrm>
+            <a:off x="0" y="0"/>
+            <a:ext cx="12192000" cy="1310639"/>
+          </a:xfrm>
+        </p:spPr>
+        <p:txBody>
+          <a:bodyPr>
+            <a:normAutofit/>
+          </a:bodyPr>
+          <a:lstStyle/>
+          <a:p>
+            <a:r>
+              <a:rPr lang="zh-CN" altLang="en-US" sz="4800" dirty="0">
+                <a:latin typeface="宋体" panose="02010600030101010101" pitchFamily="2" charset="-122"/>
+                <a:ea typeface="宋体" panose="02010600030101010101" pitchFamily="2" charset="-122"/>
+              </a:rPr>
+              <a:t>聊天界面</a:t>
+            </a:r>
+            <a:r>
+              <a:rPr lang="en-US" altLang="zh-CN" sz="4800" dirty="0">
+                <a:latin typeface="宋体" panose="02010600030101010101" pitchFamily="2" charset="-122"/>
+                <a:ea typeface="宋体" panose="02010600030101010101" pitchFamily="2" charset="-122"/>
+              </a:rPr>
+              <a:t>—</a:t>
+            </a:r>
+            <a:r>
+              <a:rPr lang="zh-CN" altLang="en-US" sz="4800" dirty="0">
+                <a:latin typeface="宋体" panose="02010600030101010101" pitchFamily="2" charset="-122"/>
+                <a:ea typeface="宋体" panose="02010600030101010101" pitchFamily="2" charset="-122"/>
+              </a:rPr>
+              <a:t>选择聊天对象函数</a:t>
+            </a:r>
+          </a:p>
+        </p:txBody>
+      </p:sp>
+      <p:sp>
+        <p:nvSpPr>
+          <p:cNvPr id="3" name="内容占位符 2">
+            <a:extLst>
+              <a:ext uri="{FF2B5EF4-FFF2-40B4-BE49-F238E27FC236}">
+                <a16:creationId xmlns:a16="http://schemas.microsoft.com/office/drawing/2014/main" id="{A3C8682A-054B-D0CC-94F1-7C5656D30228}"/>
+              </a:ext>
+            </a:extLst>
+          </p:cNvPr>
+          <p:cNvSpPr>
+            <a:spLocks noGrp="1"/>
+          </p:cNvSpPr>
+          <p:nvPr>
+            <p:ph idx="1"/>
+          </p:nvPr>
+        </p:nvSpPr>
+        <p:spPr>
+          <a:xfrm>
+            <a:off x="0" y="1310639"/>
+            <a:ext cx="12192000" cy="5547360"/>
+          </a:xfrm>
+        </p:spPr>
+        <p:txBody>
+          <a:bodyPr>
+            <a:normAutofit/>
+          </a:bodyPr>
+          <a:lstStyle/>
+          <a:p>
+            <a:r>
+              <a:rPr lang="en-US" altLang="zh-CN" dirty="0">
+                <a:latin typeface="宋体" panose="02010600030101010101" pitchFamily="2" charset="-122"/>
+                <a:ea typeface="宋体" panose="02010600030101010101" pitchFamily="2" charset="-122"/>
+              </a:rPr>
+              <a:t>class </a:t>
+            </a:r>
+            <a:r>
+              <a:rPr lang="en-US" altLang="zh-CN" dirty="0" err="1">
+                <a:latin typeface="宋体" panose="02010600030101010101" pitchFamily="2" charset="-122"/>
+                <a:ea typeface="宋体" panose="02010600030101010101" pitchFamily="2" charset="-122"/>
+              </a:rPr>
+              <a:t>ChatApp</a:t>
+            </a:r>
+            <a:r>
+              <a:rPr lang="en-US" altLang="zh-CN" dirty="0">
+                <a:latin typeface="宋体" panose="02010600030101010101" pitchFamily="2" charset="-122"/>
+                <a:ea typeface="宋体" panose="02010600030101010101" pitchFamily="2" charset="-122"/>
+              </a:rPr>
+              <a:t>:</a:t>
+            </a:r>
+          </a:p>
+          <a:p>
+            <a:pPr lvl="1"/>
+            <a:r>
+              <a:rPr lang="en-US" altLang="zh-CN" dirty="0">
+                <a:latin typeface="宋体" panose="02010600030101010101" pitchFamily="2" charset="-122"/>
+                <a:ea typeface="宋体" panose="02010600030101010101" pitchFamily="2" charset="-122"/>
+              </a:rPr>
+              <a:t>def </a:t>
+            </a:r>
+            <a:r>
+              <a:rPr lang="en-US" altLang="zh-CN" dirty="0" err="1">
+                <a:latin typeface="宋体" panose="02010600030101010101" pitchFamily="2" charset="-122"/>
+                <a:ea typeface="宋体" panose="02010600030101010101" pitchFamily="2" charset="-122"/>
+              </a:rPr>
+              <a:t>select_contact</a:t>
+            </a:r>
+            <a:r>
+              <a:rPr lang="en-US" altLang="zh-CN" dirty="0">
+                <a:latin typeface="宋体" panose="02010600030101010101" pitchFamily="2" charset="-122"/>
+                <a:ea typeface="宋体" panose="02010600030101010101" pitchFamily="2" charset="-122"/>
+              </a:rPr>
+              <a:t>(</a:t>
+            </a:r>
+            <a:r>
+              <a:rPr lang="en-US" altLang="zh-CN" dirty="0" err="1">
+                <a:latin typeface="宋体" panose="02010600030101010101" pitchFamily="2" charset="-122"/>
+                <a:ea typeface="宋体" panose="02010600030101010101" pitchFamily="2" charset="-122"/>
+              </a:rPr>
+              <a:t>self,contact</a:t>
+            </a:r>
+            <a:r>
+              <a:rPr lang="en-US" altLang="zh-CN" dirty="0">
+                <a:latin typeface="宋体" panose="02010600030101010101" pitchFamily="2" charset="-122"/>
+                <a:ea typeface="宋体" panose="02010600030101010101" pitchFamily="2" charset="-122"/>
+              </a:rPr>
+              <a:t>):</a:t>
+            </a:r>
+          </a:p>
+          <a:p>
+            <a:pPr lvl="2"/>
+            <a:r>
+              <a:rPr lang="en-US" altLang="zh-CN" dirty="0">
+                <a:latin typeface="宋体" panose="02010600030101010101" pitchFamily="2" charset="-122"/>
+                <a:ea typeface="宋体" panose="02010600030101010101" pitchFamily="2" charset="-122"/>
+              </a:rPr>
+              <a:t># </a:t>
+            </a:r>
+            <a:r>
+              <a:rPr lang="zh-CN" altLang="en-US" dirty="0">
+                <a:latin typeface="宋体" panose="02010600030101010101" pitchFamily="2" charset="-122"/>
+                <a:ea typeface="宋体" panose="02010600030101010101" pitchFamily="2" charset="-122"/>
+              </a:rPr>
+              <a:t>显示聊天记录</a:t>
+            </a:r>
+          </a:p>
+          <a:p>
+            <a:pPr lvl="2"/>
+            <a:r>
+              <a:rPr lang="en-US" altLang="zh-CN" dirty="0" err="1">
+                <a:latin typeface="宋体" panose="02010600030101010101" pitchFamily="2" charset="-122"/>
+                <a:ea typeface="宋体" panose="02010600030101010101" pitchFamily="2" charset="-122"/>
+              </a:rPr>
+              <a:t>self.chat_area.config</a:t>
+            </a:r>
+            <a:r>
+              <a:rPr lang="en-US" altLang="zh-CN" dirty="0">
+                <a:latin typeface="宋体" panose="02010600030101010101" pitchFamily="2" charset="-122"/>
+                <a:ea typeface="宋体" panose="02010600030101010101" pitchFamily="2" charset="-122"/>
+              </a:rPr>
+              <a:t>(state='normal')</a:t>
+            </a:r>
+          </a:p>
+          <a:p>
+            <a:pPr lvl="2"/>
+            <a:r>
+              <a:rPr lang="en-US" altLang="zh-CN" dirty="0" err="1">
+                <a:latin typeface="宋体" panose="02010600030101010101" pitchFamily="2" charset="-122"/>
+                <a:ea typeface="宋体" panose="02010600030101010101" pitchFamily="2" charset="-122"/>
+              </a:rPr>
+              <a:t>self.chat_area.delete</a:t>
+            </a:r>
+            <a:r>
+              <a:rPr lang="en-US" altLang="zh-CN" dirty="0">
+                <a:latin typeface="宋体" panose="02010600030101010101" pitchFamily="2" charset="-122"/>
+                <a:ea typeface="宋体" panose="02010600030101010101" pitchFamily="2" charset="-122"/>
+              </a:rPr>
+              <a:t>(1.0, </a:t>
+            </a:r>
+            <a:r>
+              <a:rPr lang="en-US" altLang="zh-CN" dirty="0" err="1">
+                <a:latin typeface="宋体" panose="02010600030101010101" pitchFamily="2" charset="-122"/>
+                <a:ea typeface="宋体" panose="02010600030101010101" pitchFamily="2" charset="-122"/>
+              </a:rPr>
+              <a:t>tk.END</a:t>
+            </a:r>
+            <a:r>
+              <a:rPr lang="en-US" altLang="zh-CN" dirty="0">
+                <a:latin typeface="宋体" panose="02010600030101010101" pitchFamily="2" charset="-122"/>
+                <a:ea typeface="宋体" panose="02010600030101010101" pitchFamily="2" charset="-122"/>
+              </a:rPr>
+              <a:t>)</a:t>
+            </a:r>
+          </a:p>
+          <a:p>
+            <a:pPr lvl="2"/>
+            <a:endParaRPr lang="en-US" altLang="zh-CN" dirty="0">
+              <a:latin typeface="宋体" panose="02010600030101010101" pitchFamily="2" charset="-122"/>
+              <a:ea typeface="宋体" panose="02010600030101010101" pitchFamily="2" charset="-122"/>
+            </a:endParaRPr>
+          </a:p>
+          <a:p>
+            <a:pPr lvl="2"/>
+            <a:r>
+              <a:rPr lang="en-US" altLang="zh-CN" dirty="0">
+                <a:latin typeface="宋体" panose="02010600030101010101" pitchFamily="2" charset="-122"/>
+                <a:ea typeface="宋体" panose="02010600030101010101" pitchFamily="2" charset="-122"/>
+              </a:rPr>
+              <a:t># </a:t>
+            </a:r>
+            <a:r>
+              <a:rPr lang="zh-CN" altLang="en-US" dirty="0">
+                <a:latin typeface="宋体" panose="02010600030101010101" pitchFamily="2" charset="-122"/>
+                <a:ea typeface="宋体" panose="02010600030101010101" pitchFamily="2" charset="-122"/>
+              </a:rPr>
+              <a:t>选中的联系人在之前有过聊天记录</a:t>
+            </a:r>
+          </a:p>
+          <a:p>
+            <a:pPr lvl="2"/>
+            <a:r>
+              <a:rPr lang="en-US" altLang="zh-CN" dirty="0">
+                <a:latin typeface="宋体" panose="02010600030101010101" pitchFamily="2" charset="-122"/>
+                <a:ea typeface="宋体" panose="02010600030101010101" pitchFamily="2" charset="-122"/>
+              </a:rPr>
+              <a:t>if contact in </a:t>
+            </a:r>
+            <a:r>
+              <a:rPr lang="en-US" altLang="zh-CN" dirty="0" err="1">
+                <a:latin typeface="宋体" panose="02010600030101010101" pitchFamily="2" charset="-122"/>
+                <a:ea typeface="宋体" panose="02010600030101010101" pitchFamily="2" charset="-122"/>
+              </a:rPr>
+              <a:t>self.chat_history</a:t>
+            </a:r>
+            <a:r>
+              <a:rPr lang="en-US" altLang="zh-CN" dirty="0">
+                <a:latin typeface="宋体" panose="02010600030101010101" pitchFamily="2" charset="-122"/>
+                <a:ea typeface="宋体" panose="02010600030101010101" pitchFamily="2" charset="-122"/>
+              </a:rPr>
+              <a:t>:</a:t>
+            </a:r>
+          </a:p>
+          <a:p>
+            <a:pPr lvl="2"/>
+            <a:r>
+              <a:rPr lang="en-US" altLang="zh-CN" dirty="0">
+                <a:latin typeface="宋体" panose="02010600030101010101" pitchFamily="2" charset="-122"/>
+                <a:ea typeface="宋体" panose="02010600030101010101" pitchFamily="2" charset="-122"/>
+              </a:rPr>
+              <a:t>     # </a:t>
+            </a:r>
+            <a:r>
+              <a:rPr lang="zh-CN" altLang="en-US" dirty="0">
+                <a:latin typeface="宋体" panose="02010600030101010101" pitchFamily="2" charset="-122"/>
+                <a:ea typeface="宋体" panose="02010600030101010101" pitchFamily="2" charset="-122"/>
+              </a:rPr>
+              <a:t>获取到与该联系人的聊天记录</a:t>
+            </a:r>
+          </a:p>
+          <a:p>
+            <a:pPr lvl="2"/>
+            <a:r>
+              <a:rPr lang="zh-CN" altLang="en-US" dirty="0">
+                <a:latin typeface="宋体" panose="02010600030101010101" pitchFamily="2" charset="-122"/>
+                <a:ea typeface="宋体" panose="02010600030101010101" pitchFamily="2" charset="-122"/>
+              </a:rPr>
+              <a:t>     </a:t>
+            </a:r>
+            <a:r>
+              <a:rPr lang="en-US" altLang="zh-CN" dirty="0">
+                <a:latin typeface="宋体" panose="02010600030101010101" pitchFamily="2" charset="-122"/>
+                <a:ea typeface="宋体" panose="02010600030101010101" pitchFamily="2" charset="-122"/>
+              </a:rPr>
+              <a:t>for message in </a:t>
+            </a:r>
+            <a:r>
+              <a:rPr lang="en-US" altLang="zh-CN" dirty="0" err="1">
+                <a:latin typeface="宋体" panose="02010600030101010101" pitchFamily="2" charset="-122"/>
+                <a:ea typeface="宋体" panose="02010600030101010101" pitchFamily="2" charset="-122"/>
+              </a:rPr>
+              <a:t>self.chat_history</a:t>
+            </a:r>
+            <a:r>
+              <a:rPr lang="en-US" altLang="zh-CN" dirty="0">
+                <a:latin typeface="宋体" panose="02010600030101010101" pitchFamily="2" charset="-122"/>
+                <a:ea typeface="宋体" panose="02010600030101010101" pitchFamily="2" charset="-122"/>
+              </a:rPr>
+              <a:t>[contact]:</a:t>
+            </a:r>
+          </a:p>
+          <a:p>
+            <a:pPr lvl="2"/>
+            <a:r>
+              <a:rPr lang="en-US" altLang="zh-CN" dirty="0">
+                <a:latin typeface="宋体" panose="02010600030101010101" pitchFamily="2" charset="-122"/>
+                <a:ea typeface="宋体" panose="02010600030101010101" pitchFamily="2" charset="-122"/>
+              </a:rPr>
+              <a:t>           # </a:t>
+            </a:r>
+            <a:r>
+              <a:rPr lang="zh-CN" altLang="en-US" dirty="0">
+                <a:latin typeface="宋体" panose="02010600030101010101" pitchFamily="2" charset="-122"/>
+                <a:ea typeface="宋体" panose="02010600030101010101" pitchFamily="2" charset="-122"/>
+              </a:rPr>
+              <a:t>向聊天区域添加新聊天记录中</a:t>
+            </a:r>
+          </a:p>
+          <a:p>
+            <a:pPr lvl="2"/>
+            <a:r>
+              <a:rPr lang="zh-CN" altLang="en-US" dirty="0">
+                <a:latin typeface="宋体" panose="02010600030101010101" pitchFamily="2" charset="-122"/>
+                <a:ea typeface="宋体" panose="02010600030101010101" pitchFamily="2" charset="-122"/>
+              </a:rPr>
+              <a:t>           </a:t>
+            </a:r>
+            <a:r>
+              <a:rPr lang="en-US" altLang="zh-CN" dirty="0" err="1">
+                <a:latin typeface="宋体" panose="02010600030101010101" pitchFamily="2" charset="-122"/>
+                <a:ea typeface="宋体" panose="02010600030101010101" pitchFamily="2" charset="-122"/>
+              </a:rPr>
+              <a:t>self.chat_area.insert</a:t>
+            </a:r>
+            <a:r>
+              <a:rPr lang="en-US" altLang="zh-CN" dirty="0">
+                <a:latin typeface="宋体" panose="02010600030101010101" pitchFamily="2" charset="-122"/>
+                <a:ea typeface="宋体" panose="02010600030101010101" pitchFamily="2" charset="-122"/>
+              </a:rPr>
+              <a:t>(</a:t>
+            </a:r>
+            <a:r>
+              <a:rPr lang="en-US" altLang="zh-CN" dirty="0" err="1">
+                <a:latin typeface="宋体" panose="02010600030101010101" pitchFamily="2" charset="-122"/>
+                <a:ea typeface="宋体" panose="02010600030101010101" pitchFamily="2" charset="-122"/>
+              </a:rPr>
+              <a:t>tk.END</a:t>
+            </a:r>
+            <a:r>
+              <a:rPr lang="en-US" altLang="zh-CN" dirty="0">
+                <a:latin typeface="宋体" panose="02010600030101010101" pitchFamily="2" charset="-122"/>
+                <a:ea typeface="宋体" panose="02010600030101010101" pitchFamily="2" charset="-122"/>
+              </a:rPr>
+              <a:t>, message)</a:t>
+            </a:r>
+          </a:p>
+          <a:p>
+            <a:pPr lvl="2"/>
+            <a:endParaRPr lang="en-US" altLang="zh-CN" dirty="0">
+              <a:latin typeface="宋体" panose="02010600030101010101" pitchFamily="2" charset="-122"/>
+              <a:ea typeface="宋体" panose="02010600030101010101" pitchFamily="2" charset="-122"/>
+            </a:endParaRPr>
+          </a:p>
+          <a:p>
+            <a:pPr lvl="2"/>
+            <a:r>
+              <a:rPr lang="en-US" altLang="zh-CN" dirty="0" err="1">
+                <a:latin typeface="宋体" panose="02010600030101010101" pitchFamily="2" charset="-122"/>
+                <a:ea typeface="宋体" panose="02010600030101010101" pitchFamily="2" charset="-122"/>
+              </a:rPr>
+              <a:t>self.chat_area.config</a:t>
+            </a:r>
+            <a:r>
+              <a:rPr lang="en-US" altLang="zh-CN" dirty="0">
+                <a:latin typeface="宋体" panose="02010600030101010101" pitchFamily="2" charset="-122"/>
+                <a:ea typeface="宋体" panose="02010600030101010101" pitchFamily="2" charset="-122"/>
+              </a:rPr>
+              <a:t>(state='disabled')</a:t>
+            </a:r>
+          </a:p>
+          <a:p>
+            <a:pPr lvl="2"/>
+            <a:r>
+              <a:rPr lang="en-US" altLang="zh-CN" dirty="0" err="1">
+                <a:latin typeface="宋体" panose="02010600030101010101" pitchFamily="2" charset="-122"/>
+                <a:ea typeface="宋体" panose="02010600030101010101" pitchFamily="2" charset="-122"/>
+              </a:rPr>
+              <a:t>self.chat_area.yview</a:t>
+            </a:r>
+            <a:r>
+              <a:rPr lang="en-US" altLang="zh-CN" dirty="0">
+                <a:latin typeface="宋体" panose="02010600030101010101" pitchFamily="2" charset="-122"/>
+                <a:ea typeface="宋体" panose="02010600030101010101" pitchFamily="2" charset="-122"/>
+              </a:rPr>
+              <a:t>(</a:t>
+            </a:r>
+            <a:r>
+              <a:rPr lang="en-US" altLang="zh-CN" dirty="0" err="1">
+                <a:latin typeface="宋体" panose="02010600030101010101" pitchFamily="2" charset="-122"/>
+                <a:ea typeface="宋体" panose="02010600030101010101" pitchFamily="2" charset="-122"/>
+              </a:rPr>
+              <a:t>tk.END</a:t>
+            </a:r>
+            <a:r>
+              <a:rPr lang="en-US" altLang="zh-CN" dirty="0">
+                <a:latin typeface="宋体" panose="02010600030101010101" pitchFamily="2" charset="-122"/>
+                <a:ea typeface="宋体" panose="02010600030101010101" pitchFamily="2" charset="-122"/>
+              </a:rPr>
+              <a:t>)</a:t>
+            </a:r>
+          </a:p>
+        </p:txBody>
+      </p:sp>
+    </p:spTree>
+    <p:extLst>
+      <p:ext uri="{BB962C8B-B14F-4D97-AF65-F5344CB8AC3E}">
+        <p14:creationId xmlns:p14="http://schemas.microsoft.com/office/powerpoint/2010/main" val="846573269"/>
+      </p:ext>
+    </p:extLst>
+  </p:cSld>
+  <p:clrMapOvr>
+    <a:masterClrMapping/>
+  </p:clrMapOvr>
+</p:sld>
+</file>
+
+<file path=ppt/slides/slide41.xml><?xml version="1.0" encoding="utf-8"?>
+<p:sld xmlns:a="http://schemas.openxmlformats.org/drawingml/2006/main" xmlns:r="http://schemas.openxmlformats.org/officeDocument/2006/relationships" xmlns:p="http://schemas.openxmlformats.org/presentationml/2006/main">
+  <p:cSld>
+    <p:spTree>
+      <p:nvGrpSpPr>
+        <p:cNvPr id="1" name="">
+          <a:extLst>
+            <a:ext uri="{FF2B5EF4-FFF2-40B4-BE49-F238E27FC236}">
+              <a16:creationId xmlns:a16="http://schemas.microsoft.com/office/drawing/2014/main" id="{162DCA50-3312-21C4-7B1E-2804D2F73668}"/>
+            </a:ext>
+          </a:extLst>
+        </p:cNvPr>
+        <p:cNvGrpSpPr/>
+        <p:nvPr/>
+      </p:nvGrpSpPr>
+      <p:grpSpPr>
+        <a:xfrm>
+          <a:off x="0" y="0"/>
+          <a:ext cx="0" cy="0"/>
+          <a:chOff x="0" y="0"/>
+          <a:chExt cx="0" cy="0"/>
+        </a:xfrm>
+      </p:grpSpPr>
+      <p:sp>
+        <p:nvSpPr>
+          <p:cNvPr id="2" name="标题 1">
+            <a:extLst>
+              <a:ext uri="{FF2B5EF4-FFF2-40B4-BE49-F238E27FC236}">
+                <a16:creationId xmlns:a16="http://schemas.microsoft.com/office/drawing/2014/main" id="{CF48F5C1-57FF-B964-F868-7196ED23A984}"/>
+              </a:ext>
+            </a:extLst>
+          </p:cNvPr>
+          <p:cNvSpPr>
+            <a:spLocks noGrp="1"/>
+          </p:cNvSpPr>
+          <p:nvPr>
+            <p:ph type="title"/>
+          </p:nvPr>
+        </p:nvSpPr>
+        <p:spPr>
+          <a:xfrm>
+            <a:off x="0" y="0"/>
+            <a:ext cx="12192000" cy="1310639"/>
+          </a:xfrm>
+        </p:spPr>
+        <p:txBody>
+          <a:bodyPr>
+            <a:normAutofit/>
+          </a:bodyPr>
+          <a:lstStyle/>
+          <a:p>
+            <a:r>
+              <a:rPr lang="zh-CN" altLang="en-US" sz="4800" dirty="0">
+                <a:latin typeface="宋体" panose="02010600030101010101" pitchFamily="2" charset="-122"/>
+                <a:ea typeface="宋体" panose="02010600030101010101" pitchFamily="2" charset="-122"/>
+              </a:rPr>
+              <a:t>聊天界面</a:t>
+            </a:r>
+            <a:r>
+              <a:rPr lang="en-US" altLang="zh-CN" sz="4800" dirty="0">
+                <a:latin typeface="宋体" panose="02010600030101010101" pitchFamily="2" charset="-122"/>
+                <a:ea typeface="宋体" panose="02010600030101010101" pitchFamily="2" charset="-122"/>
+              </a:rPr>
+              <a:t>—</a:t>
+            </a:r>
+            <a:r>
+              <a:rPr lang="zh-CN" altLang="en-US" sz="4800" dirty="0">
+                <a:latin typeface="宋体" panose="02010600030101010101" pitchFamily="2" charset="-122"/>
+                <a:ea typeface="宋体" panose="02010600030101010101" pitchFamily="2" charset="-122"/>
+              </a:rPr>
+              <a:t>发送信息函数</a:t>
+            </a:r>
+          </a:p>
+        </p:txBody>
+      </p:sp>
+      <p:sp>
+        <p:nvSpPr>
+          <p:cNvPr id="3" name="内容占位符 2">
+            <a:extLst>
+              <a:ext uri="{FF2B5EF4-FFF2-40B4-BE49-F238E27FC236}">
+                <a16:creationId xmlns:a16="http://schemas.microsoft.com/office/drawing/2014/main" id="{7797ACB2-EB58-E8FD-7655-E604AF0CDA0D}"/>
+              </a:ext>
+            </a:extLst>
+          </p:cNvPr>
+          <p:cNvSpPr>
+            <a:spLocks noGrp="1"/>
+          </p:cNvSpPr>
+          <p:nvPr>
+            <p:ph idx="1"/>
+          </p:nvPr>
+        </p:nvSpPr>
+        <p:spPr>
+          <a:xfrm>
+            <a:off x="0" y="1310639"/>
+            <a:ext cx="12192000" cy="5547360"/>
+          </a:xfrm>
+        </p:spPr>
+        <p:txBody>
+          <a:bodyPr>
+            <a:normAutofit/>
+          </a:bodyPr>
+          <a:lstStyle/>
+          <a:p>
+            <a:r>
+              <a:rPr lang="zh-CN" altLang="en-US" dirty="0">
+                <a:latin typeface="宋体" panose="02010600030101010101" pitchFamily="2" charset="-122"/>
+                <a:ea typeface="宋体" panose="02010600030101010101" pitchFamily="2" charset="-122"/>
+              </a:rPr>
+              <a:t>输入信息，点击发送后，在展示区展示聊天内容，并将内容连带时间和聊天对象存储到用于登录的用户聊天记录</a:t>
+            </a:r>
+            <a:r>
+              <a:rPr lang="en-US" altLang="zh-CN" dirty="0" err="1">
+                <a:latin typeface="宋体" panose="02010600030101010101" pitchFamily="2" charset="-122"/>
+                <a:ea typeface="宋体" panose="02010600030101010101" pitchFamily="2" charset="-122"/>
+              </a:rPr>
+              <a:t>json</a:t>
+            </a:r>
+            <a:r>
+              <a:rPr lang="zh-CN" altLang="en-US" dirty="0">
+                <a:latin typeface="宋体" panose="02010600030101010101" pitchFamily="2" charset="-122"/>
+                <a:ea typeface="宋体" panose="02010600030101010101" pitchFamily="2" charset="-122"/>
+              </a:rPr>
+              <a:t>文件中。</a:t>
+            </a:r>
+            <a:endParaRPr lang="en-US" altLang="zh-CN" dirty="0">
+              <a:latin typeface="宋体" panose="02010600030101010101" pitchFamily="2" charset="-122"/>
+              <a:ea typeface="宋体" panose="02010600030101010101" pitchFamily="2" charset="-122"/>
+            </a:endParaRPr>
+          </a:p>
+          <a:p>
+            <a:r>
+              <a:rPr lang="en-US" altLang="zh-CN" dirty="0">
+                <a:latin typeface="宋体" panose="02010600030101010101" pitchFamily="2" charset="-122"/>
+                <a:ea typeface="宋体" panose="02010600030101010101" pitchFamily="2" charset="-122"/>
+              </a:rPr>
+              <a:t>class </a:t>
+            </a:r>
+            <a:r>
+              <a:rPr lang="en-US" altLang="zh-CN" dirty="0" err="1">
+                <a:latin typeface="宋体" panose="02010600030101010101" pitchFamily="2" charset="-122"/>
+                <a:ea typeface="宋体" panose="02010600030101010101" pitchFamily="2" charset="-122"/>
+              </a:rPr>
+              <a:t>ChatApp</a:t>
+            </a:r>
+            <a:r>
+              <a:rPr lang="en-US" altLang="zh-CN" dirty="0">
+                <a:latin typeface="宋体" panose="02010600030101010101" pitchFamily="2" charset="-122"/>
+                <a:ea typeface="宋体" panose="02010600030101010101" pitchFamily="2" charset="-122"/>
+              </a:rPr>
+              <a:t>:</a:t>
+            </a:r>
+          </a:p>
+          <a:p>
+            <a:pPr lvl="1"/>
+            <a:r>
+              <a:rPr lang="en-US" altLang="zh-CN" dirty="0">
+                <a:latin typeface="宋体" panose="02010600030101010101" pitchFamily="2" charset="-122"/>
+                <a:ea typeface="宋体" panose="02010600030101010101" pitchFamily="2" charset="-122"/>
+              </a:rPr>
+              <a:t>def </a:t>
+            </a:r>
+            <a:r>
+              <a:rPr lang="en-US" altLang="zh-CN" dirty="0" err="1">
+                <a:latin typeface="宋体" panose="02010600030101010101" pitchFamily="2" charset="-122"/>
+                <a:ea typeface="宋体" panose="02010600030101010101" pitchFamily="2" charset="-122"/>
+              </a:rPr>
+              <a:t>send_message</a:t>
+            </a:r>
+            <a:r>
+              <a:rPr lang="en-US" altLang="zh-CN" dirty="0">
+                <a:latin typeface="宋体" panose="02010600030101010101" pitchFamily="2" charset="-122"/>
+                <a:ea typeface="宋体" panose="02010600030101010101" pitchFamily="2" charset="-122"/>
+              </a:rPr>
+              <a:t>(</a:t>
+            </a:r>
+            <a:r>
+              <a:rPr lang="en-US" altLang="zh-CN" dirty="0" err="1">
+                <a:latin typeface="宋体" panose="02010600030101010101" pitchFamily="2" charset="-122"/>
+                <a:ea typeface="宋体" panose="02010600030101010101" pitchFamily="2" charset="-122"/>
+              </a:rPr>
+              <a:t>self,event</a:t>
+            </a:r>
+            <a:r>
+              <a:rPr lang="en-US" altLang="zh-CN" dirty="0">
+                <a:latin typeface="宋体" panose="02010600030101010101" pitchFamily="2" charset="-122"/>
+                <a:ea typeface="宋体" panose="02010600030101010101" pitchFamily="2" charset="-122"/>
+              </a:rPr>
+              <a:t>=None):</a:t>
+            </a:r>
+          </a:p>
+          <a:p>
+            <a:pPr lvl="2"/>
+            <a:r>
+              <a:rPr lang="en-US" altLang="zh-CN" dirty="0">
+                <a:latin typeface="宋体" panose="02010600030101010101" pitchFamily="2" charset="-122"/>
+                <a:ea typeface="宋体" panose="02010600030101010101" pitchFamily="2" charset="-122"/>
+              </a:rPr>
+              <a:t>message=</a:t>
+            </a:r>
+            <a:r>
+              <a:rPr lang="en-US" altLang="zh-CN" dirty="0" err="1">
+                <a:latin typeface="宋体" panose="02010600030101010101" pitchFamily="2" charset="-122"/>
+                <a:ea typeface="宋体" panose="02010600030101010101" pitchFamily="2" charset="-122"/>
+              </a:rPr>
+              <a:t>self.message_entry.get</a:t>
+            </a:r>
+            <a:r>
+              <a:rPr lang="en-US" altLang="zh-CN" dirty="0">
+                <a:latin typeface="宋体" panose="02010600030101010101" pitchFamily="2" charset="-122"/>
+                <a:ea typeface="宋体" panose="02010600030101010101" pitchFamily="2" charset="-122"/>
+              </a:rPr>
+              <a:t>().strip()</a:t>
+            </a:r>
+          </a:p>
+          <a:p>
+            <a:pPr lvl="2"/>
+            <a:r>
+              <a:rPr lang="en-US" altLang="zh-CN" dirty="0">
+                <a:latin typeface="宋体" panose="02010600030101010101" pitchFamily="2" charset="-122"/>
+                <a:ea typeface="宋体" panose="02010600030101010101" pitchFamily="2" charset="-122"/>
+              </a:rPr>
+              <a:t># </a:t>
+            </a:r>
+            <a:r>
+              <a:rPr lang="zh-CN" altLang="en-US" dirty="0">
+                <a:latin typeface="宋体" panose="02010600030101010101" pitchFamily="2" charset="-122"/>
+                <a:ea typeface="宋体" panose="02010600030101010101" pitchFamily="2" charset="-122"/>
+              </a:rPr>
+              <a:t>若无新输入的信息或没有选中任何联系人，则直接返回</a:t>
+            </a:r>
+            <a:endParaRPr lang="en-US" altLang="zh-CN" dirty="0">
+              <a:latin typeface="宋体" panose="02010600030101010101" pitchFamily="2" charset="-122"/>
+              <a:ea typeface="宋体" panose="02010600030101010101" pitchFamily="2" charset="-122"/>
+            </a:endParaRPr>
+          </a:p>
+          <a:p>
+            <a:pPr lvl="2"/>
+            <a:r>
+              <a:rPr lang="en-US" altLang="zh-CN" dirty="0">
+                <a:latin typeface="宋体" panose="02010600030101010101" pitchFamily="2" charset="-122"/>
+                <a:ea typeface="宋体" panose="02010600030101010101" pitchFamily="2" charset="-122"/>
+              </a:rPr>
+              <a:t>if not message or not </a:t>
+            </a:r>
+            <a:r>
+              <a:rPr lang="en-US" altLang="zh-CN" dirty="0" err="1">
+                <a:latin typeface="宋体" panose="02010600030101010101" pitchFamily="2" charset="-122"/>
+                <a:ea typeface="宋体" panose="02010600030101010101" pitchFamily="2" charset="-122"/>
+              </a:rPr>
+              <a:t>self.current_contact</a:t>
+            </a:r>
+            <a:r>
+              <a:rPr lang="en-US" altLang="zh-CN" dirty="0">
+                <a:latin typeface="宋体" panose="02010600030101010101" pitchFamily="2" charset="-122"/>
+                <a:ea typeface="宋体" panose="02010600030101010101" pitchFamily="2" charset="-122"/>
+              </a:rPr>
+              <a:t>:</a:t>
+            </a:r>
+          </a:p>
+          <a:p>
+            <a:pPr lvl="3"/>
+            <a:r>
+              <a:rPr lang="en-US" altLang="zh-CN" dirty="0">
+                <a:latin typeface="宋体" panose="02010600030101010101" pitchFamily="2" charset="-122"/>
+                <a:ea typeface="宋体" panose="02010600030101010101" pitchFamily="2" charset="-122"/>
+              </a:rPr>
+              <a:t>return</a:t>
+            </a:r>
+          </a:p>
+          <a:p>
+            <a:pPr lvl="2"/>
+            <a:r>
+              <a:rPr lang="en-US" altLang="zh-CN" dirty="0">
+                <a:latin typeface="宋体" panose="02010600030101010101" pitchFamily="2" charset="-122"/>
+                <a:ea typeface="宋体" panose="02010600030101010101" pitchFamily="2" charset="-122"/>
+              </a:rPr>
+              <a:t># </a:t>
+            </a:r>
+            <a:r>
+              <a:rPr lang="zh-CN" altLang="en-US" dirty="0">
+                <a:latin typeface="宋体" panose="02010600030101010101" pitchFamily="2" charset="-122"/>
+                <a:ea typeface="宋体" panose="02010600030101010101" pitchFamily="2" charset="-122"/>
+              </a:rPr>
+              <a:t>获取当前时间</a:t>
+            </a:r>
+          </a:p>
+          <a:p>
+            <a:pPr lvl="2"/>
+            <a:r>
+              <a:rPr lang="en-US" altLang="zh-CN" dirty="0">
+                <a:latin typeface="宋体" panose="02010600030101010101" pitchFamily="2" charset="-122"/>
+                <a:ea typeface="宋体" panose="02010600030101010101" pitchFamily="2" charset="-122"/>
+              </a:rPr>
+              <a:t>now = </a:t>
+            </a:r>
+            <a:r>
+              <a:rPr lang="en-US" altLang="zh-CN" dirty="0" err="1">
+                <a:latin typeface="宋体" panose="02010600030101010101" pitchFamily="2" charset="-122"/>
+                <a:ea typeface="宋体" panose="02010600030101010101" pitchFamily="2" charset="-122"/>
+              </a:rPr>
+              <a:t>datetime.datetime.now</a:t>
+            </a:r>
+            <a:r>
+              <a:rPr lang="en-US" altLang="zh-CN" dirty="0">
+                <a:latin typeface="宋体" panose="02010600030101010101" pitchFamily="2" charset="-122"/>
+                <a:ea typeface="宋体" panose="02010600030101010101" pitchFamily="2" charset="-122"/>
+              </a:rPr>
+              <a:t>()</a:t>
+            </a:r>
+          </a:p>
+          <a:p>
+            <a:pPr lvl="2"/>
+            <a:r>
+              <a:rPr lang="en-US" altLang="zh-CN" dirty="0" err="1">
+                <a:latin typeface="宋体" panose="02010600030101010101" pitchFamily="2" charset="-122"/>
+                <a:ea typeface="宋体" panose="02010600030101010101" pitchFamily="2" charset="-122"/>
+              </a:rPr>
+              <a:t>time_str</a:t>
+            </a:r>
+            <a:r>
+              <a:rPr lang="en-US" altLang="zh-CN" dirty="0">
+                <a:latin typeface="宋体" panose="02010600030101010101" pitchFamily="2" charset="-122"/>
+                <a:ea typeface="宋体" panose="02010600030101010101" pitchFamily="2" charset="-122"/>
+              </a:rPr>
+              <a:t> = </a:t>
+            </a:r>
+            <a:r>
+              <a:rPr lang="en-US" altLang="zh-CN" dirty="0" err="1">
+                <a:latin typeface="宋体" panose="02010600030101010101" pitchFamily="2" charset="-122"/>
+                <a:ea typeface="宋体" panose="02010600030101010101" pitchFamily="2" charset="-122"/>
+              </a:rPr>
+              <a:t>now.strftime</a:t>
+            </a:r>
+            <a:r>
+              <a:rPr lang="en-US" altLang="zh-CN" dirty="0">
+                <a:latin typeface="宋体" panose="02010600030101010101" pitchFamily="2" charset="-122"/>
+                <a:ea typeface="宋体" panose="02010600030101010101" pitchFamily="2" charset="-122"/>
+              </a:rPr>
+              <a:t>("%H:%M")</a:t>
+            </a:r>
+          </a:p>
+          <a:p>
+            <a:pPr lvl="2"/>
+            <a:endParaRPr lang="en-US" altLang="zh-CN" dirty="0">
+              <a:latin typeface="宋体" panose="02010600030101010101" pitchFamily="2" charset="-122"/>
+              <a:ea typeface="宋体" panose="02010600030101010101" pitchFamily="2" charset="-122"/>
+            </a:endParaRPr>
+          </a:p>
+          <a:p>
+            <a:pPr lvl="2"/>
+            <a:r>
+              <a:rPr lang="en-US" altLang="zh-CN" dirty="0">
+                <a:latin typeface="宋体" panose="02010600030101010101" pitchFamily="2" charset="-122"/>
+                <a:ea typeface="宋体" panose="02010600030101010101" pitchFamily="2" charset="-122"/>
+              </a:rPr>
+              <a:t># </a:t>
+            </a:r>
+            <a:r>
+              <a:rPr lang="zh-CN" altLang="en-US" dirty="0">
+                <a:latin typeface="宋体" panose="02010600030101010101" pitchFamily="2" charset="-122"/>
+                <a:ea typeface="宋体" panose="02010600030101010101" pitchFamily="2" charset="-122"/>
+              </a:rPr>
+              <a:t>格式化消息</a:t>
+            </a:r>
+          </a:p>
+          <a:p>
+            <a:pPr lvl="2"/>
+            <a:r>
+              <a:rPr lang="en-US" altLang="zh-CN" dirty="0" err="1">
+                <a:latin typeface="宋体" panose="02010600030101010101" pitchFamily="2" charset="-122"/>
+                <a:ea typeface="宋体" panose="02010600030101010101" pitchFamily="2" charset="-122"/>
+              </a:rPr>
+              <a:t>formatted_message</a:t>
+            </a:r>
+            <a:r>
+              <a:rPr lang="en-US" altLang="zh-CN" dirty="0">
+                <a:latin typeface="宋体" panose="02010600030101010101" pitchFamily="2" charset="-122"/>
+                <a:ea typeface="宋体" panose="02010600030101010101" pitchFamily="2" charset="-122"/>
+              </a:rPr>
+              <a:t> = f"[{</a:t>
+            </a:r>
+            <a:r>
+              <a:rPr lang="en-US" altLang="zh-CN" dirty="0" err="1">
+                <a:latin typeface="宋体" panose="02010600030101010101" pitchFamily="2" charset="-122"/>
+                <a:ea typeface="宋体" panose="02010600030101010101" pitchFamily="2" charset="-122"/>
+              </a:rPr>
+              <a:t>time_str</a:t>
+            </a:r>
+            <a:r>
+              <a:rPr lang="en-US" altLang="zh-CN" dirty="0">
+                <a:latin typeface="宋体" panose="02010600030101010101" pitchFamily="2" charset="-122"/>
+                <a:ea typeface="宋体" panose="02010600030101010101" pitchFamily="2" charset="-122"/>
+              </a:rPr>
+              <a:t>}] </a:t>
+            </a:r>
+            <a:r>
+              <a:rPr lang="zh-CN" altLang="en-US" dirty="0">
+                <a:latin typeface="宋体" panose="02010600030101010101" pitchFamily="2" charset="-122"/>
+                <a:ea typeface="宋体" panose="02010600030101010101" pitchFamily="2" charset="-122"/>
+              </a:rPr>
+              <a:t>我</a:t>
+            </a:r>
+            <a:r>
+              <a:rPr lang="en-US" altLang="zh-CN" dirty="0">
+                <a:latin typeface="宋体" panose="02010600030101010101" pitchFamily="2" charset="-122"/>
+                <a:ea typeface="宋体" panose="02010600030101010101" pitchFamily="2" charset="-122"/>
+              </a:rPr>
+              <a:t>: {message}\n"</a:t>
+            </a:r>
+          </a:p>
+          <a:p>
+            <a:pPr lvl="3"/>
+            <a:endParaRPr lang="en-US" altLang="zh-CN" dirty="0">
+              <a:latin typeface="宋体" panose="02010600030101010101" pitchFamily="2" charset="-122"/>
+              <a:ea typeface="宋体" panose="02010600030101010101" pitchFamily="2" charset="-122"/>
+            </a:endParaRPr>
+          </a:p>
+        </p:txBody>
+      </p:sp>
+    </p:spTree>
+    <p:extLst>
+      <p:ext uri="{BB962C8B-B14F-4D97-AF65-F5344CB8AC3E}">
+        <p14:creationId xmlns:p14="http://schemas.microsoft.com/office/powerpoint/2010/main" val="2711486440"/>
+      </p:ext>
+    </p:extLst>
+  </p:cSld>
+  <p:clrMapOvr>
+    <a:masterClrMapping/>
+  </p:clrMapOvr>
+</p:sld>
+</file>
+
+<file path=ppt/slides/slide42.xml><?xml version="1.0" encoding="utf-8"?>
+<p:sld xmlns:a="http://schemas.openxmlformats.org/drawingml/2006/main" xmlns:r="http://schemas.openxmlformats.org/officeDocument/2006/relationships" xmlns:p="http://schemas.openxmlformats.org/presentationml/2006/main">
+  <p:cSld>
+    <p:spTree>
+      <p:nvGrpSpPr>
+        <p:cNvPr id="1" name="">
+          <a:extLst>
+            <a:ext uri="{FF2B5EF4-FFF2-40B4-BE49-F238E27FC236}">
+              <a16:creationId xmlns:a16="http://schemas.microsoft.com/office/drawing/2014/main" id="{D92B7795-01F8-F3A7-1CF0-9F4AED27A6B8}"/>
+            </a:ext>
+          </a:extLst>
+        </p:cNvPr>
+        <p:cNvGrpSpPr/>
+        <p:nvPr/>
+      </p:nvGrpSpPr>
+      <p:grpSpPr>
+        <a:xfrm>
+          <a:off x="0" y="0"/>
+          <a:ext cx="0" cy="0"/>
+          <a:chOff x="0" y="0"/>
+          <a:chExt cx="0" cy="0"/>
+        </a:xfrm>
+      </p:grpSpPr>
+      <p:sp>
+        <p:nvSpPr>
+          <p:cNvPr id="2" name="标题 1">
+            <a:extLst>
+              <a:ext uri="{FF2B5EF4-FFF2-40B4-BE49-F238E27FC236}">
+                <a16:creationId xmlns:a16="http://schemas.microsoft.com/office/drawing/2014/main" id="{B516B3C8-2C48-B558-ED01-A74C665F383E}"/>
+              </a:ext>
+            </a:extLst>
+          </p:cNvPr>
+          <p:cNvSpPr>
+            <a:spLocks noGrp="1"/>
+          </p:cNvSpPr>
+          <p:nvPr>
+            <p:ph type="title"/>
+          </p:nvPr>
+        </p:nvSpPr>
+        <p:spPr>
+          <a:xfrm>
+            <a:off x="0" y="0"/>
+            <a:ext cx="12192000" cy="1310639"/>
+          </a:xfrm>
+        </p:spPr>
+        <p:txBody>
+          <a:bodyPr>
+            <a:normAutofit/>
+          </a:bodyPr>
+          <a:lstStyle/>
+          <a:p>
+            <a:r>
+              <a:rPr lang="zh-CN" altLang="en-US" sz="4800" dirty="0">
+                <a:latin typeface="宋体" panose="02010600030101010101" pitchFamily="2" charset="-122"/>
+                <a:ea typeface="宋体" panose="02010600030101010101" pitchFamily="2" charset="-122"/>
+              </a:rPr>
+              <a:t>聊天界面</a:t>
+            </a:r>
+            <a:r>
+              <a:rPr lang="en-US" altLang="zh-CN" sz="4800" dirty="0">
+                <a:latin typeface="宋体" panose="02010600030101010101" pitchFamily="2" charset="-122"/>
+                <a:ea typeface="宋体" panose="02010600030101010101" pitchFamily="2" charset="-122"/>
+              </a:rPr>
+              <a:t>—</a:t>
+            </a:r>
+            <a:r>
+              <a:rPr lang="zh-CN" altLang="en-US" sz="4800" dirty="0">
+                <a:latin typeface="宋体" panose="02010600030101010101" pitchFamily="2" charset="-122"/>
+                <a:ea typeface="宋体" panose="02010600030101010101" pitchFamily="2" charset="-122"/>
+              </a:rPr>
+              <a:t>发送信息函数</a:t>
+            </a:r>
+          </a:p>
+        </p:txBody>
+      </p:sp>
+      <p:sp>
+        <p:nvSpPr>
+          <p:cNvPr id="3" name="内容占位符 2">
+            <a:extLst>
+              <a:ext uri="{FF2B5EF4-FFF2-40B4-BE49-F238E27FC236}">
+                <a16:creationId xmlns:a16="http://schemas.microsoft.com/office/drawing/2014/main" id="{6AAEDF07-D6CC-677B-DF93-BC93FC1F6AFF}"/>
+              </a:ext>
+            </a:extLst>
+          </p:cNvPr>
+          <p:cNvSpPr>
+            <a:spLocks noGrp="1"/>
+          </p:cNvSpPr>
+          <p:nvPr>
+            <p:ph idx="1"/>
+          </p:nvPr>
+        </p:nvSpPr>
+        <p:spPr>
+          <a:xfrm>
+            <a:off x="0" y="1310639"/>
+            <a:ext cx="12192000" cy="5547360"/>
+          </a:xfrm>
+        </p:spPr>
+        <p:txBody>
+          <a:bodyPr>
+            <a:normAutofit lnSpcReduction="10000"/>
+          </a:bodyPr>
+          <a:lstStyle/>
+          <a:p>
+            <a:r>
+              <a:rPr lang="zh-CN" altLang="en-US" dirty="0">
+                <a:latin typeface="宋体" panose="02010600030101010101" pitchFamily="2" charset="-122"/>
+                <a:ea typeface="宋体" panose="02010600030101010101" pitchFamily="2" charset="-122"/>
+              </a:rPr>
+              <a:t>输入信息，点击发送后，在展示区展示聊天内容，并将内容连带时间和聊天对象存储到用于登录的用户聊天记录</a:t>
+            </a:r>
+            <a:r>
+              <a:rPr lang="en-US" altLang="zh-CN" dirty="0" err="1">
+                <a:latin typeface="宋体" panose="02010600030101010101" pitchFamily="2" charset="-122"/>
+                <a:ea typeface="宋体" panose="02010600030101010101" pitchFamily="2" charset="-122"/>
+              </a:rPr>
+              <a:t>json</a:t>
+            </a:r>
+            <a:r>
+              <a:rPr lang="zh-CN" altLang="en-US" dirty="0">
+                <a:latin typeface="宋体" panose="02010600030101010101" pitchFamily="2" charset="-122"/>
+                <a:ea typeface="宋体" panose="02010600030101010101" pitchFamily="2" charset="-122"/>
+              </a:rPr>
+              <a:t>文件中。</a:t>
+            </a:r>
+            <a:endParaRPr lang="en-US" altLang="zh-CN" dirty="0">
+              <a:latin typeface="宋体" panose="02010600030101010101" pitchFamily="2" charset="-122"/>
+              <a:ea typeface="宋体" panose="02010600030101010101" pitchFamily="2" charset="-122"/>
+            </a:endParaRPr>
+          </a:p>
+          <a:p>
+            <a:r>
+              <a:rPr lang="en-US" altLang="zh-CN" dirty="0">
+                <a:latin typeface="宋体" panose="02010600030101010101" pitchFamily="2" charset="-122"/>
+                <a:ea typeface="宋体" panose="02010600030101010101" pitchFamily="2" charset="-122"/>
+              </a:rPr>
+              <a:t>class </a:t>
+            </a:r>
+            <a:r>
+              <a:rPr lang="en-US" altLang="zh-CN" dirty="0" err="1">
+                <a:latin typeface="宋体" panose="02010600030101010101" pitchFamily="2" charset="-122"/>
+                <a:ea typeface="宋体" panose="02010600030101010101" pitchFamily="2" charset="-122"/>
+              </a:rPr>
+              <a:t>ChatApp</a:t>
+            </a:r>
+            <a:r>
+              <a:rPr lang="en-US" altLang="zh-CN" dirty="0">
+                <a:latin typeface="宋体" panose="02010600030101010101" pitchFamily="2" charset="-122"/>
+                <a:ea typeface="宋体" panose="02010600030101010101" pitchFamily="2" charset="-122"/>
+              </a:rPr>
+              <a:t>:</a:t>
+            </a:r>
+          </a:p>
+          <a:p>
+            <a:pPr lvl="1"/>
+            <a:r>
+              <a:rPr lang="en-US" altLang="zh-CN" dirty="0">
+                <a:latin typeface="宋体" panose="02010600030101010101" pitchFamily="2" charset="-122"/>
+                <a:ea typeface="宋体" panose="02010600030101010101" pitchFamily="2" charset="-122"/>
+              </a:rPr>
+              <a:t>def </a:t>
+            </a:r>
+            <a:r>
+              <a:rPr lang="en-US" altLang="zh-CN" dirty="0" err="1">
+                <a:latin typeface="宋体" panose="02010600030101010101" pitchFamily="2" charset="-122"/>
+                <a:ea typeface="宋体" panose="02010600030101010101" pitchFamily="2" charset="-122"/>
+              </a:rPr>
+              <a:t>send_message</a:t>
+            </a:r>
+            <a:r>
+              <a:rPr lang="en-US" altLang="zh-CN" dirty="0">
+                <a:latin typeface="宋体" panose="02010600030101010101" pitchFamily="2" charset="-122"/>
+                <a:ea typeface="宋体" panose="02010600030101010101" pitchFamily="2" charset="-122"/>
+              </a:rPr>
+              <a:t>(</a:t>
+            </a:r>
+            <a:r>
+              <a:rPr lang="en-US" altLang="zh-CN" dirty="0" err="1">
+                <a:latin typeface="宋体" panose="02010600030101010101" pitchFamily="2" charset="-122"/>
+                <a:ea typeface="宋体" panose="02010600030101010101" pitchFamily="2" charset="-122"/>
+              </a:rPr>
+              <a:t>self,event</a:t>
+            </a:r>
+            <a:r>
+              <a:rPr lang="en-US" altLang="zh-CN" dirty="0">
+                <a:latin typeface="宋体" panose="02010600030101010101" pitchFamily="2" charset="-122"/>
+                <a:ea typeface="宋体" panose="02010600030101010101" pitchFamily="2" charset="-122"/>
+              </a:rPr>
+              <a:t>=None):</a:t>
+            </a:r>
+          </a:p>
+          <a:p>
+            <a:pPr lvl="2"/>
+            <a:r>
+              <a:rPr lang="en-US" altLang="zh-CN" dirty="0">
+                <a:latin typeface="宋体" panose="02010600030101010101" pitchFamily="2" charset="-122"/>
+                <a:ea typeface="宋体" panose="02010600030101010101" pitchFamily="2" charset="-122"/>
+              </a:rPr>
+              <a:t># </a:t>
+            </a:r>
+            <a:r>
+              <a:rPr lang="zh-CN" altLang="en-US" dirty="0">
+                <a:latin typeface="宋体" panose="02010600030101010101" pitchFamily="2" charset="-122"/>
+                <a:ea typeface="宋体" panose="02010600030101010101" pitchFamily="2" charset="-122"/>
+              </a:rPr>
+              <a:t>若与选中的联系人无聊天记录</a:t>
+            </a:r>
+          </a:p>
+          <a:p>
+            <a:pPr lvl="2"/>
+            <a:r>
+              <a:rPr lang="en-US" altLang="zh-CN" dirty="0">
+                <a:latin typeface="宋体" panose="02010600030101010101" pitchFamily="2" charset="-122"/>
+                <a:ea typeface="宋体" panose="02010600030101010101" pitchFamily="2" charset="-122"/>
+              </a:rPr>
+              <a:t>if </a:t>
+            </a:r>
+            <a:r>
+              <a:rPr lang="en-US" altLang="zh-CN" dirty="0" err="1">
+                <a:latin typeface="宋体" panose="02010600030101010101" pitchFamily="2" charset="-122"/>
+                <a:ea typeface="宋体" panose="02010600030101010101" pitchFamily="2" charset="-122"/>
+              </a:rPr>
+              <a:t>self.current_contact</a:t>
+            </a:r>
+            <a:r>
+              <a:rPr lang="en-US" altLang="zh-CN" dirty="0">
+                <a:latin typeface="宋体" panose="02010600030101010101" pitchFamily="2" charset="-122"/>
+                <a:ea typeface="宋体" panose="02010600030101010101" pitchFamily="2" charset="-122"/>
+              </a:rPr>
+              <a:t> not in </a:t>
+            </a:r>
+            <a:r>
+              <a:rPr lang="en-US" altLang="zh-CN" dirty="0" err="1">
+                <a:latin typeface="宋体" panose="02010600030101010101" pitchFamily="2" charset="-122"/>
+                <a:ea typeface="宋体" panose="02010600030101010101" pitchFamily="2" charset="-122"/>
+              </a:rPr>
+              <a:t>self.chat_history</a:t>
+            </a:r>
+            <a:r>
+              <a:rPr lang="en-US" altLang="zh-CN" dirty="0">
+                <a:latin typeface="宋体" panose="02010600030101010101" pitchFamily="2" charset="-122"/>
+                <a:ea typeface="宋体" panose="02010600030101010101" pitchFamily="2" charset="-122"/>
+              </a:rPr>
+              <a:t>:</a:t>
+            </a:r>
+          </a:p>
+          <a:p>
+            <a:pPr lvl="2"/>
+            <a:r>
+              <a:rPr lang="en-US" altLang="zh-CN" dirty="0">
+                <a:latin typeface="宋体" panose="02010600030101010101" pitchFamily="2" charset="-122"/>
+                <a:ea typeface="宋体" panose="02010600030101010101" pitchFamily="2" charset="-122"/>
+              </a:rPr>
+              <a:t>     # </a:t>
+            </a:r>
+            <a:r>
+              <a:rPr lang="zh-CN" altLang="en-US" dirty="0">
+                <a:latin typeface="宋体" panose="02010600030101010101" pitchFamily="2" charset="-122"/>
+                <a:ea typeface="宋体" panose="02010600030101010101" pitchFamily="2" charset="-122"/>
+              </a:rPr>
+              <a:t>则向聊天记录中添加选中的联系人</a:t>
+            </a:r>
+          </a:p>
+          <a:p>
+            <a:pPr lvl="2"/>
+            <a:r>
+              <a:rPr lang="zh-CN" altLang="en-US" dirty="0">
+                <a:latin typeface="宋体" panose="02010600030101010101" pitchFamily="2" charset="-122"/>
+                <a:ea typeface="宋体" panose="02010600030101010101" pitchFamily="2" charset="-122"/>
+              </a:rPr>
+              <a:t>     </a:t>
+            </a:r>
+            <a:r>
+              <a:rPr lang="en-US" altLang="zh-CN" dirty="0" err="1">
+                <a:latin typeface="宋体" panose="02010600030101010101" pitchFamily="2" charset="-122"/>
+                <a:ea typeface="宋体" panose="02010600030101010101" pitchFamily="2" charset="-122"/>
+              </a:rPr>
+              <a:t>self.chat_history</a:t>
+            </a:r>
+            <a:r>
+              <a:rPr lang="en-US" altLang="zh-CN" dirty="0">
+                <a:latin typeface="宋体" panose="02010600030101010101" pitchFamily="2" charset="-122"/>
+                <a:ea typeface="宋体" panose="02010600030101010101" pitchFamily="2" charset="-122"/>
+              </a:rPr>
+              <a:t>[</a:t>
+            </a:r>
+            <a:r>
+              <a:rPr lang="en-US" altLang="zh-CN" dirty="0" err="1">
+                <a:latin typeface="宋体" panose="02010600030101010101" pitchFamily="2" charset="-122"/>
+                <a:ea typeface="宋体" panose="02010600030101010101" pitchFamily="2" charset="-122"/>
+              </a:rPr>
+              <a:t>self.current_contact</a:t>
+            </a:r>
+            <a:r>
+              <a:rPr lang="en-US" altLang="zh-CN" dirty="0">
+                <a:latin typeface="宋体" panose="02010600030101010101" pitchFamily="2" charset="-122"/>
+                <a:ea typeface="宋体" panose="02010600030101010101" pitchFamily="2" charset="-122"/>
+              </a:rPr>
+              <a:t>] = []</a:t>
+            </a:r>
+          </a:p>
+          <a:p>
+            <a:pPr lvl="2"/>
+            <a:r>
+              <a:rPr lang="en-US" altLang="zh-CN" dirty="0">
+                <a:latin typeface="宋体" panose="02010600030101010101" pitchFamily="2" charset="-122"/>
+                <a:ea typeface="宋体" panose="02010600030101010101" pitchFamily="2" charset="-122"/>
+              </a:rPr>
+              <a:t># </a:t>
+            </a:r>
+            <a:r>
+              <a:rPr lang="zh-CN" altLang="en-US" dirty="0">
+                <a:latin typeface="宋体" panose="02010600030101010101" pitchFamily="2" charset="-122"/>
+                <a:ea typeface="宋体" panose="02010600030101010101" pitchFamily="2" charset="-122"/>
+              </a:rPr>
+              <a:t>将与选中的联系人的聊天记录添加到</a:t>
+            </a:r>
+            <a:r>
+              <a:rPr lang="en-US" altLang="zh-CN" dirty="0" err="1">
+                <a:latin typeface="宋体" panose="02010600030101010101" pitchFamily="2" charset="-122"/>
+                <a:ea typeface="宋体" panose="02010600030101010101" pitchFamily="2" charset="-122"/>
+              </a:rPr>
+              <a:t>chat_history</a:t>
+            </a:r>
+            <a:r>
+              <a:rPr lang="zh-CN" altLang="en-US" dirty="0">
+                <a:latin typeface="宋体" panose="02010600030101010101" pitchFamily="2" charset="-122"/>
+                <a:ea typeface="宋体" panose="02010600030101010101" pitchFamily="2" charset="-122"/>
+              </a:rPr>
+              <a:t>中</a:t>
+            </a:r>
+          </a:p>
+          <a:p>
+            <a:pPr lvl="2"/>
+            <a:r>
+              <a:rPr lang="en-US" altLang="zh-CN" dirty="0" err="1">
+                <a:latin typeface="宋体" panose="02010600030101010101" pitchFamily="2" charset="-122"/>
+                <a:ea typeface="宋体" panose="02010600030101010101" pitchFamily="2" charset="-122"/>
+              </a:rPr>
+              <a:t>self.chat_history</a:t>
+            </a:r>
+            <a:r>
+              <a:rPr lang="en-US" altLang="zh-CN" dirty="0">
+                <a:latin typeface="宋体" panose="02010600030101010101" pitchFamily="2" charset="-122"/>
+                <a:ea typeface="宋体" panose="02010600030101010101" pitchFamily="2" charset="-122"/>
+              </a:rPr>
+              <a:t>[</a:t>
+            </a:r>
+            <a:r>
+              <a:rPr lang="en-US" altLang="zh-CN" dirty="0" err="1">
+                <a:latin typeface="宋体" panose="02010600030101010101" pitchFamily="2" charset="-122"/>
+                <a:ea typeface="宋体" panose="02010600030101010101" pitchFamily="2" charset="-122"/>
+              </a:rPr>
+              <a:t>self.current_contact</a:t>
+            </a:r>
+            <a:r>
+              <a:rPr lang="en-US" altLang="zh-CN" dirty="0">
+                <a:latin typeface="宋体" panose="02010600030101010101" pitchFamily="2" charset="-122"/>
+                <a:ea typeface="宋体" panose="02010600030101010101" pitchFamily="2" charset="-122"/>
+              </a:rPr>
+              <a:t>].append(</a:t>
+            </a:r>
+            <a:r>
+              <a:rPr lang="en-US" altLang="zh-CN" dirty="0" err="1">
+                <a:latin typeface="宋体" panose="02010600030101010101" pitchFamily="2" charset="-122"/>
+                <a:ea typeface="宋体" panose="02010600030101010101" pitchFamily="2" charset="-122"/>
+              </a:rPr>
+              <a:t>formatted_message</a:t>
+            </a:r>
+            <a:r>
+              <a:rPr lang="en-US" altLang="zh-CN" dirty="0">
+                <a:latin typeface="宋体" panose="02010600030101010101" pitchFamily="2" charset="-122"/>
+                <a:ea typeface="宋体" panose="02010600030101010101" pitchFamily="2" charset="-122"/>
+              </a:rPr>
+              <a:t>)</a:t>
+            </a:r>
+          </a:p>
+          <a:p>
+            <a:pPr lvl="2"/>
+            <a:endParaRPr lang="en-US" altLang="zh-CN" dirty="0">
+              <a:latin typeface="宋体" panose="02010600030101010101" pitchFamily="2" charset="-122"/>
+              <a:ea typeface="宋体" panose="02010600030101010101" pitchFamily="2" charset="-122"/>
+            </a:endParaRPr>
+          </a:p>
+          <a:p>
+            <a:pPr lvl="2"/>
+            <a:r>
+              <a:rPr lang="en-US" altLang="zh-CN" dirty="0">
+                <a:latin typeface="宋体" panose="02010600030101010101" pitchFamily="2" charset="-122"/>
+                <a:ea typeface="宋体" panose="02010600030101010101" pitchFamily="2" charset="-122"/>
+              </a:rPr>
+              <a:t># </a:t>
+            </a:r>
+            <a:r>
+              <a:rPr lang="zh-CN" altLang="en-US" dirty="0">
+                <a:latin typeface="宋体" panose="02010600030101010101" pitchFamily="2" charset="-122"/>
+                <a:ea typeface="宋体" panose="02010600030101010101" pitchFamily="2" charset="-122"/>
+              </a:rPr>
+              <a:t>更新聊天区域</a:t>
+            </a:r>
+          </a:p>
+          <a:p>
+            <a:pPr lvl="2"/>
+            <a:r>
+              <a:rPr lang="en-US" altLang="zh-CN" dirty="0" err="1">
+                <a:latin typeface="宋体" panose="02010600030101010101" pitchFamily="2" charset="-122"/>
+                <a:ea typeface="宋体" panose="02010600030101010101" pitchFamily="2" charset="-122"/>
+              </a:rPr>
+              <a:t>self.chat_area.config</a:t>
+            </a:r>
+            <a:r>
+              <a:rPr lang="en-US" altLang="zh-CN" dirty="0">
+                <a:latin typeface="宋体" panose="02010600030101010101" pitchFamily="2" charset="-122"/>
+                <a:ea typeface="宋体" panose="02010600030101010101" pitchFamily="2" charset="-122"/>
+              </a:rPr>
+              <a:t>(state='normal')</a:t>
+            </a:r>
+          </a:p>
+          <a:p>
+            <a:pPr lvl="2"/>
+            <a:r>
+              <a:rPr lang="en-US" altLang="zh-CN" dirty="0" err="1">
+                <a:latin typeface="宋体" panose="02010600030101010101" pitchFamily="2" charset="-122"/>
+                <a:ea typeface="宋体" panose="02010600030101010101" pitchFamily="2" charset="-122"/>
+              </a:rPr>
+              <a:t>self.chat_area.insert</a:t>
+            </a:r>
+            <a:r>
+              <a:rPr lang="en-US" altLang="zh-CN" dirty="0">
+                <a:latin typeface="宋体" panose="02010600030101010101" pitchFamily="2" charset="-122"/>
+                <a:ea typeface="宋体" panose="02010600030101010101" pitchFamily="2" charset="-122"/>
+              </a:rPr>
+              <a:t>(</a:t>
+            </a:r>
+            <a:r>
+              <a:rPr lang="en-US" altLang="zh-CN" dirty="0" err="1">
+                <a:latin typeface="宋体" panose="02010600030101010101" pitchFamily="2" charset="-122"/>
+                <a:ea typeface="宋体" panose="02010600030101010101" pitchFamily="2" charset="-122"/>
+              </a:rPr>
+              <a:t>tk.END</a:t>
+            </a:r>
+            <a:r>
+              <a:rPr lang="en-US" altLang="zh-CN" dirty="0">
+                <a:latin typeface="宋体" panose="02010600030101010101" pitchFamily="2" charset="-122"/>
+                <a:ea typeface="宋体" panose="02010600030101010101" pitchFamily="2" charset="-122"/>
+              </a:rPr>
+              <a:t>, </a:t>
+            </a:r>
+            <a:r>
+              <a:rPr lang="en-US" altLang="zh-CN" dirty="0" err="1">
+                <a:latin typeface="宋体" panose="02010600030101010101" pitchFamily="2" charset="-122"/>
+                <a:ea typeface="宋体" panose="02010600030101010101" pitchFamily="2" charset="-122"/>
+              </a:rPr>
+              <a:t>formatted_message</a:t>
+            </a:r>
+            <a:r>
+              <a:rPr lang="en-US" altLang="zh-CN" dirty="0">
+                <a:latin typeface="宋体" panose="02010600030101010101" pitchFamily="2" charset="-122"/>
+                <a:ea typeface="宋体" panose="02010600030101010101" pitchFamily="2" charset="-122"/>
+              </a:rPr>
+              <a:t>)</a:t>
+            </a:r>
+          </a:p>
+          <a:p>
+            <a:pPr lvl="2"/>
+            <a:r>
+              <a:rPr lang="en-US" altLang="zh-CN" dirty="0" err="1">
+                <a:latin typeface="宋体" panose="02010600030101010101" pitchFamily="2" charset="-122"/>
+                <a:ea typeface="宋体" panose="02010600030101010101" pitchFamily="2" charset="-122"/>
+              </a:rPr>
+              <a:t>self.chat_area.config</a:t>
+            </a:r>
+            <a:r>
+              <a:rPr lang="en-US" altLang="zh-CN" dirty="0">
+                <a:latin typeface="宋体" panose="02010600030101010101" pitchFamily="2" charset="-122"/>
+                <a:ea typeface="宋体" panose="02010600030101010101" pitchFamily="2" charset="-122"/>
+              </a:rPr>
+              <a:t>(state='disabled')</a:t>
+            </a:r>
+          </a:p>
+          <a:p>
+            <a:pPr lvl="2"/>
+            <a:r>
+              <a:rPr lang="en-US" altLang="zh-CN" dirty="0" err="1">
+                <a:latin typeface="宋体" panose="02010600030101010101" pitchFamily="2" charset="-122"/>
+                <a:ea typeface="宋体" panose="02010600030101010101" pitchFamily="2" charset="-122"/>
+              </a:rPr>
+              <a:t>self.chat_area.yview</a:t>
+            </a:r>
+            <a:r>
+              <a:rPr lang="en-US" altLang="zh-CN" dirty="0">
+                <a:latin typeface="宋体" panose="02010600030101010101" pitchFamily="2" charset="-122"/>
+                <a:ea typeface="宋体" panose="02010600030101010101" pitchFamily="2" charset="-122"/>
+              </a:rPr>
+              <a:t>(</a:t>
+            </a:r>
+            <a:r>
+              <a:rPr lang="en-US" altLang="zh-CN" dirty="0" err="1">
+                <a:latin typeface="宋体" panose="02010600030101010101" pitchFamily="2" charset="-122"/>
+                <a:ea typeface="宋体" panose="02010600030101010101" pitchFamily="2" charset="-122"/>
+              </a:rPr>
+              <a:t>tk.END</a:t>
+            </a:r>
+            <a:r>
+              <a:rPr lang="en-US" altLang="zh-CN" dirty="0">
+                <a:latin typeface="宋体" panose="02010600030101010101" pitchFamily="2" charset="-122"/>
+                <a:ea typeface="宋体" panose="02010600030101010101" pitchFamily="2" charset="-122"/>
+              </a:rPr>
+              <a:t>)</a:t>
+            </a:r>
+          </a:p>
+        </p:txBody>
+      </p:sp>
+    </p:spTree>
+    <p:extLst>
+      <p:ext uri="{BB962C8B-B14F-4D97-AF65-F5344CB8AC3E}">
+        <p14:creationId xmlns:p14="http://schemas.microsoft.com/office/powerpoint/2010/main" val="1495330730"/>
+      </p:ext>
+    </p:extLst>
+  </p:cSld>
+  <p:clrMapOvr>
+    <a:masterClrMapping/>
+  </p:clrMapOvr>
+</p:sld>
+</file>
+
+<file path=ppt/slides/slide43.xml><?xml version="1.0" encoding="utf-8"?>
+<p:sld xmlns:a="http://schemas.openxmlformats.org/drawingml/2006/main" xmlns:r="http://schemas.openxmlformats.org/officeDocument/2006/relationships" xmlns:p="http://schemas.openxmlformats.org/presentationml/2006/main">
+  <p:cSld>
+    <p:spTree>
+      <p:nvGrpSpPr>
+        <p:cNvPr id="1" name="">
+          <a:extLst>
+            <a:ext uri="{FF2B5EF4-FFF2-40B4-BE49-F238E27FC236}">
+              <a16:creationId xmlns:a16="http://schemas.microsoft.com/office/drawing/2014/main" id="{EB0CCF17-30ED-2F7F-EFA5-42C6BF217917}"/>
+            </a:ext>
+          </a:extLst>
+        </p:cNvPr>
+        <p:cNvGrpSpPr/>
+        <p:nvPr/>
+      </p:nvGrpSpPr>
+      <p:grpSpPr>
+        <a:xfrm>
+          <a:off x="0" y="0"/>
+          <a:ext cx="0" cy="0"/>
+          <a:chOff x="0" y="0"/>
+          <a:chExt cx="0" cy="0"/>
+        </a:xfrm>
+      </p:grpSpPr>
+      <p:sp>
+        <p:nvSpPr>
+          <p:cNvPr id="2" name="标题 1">
+            <a:extLst>
+              <a:ext uri="{FF2B5EF4-FFF2-40B4-BE49-F238E27FC236}">
+                <a16:creationId xmlns:a16="http://schemas.microsoft.com/office/drawing/2014/main" id="{EC50C330-996E-9349-62B1-08F6A82235E7}"/>
+              </a:ext>
+            </a:extLst>
+          </p:cNvPr>
+          <p:cNvSpPr>
+            <a:spLocks noGrp="1"/>
+          </p:cNvSpPr>
+          <p:nvPr>
+            <p:ph type="title"/>
+          </p:nvPr>
+        </p:nvSpPr>
+        <p:spPr>
+          <a:xfrm>
+            <a:off x="0" y="0"/>
+            <a:ext cx="12192000" cy="1310639"/>
+          </a:xfrm>
+        </p:spPr>
+        <p:txBody>
+          <a:bodyPr>
+            <a:normAutofit/>
+          </a:bodyPr>
+          <a:lstStyle/>
+          <a:p>
+            <a:r>
+              <a:rPr lang="zh-CN" altLang="en-US" sz="4800" dirty="0">
+                <a:latin typeface="宋体" panose="02010600030101010101" pitchFamily="2" charset="-122"/>
+                <a:ea typeface="宋体" panose="02010600030101010101" pitchFamily="2" charset="-122"/>
+              </a:rPr>
+              <a:t>聊天界面</a:t>
+            </a:r>
+            <a:r>
+              <a:rPr lang="en-US" altLang="zh-CN" sz="4800" dirty="0">
+                <a:latin typeface="宋体" panose="02010600030101010101" pitchFamily="2" charset="-122"/>
+                <a:ea typeface="宋体" panose="02010600030101010101" pitchFamily="2" charset="-122"/>
+              </a:rPr>
+              <a:t>—</a:t>
+            </a:r>
+            <a:r>
+              <a:rPr lang="zh-CN" altLang="en-US" sz="4800" dirty="0">
+                <a:latin typeface="宋体" panose="02010600030101010101" pitchFamily="2" charset="-122"/>
+                <a:ea typeface="宋体" panose="02010600030101010101" pitchFamily="2" charset="-122"/>
+              </a:rPr>
+              <a:t>发送信息函数</a:t>
+            </a:r>
+          </a:p>
+        </p:txBody>
+      </p:sp>
+      <p:sp>
+        <p:nvSpPr>
+          <p:cNvPr id="3" name="内容占位符 2">
+            <a:extLst>
+              <a:ext uri="{FF2B5EF4-FFF2-40B4-BE49-F238E27FC236}">
+                <a16:creationId xmlns:a16="http://schemas.microsoft.com/office/drawing/2014/main" id="{9E7132C2-CFC9-2D11-27C6-42E4F25B2EB0}"/>
+              </a:ext>
+            </a:extLst>
+          </p:cNvPr>
+          <p:cNvSpPr>
+            <a:spLocks noGrp="1"/>
+          </p:cNvSpPr>
+          <p:nvPr>
+            <p:ph idx="1"/>
+          </p:nvPr>
+        </p:nvSpPr>
+        <p:spPr>
+          <a:xfrm>
+            <a:off x="0" y="1310639"/>
+            <a:ext cx="12192000" cy="5547360"/>
+          </a:xfrm>
+        </p:spPr>
+        <p:txBody>
+          <a:bodyPr>
+            <a:normAutofit/>
+          </a:bodyPr>
+          <a:lstStyle/>
+          <a:p>
+            <a:r>
+              <a:rPr lang="zh-CN" altLang="en-US" dirty="0">
+                <a:latin typeface="宋体" panose="02010600030101010101" pitchFamily="2" charset="-122"/>
+                <a:ea typeface="宋体" panose="02010600030101010101" pitchFamily="2" charset="-122"/>
+              </a:rPr>
+              <a:t>输入信息，点击发送后，在展示区展示聊天内容，并将内容连带时间和聊天对象存储到用于登录的用户聊天记录</a:t>
+            </a:r>
+            <a:r>
+              <a:rPr lang="en-US" altLang="zh-CN" dirty="0" err="1">
+                <a:latin typeface="宋体" panose="02010600030101010101" pitchFamily="2" charset="-122"/>
+                <a:ea typeface="宋体" panose="02010600030101010101" pitchFamily="2" charset="-122"/>
+              </a:rPr>
+              <a:t>json</a:t>
+            </a:r>
+            <a:r>
+              <a:rPr lang="zh-CN" altLang="en-US" dirty="0">
+                <a:latin typeface="宋体" panose="02010600030101010101" pitchFamily="2" charset="-122"/>
+                <a:ea typeface="宋体" panose="02010600030101010101" pitchFamily="2" charset="-122"/>
+              </a:rPr>
+              <a:t>文件中。每次点击发送后，还需要情况输入框，以便于下次输入新的内容。</a:t>
+            </a:r>
+            <a:endParaRPr lang="en-US" altLang="zh-CN" dirty="0">
+              <a:latin typeface="宋体" panose="02010600030101010101" pitchFamily="2" charset="-122"/>
+              <a:ea typeface="宋体" panose="02010600030101010101" pitchFamily="2" charset="-122"/>
+            </a:endParaRPr>
+          </a:p>
+          <a:p>
+            <a:r>
+              <a:rPr lang="en-US" altLang="zh-CN" dirty="0">
+                <a:latin typeface="宋体" panose="02010600030101010101" pitchFamily="2" charset="-122"/>
+                <a:ea typeface="宋体" panose="02010600030101010101" pitchFamily="2" charset="-122"/>
+              </a:rPr>
+              <a:t>class </a:t>
+            </a:r>
+            <a:r>
+              <a:rPr lang="en-US" altLang="zh-CN" dirty="0" err="1">
+                <a:latin typeface="宋体" panose="02010600030101010101" pitchFamily="2" charset="-122"/>
+                <a:ea typeface="宋体" panose="02010600030101010101" pitchFamily="2" charset="-122"/>
+              </a:rPr>
+              <a:t>ChatApp</a:t>
+            </a:r>
+            <a:r>
+              <a:rPr lang="en-US" altLang="zh-CN" dirty="0">
+                <a:latin typeface="宋体" panose="02010600030101010101" pitchFamily="2" charset="-122"/>
+                <a:ea typeface="宋体" panose="02010600030101010101" pitchFamily="2" charset="-122"/>
+              </a:rPr>
+              <a:t>:</a:t>
+            </a:r>
+          </a:p>
+          <a:p>
+            <a:pPr lvl="1"/>
+            <a:r>
+              <a:rPr lang="en-US" altLang="zh-CN" dirty="0">
+                <a:latin typeface="宋体" panose="02010600030101010101" pitchFamily="2" charset="-122"/>
+                <a:ea typeface="宋体" panose="02010600030101010101" pitchFamily="2" charset="-122"/>
+              </a:rPr>
+              <a:t>def </a:t>
+            </a:r>
+            <a:r>
+              <a:rPr lang="en-US" altLang="zh-CN" dirty="0" err="1">
+                <a:latin typeface="宋体" panose="02010600030101010101" pitchFamily="2" charset="-122"/>
+                <a:ea typeface="宋体" panose="02010600030101010101" pitchFamily="2" charset="-122"/>
+              </a:rPr>
+              <a:t>send_message</a:t>
+            </a:r>
+            <a:r>
+              <a:rPr lang="en-US" altLang="zh-CN" dirty="0">
+                <a:latin typeface="宋体" panose="02010600030101010101" pitchFamily="2" charset="-122"/>
+                <a:ea typeface="宋体" panose="02010600030101010101" pitchFamily="2" charset="-122"/>
+              </a:rPr>
+              <a:t>(</a:t>
+            </a:r>
+            <a:r>
+              <a:rPr lang="en-US" altLang="zh-CN" dirty="0" err="1">
+                <a:latin typeface="宋体" panose="02010600030101010101" pitchFamily="2" charset="-122"/>
+                <a:ea typeface="宋体" panose="02010600030101010101" pitchFamily="2" charset="-122"/>
+              </a:rPr>
+              <a:t>self,event</a:t>
+            </a:r>
+            <a:r>
+              <a:rPr lang="en-US" altLang="zh-CN" dirty="0">
+                <a:latin typeface="宋体" panose="02010600030101010101" pitchFamily="2" charset="-122"/>
+                <a:ea typeface="宋体" panose="02010600030101010101" pitchFamily="2" charset="-122"/>
+              </a:rPr>
+              <a:t>=None):</a:t>
+            </a:r>
+          </a:p>
+          <a:p>
+            <a:pPr lvl="2"/>
+            <a:r>
+              <a:rPr lang="en-US" altLang="zh-CN" dirty="0">
+                <a:latin typeface="宋体" panose="02010600030101010101" pitchFamily="2" charset="-122"/>
+                <a:ea typeface="宋体" panose="02010600030101010101" pitchFamily="2" charset="-122"/>
+              </a:rPr>
+              <a:t># </a:t>
+            </a:r>
+            <a:r>
+              <a:rPr lang="zh-CN" altLang="en-US" dirty="0">
+                <a:latin typeface="宋体" panose="02010600030101010101" pitchFamily="2" charset="-122"/>
+                <a:ea typeface="宋体" panose="02010600030101010101" pitchFamily="2" charset="-122"/>
+              </a:rPr>
+              <a:t>清空输入框</a:t>
+            </a:r>
+            <a:endParaRPr lang="en-US" altLang="zh-CN" dirty="0">
+              <a:latin typeface="宋体" panose="02010600030101010101" pitchFamily="2" charset="-122"/>
+              <a:ea typeface="宋体" panose="02010600030101010101" pitchFamily="2" charset="-122"/>
+            </a:endParaRPr>
+          </a:p>
+          <a:p>
+            <a:pPr lvl="2"/>
+            <a:r>
+              <a:rPr lang="en-US" altLang="zh-CN" dirty="0" err="1">
+                <a:latin typeface="宋体" panose="02010600030101010101" pitchFamily="2" charset="-122"/>
+                <a:ea typeface="宋体" panose="02010600030101010101" pitchFamily="2" charset="-122"/>
+              </a:rPr>
+              <a:t>self.message_entry.delete</a:t>
+            </a:r>
+            <a:r>
+              <a:rPr lang="en-US" altLang="zh-CN" dirty="0">
+                <a:latin typeface="宋体" panose="02010600030101010101" pitchFamily="2" charset="-122"/>
+                <a:ea typeface="宋体" panose="02010600030101010101" pitchFamily="2" charset="-122"/>
+              </a:rPr>
+              <a:t>(0, </a:t>
+            </a:r>
+            <a:r>
+              <a:rPr lang="en-US" altLang="zh-CN" dirty="0" err="1">
+                <a:latin typeface="宋体" panose="02010600030101010101" pitchFamily="2" charset="-122"/>
+                <a:ea typeface="宋体" panose="02010600030101010101" pitchFamily="2" charset="-122"/>
+              </a:rPr>
+              <a:t>tk.END</a:t>
+            </a:r>
+            <a:r>
+              <a:rPr lang="en-US" altLang="zh-CN" dirty="0">
+                <a:latin typeface="宋体" panose="02010600030101010101" pitchFamily="2" charset="-122"/>
+                <a:ea typeface="宋体" panose="02010600030101010101" pitchFamily="2" charset="-122"/>
+              </a:rPr>
+              <a:t>)</a:t>
+            </a:r>
+          </a:p>
+          <a:p>
+            <a:pPr lvl="2"/>
+            <a:r>
+              <a:rPr lang="en-US" altLang="zh-CN" dirty="0">
+                <a:latin typeface="宋体" panose="02010600030101010101" pitchFamily="2" charset="-122"/>
+                <a:ea typeface="宋体" panose="02010600030101010101" pitchFamily="2" charset="-122"/>
+              </a:rPr>
+              <a:t># </a:t>
+            </a:r>
+            <a:r>
+              <a:rPr lang="zh-CN" altLang="en-US" dirty="0">
+                <a:latin typeface="宋体" panose="02010600030101010101" pitchFamily="2" charset="-122"/>
+                <a:ea typeface="宋体" panose="02010600030101010101" pitchFamily="2" charset="-122"/>
+              </a:rPr>
+              <a:t>将聊天记录存储到</a:t>
+            </a:r>
+            <a:r>
+              <a:rPr lang="en-US" altLang="zh-CN" dirty="0" err="1">
+                <a:latin typeface="宋体" panose="02010600030101010101" pitchFamily="2" charset="-122"/>
+                <a:ea typeface="宋体" panose="02010600030101010101" pitchFamily="2" charset="-122"/>
+              </a:rPr>
+              <a:t>chatHistory.json</a:t>
+            </a:r>
+            <a:r>
+              <a:rPr lang="zh-CN" altLang="en-US" dirty="0">
+                <a:latin typeface="宋体" panose="02010600030101010101" pitchFamily="2" charset="-122"/>
+                <a:ea typeface="宋体" panose="02010600030101010101" pitchFamily="2" charset="-122"/>
+              </a:rPr>
+              <a:t>文件中</a:t>
+            </a:r>
+          </a:p>
+          <a:p>
+            <a:pPr lvl="2"/>
+            <a:r>
+              <a:rPr lang="en-US" altLang="zh-CN" dirty="0">
+                <a:latin typeface="宋体" panose="02010600030101010101" pitchFamily="2" charset="-122"/>
+                <a:ea typeface="宋体" panose="02010600030101010101" pitchFamily="2" charset="-122"/>
+              </a:rPr>
+              <a:t>with open(f"{</a:t>
+            </a:r>
+            <a:r>
+              <a:rPr lang="en-US" altLang="zh-CN" dirty="0" err="1">
+                <a:latin typeface="宋体" panose="02010600030101010101" pitchFamily="2" charset="-122"/>
+                <a:ea typeface="宋体" panose="02010600030101010101" pitchFamily="2" charset="-122"/>
+              </a:rPr>
+              <a:t>self.username</a:t>
+            </a:r>
+            <a:r>
+              <a:rPr lang="en-US" altLang="zh-CN" dirty="0">
+                <a:latin typeface="宋体" panose="02010600030101010101" pitchFamily="2" charset="-122"/>
+                <a:ea typeface="宋体" panose="02010600030101010101" pitchFamily="2" charset="-122"/>
+              </a:rPr>
+              <a:t>}_</a:t>
+            </a:r>
+            <a:r>
+              <a:rPr lang="en-US" altLang="zh-CN" dirty="0" err="1">
+                <a:latin typeface="宋体" panose="02010600030101010101" pitchFamily="2" charset="-122"/>
+                <a:ea typeface="宋体" panose="02010600030101010101" pitchFamily="2" charset="-122"/>
+              </a:rPr>
+              <a:t>chatHistory.json</a:t>
+            </a:r>
+            <a:r>
+              <a:rPr lang="en-US" altLang="zh-CN" dirty="0">
+                <a:latin typeface="宋体" panose="02010600030101010101" pitchFamily="2" charset="-122"/>
+                <a:ea typeface="宋体" panose="02010600030101010101" pitchFamily="2" charset="-122"/>
+              </a:rPr>
+              <a:t>", 'w') as f:</a:t>
+            </a:r>
+          </a:p>
+          <a:p>
+            <a:pPr lvl="2"/>
+            <a:r>
+              <a:rPr lang="en-US" altLang="zh-CN" dirty="0">
+                <a:latin typeface="宋体" panose="02010600030101010101" pitchFamily="2" charset="-122"/>
+                <a:ea typeface="宋体" panose="02010600030101010101" pitchFamily="2" charset="-122"/>
+              </a:rPr>
+              <a:t>        </a:t>
+            </a:r>
+            <a:r>
+              <a:rPr lang="en-US" altLang="zh-CN" dirty="0" err="1">
+                <a:latin typeface="宋体" panose="02010600030101010101" pitchFamily="2" charset="-122"/>
+                <a:ea typeface="宋体" panose="02010600030101010101" pitchFamily="2" charset="-122"/>
+              </a:rPr>
+              <a:t>json.dump</a:t>
+            </a:r>
+            <a:r>
+              <a:rPr lang="en-US" altLang="zh-CN" dirty="0">
+                <a:latin typeface="宋体" panose="02010600030101010101" pitchFamily="2" charset="-122"/>
+                <a:ea typeface="宋体" panose="02010600030101010101" pitchFamily="2" charset="-122"/>
+              </a:rPr>
+              <a:t>(</a:t>
+            </a:r>
+            <a:r>
+              <a:rPr lang="en-US" altLang="zh-CN" dirty="0" err="1">
+                <a:latin typeface="宋体" panose="02010600030101010101" pitchFamily="2" charset="-122"/>
+                <a:ea typeface="宋体" panose="02010600030101010101" pitchFamily="2" charset="-122"/>
+              </a:rPr>
+              <a:t>self.chat_history</a:t>
+            </a:r>
+            <a:r>
+              <a:rPr lang="en-US" altLang="zh-CN" dirty="0">
+                <a:latin typeface="宋体" panose="02010600030101010101" pitchFamily="2" charset="-122"/>
+                <a:ea typeface="宋体" panose="02010600030101010101" pitchFamily="2" charset="-122"/>
+              </a:rPr>
+              <a:t>, f, indent=4)</a:t>
+            </a:r>
+          </a:p>
+          <a:p>
+            <a:pPr lvl="2"/>
+            <a:endParaRPr lang="en-US" altLang="zh-CN" dirty="0">
+              <a:latin typeface="宋体" panose="02010600030101010101" pitchFamily="2" charset="-122"/>
+              <a:ea typeface="宋体" panose="02010600030101010101" pitchFamily="2" charset="-122"/>
+            </a:endParaRPr>
+          </a:p>
+          <a:p>
+            <a:pPr lvl="2"/>
+            <a:r>
+              <a:rPr lang="en-US" altLang="zh-CN" dirty="0">
+                <a:latin typeface="宋体" panose="02010600030101010101" pitchFamily="2" charset="-122"/>
+                <a:ea typeface="宋体" panose="02010600030101010101" pitchFamily="2" charset="-122"/>
+              </a:rPr>
+              <a:t># </a:t>
+            </a:r>
+            <a:r>
+              <a:rPr lang="zh-CN" altLang="en-US" dirty="0">
+                <a:latin typeface="宋体" panose="02010600030101010101" pitchFamily="2" charset="-122"/>
+                <a:ea typeface="宋体" panose="02010600030101010101" pitchFamily="2" charset="-122"/>
+              </a:rPr>
+              <a:t>模拟回复</a:t>
+            </a:r>
+          </a:p>
+          <a:p>
+            <a:pPr lvl="2"/>
+            <a:r>
+              <a:rPr lang="en-US" altLang="zh-CN" dirty="0" err="1">
+                <a:latin typeface="宋体" panose="02010600030101010101" pitchFamily="2" charset="-122"/>
+                <a:ea typeface="宋体" panose="02010600030101010101" pitchFamily="2" charset="-122"/>
+              </a:rPr>
+              <a:t>self.root.after</a:t>
+            </a:r>
+            <a:r>
+              <a:rPr lang="en-US" altLang="zh-CN" dirty="0">
+                <a:latin typeface="宋体" panose="02010600030101010101" pitchFamily="2" charset="-122"/>
+                <a:ea typeface="宋体" panose="02010600030101010101" pitchFamily="2" charset="-122"/>
+              </a:rPr>
+              <a:t>(1000, </a:t>
+            </a:r>
+            <a:r>
+              <a:rPr lang="en-US" altLang="zh-CN" dirty="0" err="1">
+                <a:latin typeface="宋体" panose="02010600030101010101" pitchFamily="2" charset="-122"/>
+                <a:ea typeface="宋体" panose="02010600030101010101" pitchFamily="2" charset="-122"/>
+              </a:rPr>
+              <a:t>self.simulate_reply</a:t>
+            </a:r>
+            <a:r>
+              <a:rPr lang="en-US" altLang="zh-CN" dirty="0">
+                <a:latin typeface="宋体" panose="02010600030101010101" pitchFamily="2" charset="-122"/>
+                <a:ea typeface="宋体" panose="02010600030101010101" pitchFamily="2" charset="-122"/>
+              </a:rPr>
+              <a:t>)</a:t>
+            </a:r>
+          </a:p>
+        </p:txBody>
+      </p:sp>
+    </p:spTree>
+    <p:extLst>
+      <p:ext uri="{BB962C8B-B14F-4D97-AF65-F5344CB8AC3E}">
+        <p14:creationId xmlns:p14="http://schemas.microsoft.com/office/powerpoint/2010/main" val="1970918005"/>
+      </p:ext>
+    </p:extLst>
+  </p:cSld>
+  <p:clrMapOvr>
+    <a:masterClrMapping/>
+  </p:clrMapOvr>
+</p:sld>
+</file>
+
+<file path=ppt/slides/slide44.xml><?xml version="1.0" encoding="utf-8"?>
+<p:sld xmlns:a="http://schemas.openxmlformats.org/drawingml/2006/main" xmlns:r="http://schemas.openxmlformats.org/officeDocument/2006/relationships" xmlns:p="http://schemas.openxmlformats.org/presentationml/2006/main">
+  <p:cSld>
+    <p:spTree>
+      <p:nvGrpSpPr>
+        <p:cNvPr id="1" name="">
+          <a:extLst>
+            <a:ext uri="{FF2B5EF4-FFF2-40B4-BE49-F238E27FC236}">
               <a16:creationId xmlns:a16="http://schemas.microsoft.com/office/drawing/2014/main" id="{2AE1B415-AD94-6787-7CED-3A6612BD9524}"/>
             </a:ext>
           </a:extLst>
@@ -18458,7 +19657,7 @@
 </p:sld>
 </file>
 
-<file path=ppt/slides/slide41.xml><?xml version="1.0" encoding="utf-8"?>
+<file path=ppt/slides/slide45.xml><?xml version="1.0" encoding="utf-8"?>
 <p:sld xmlns:a="http://schemas.openxmlformats.org/drawingml/2006/main" xmlns:r="http://schemas.openxmlformats.org/officeDocument/2006/relationships" xmlns:p="http://schemas.openxmlformats.org/presentationml/2006/main">
   <p:cSld>
     <p:spTree>
@@ -19011,7 +20210,7 @@
 </p:sld>
 </file>
 
-<file path=ppt/slides/slide42.xml><?xml version="1.0" encoding="utf-8"?>
+<file path=ppt/slides/slide46.xml><?xml version="1.0" encoding="utf-8"?>
 <p:sld xmlns:a="http://schemas.openxmlformats.org/drawingml/2006/main" xmlns:r="http://schemas.openxmlformats.org/officeDocument/2006/relationships" xmlns:p="http://schemas.openxmlformats.org/presentationml/2006/main">
   <p:cSld>
     <p:spTree>
@@ -19108,7 +20307,7 @@
 </p:sld>
 </file>
 
-<file path=ppt/slides/slide43.xml><?xml version="1.0" encoding="utf-8"?>
+<file path=ppt/slides/slide47.xml><?xml version="1.0" encoding="utf-8"?>
 <p:sld xmlns:a="http://schemas.openxmlformats.org/drawingml/2006/main" xmlns:r="http://schemas.openxmlformats.org/officeDocument/2006/relationships" xmlns:p="http://schemas.openxmlformats.org/presentationml/2006/main">
   <p:cSld>
     <p:spTree>
@@ -19205,7 +20404,7 @@
 </p:sld>
 </file>
 
-<file path=ppt/slides/slide44.xml><?xml version="1.0" encoding="utf-8"?>
+<file path=ppt/slides/slide48.xml><?xml version="1.0" encoding="utf-8"?>
 <p:sld xmlns:a="http://schemas.openxmlformats.org/drawingml/2006/main" xmlns:r="http://schemas.openxmlformats.org/officeDocument/2006/relationships" xmlns:p="http://schemas.openxmlformats.org/presentationml/2006/main">
   <p:cSld>
     <p:spTree>
@@ -19302,7 +20501,7 @@
 </p:sld>
 </file>
 
-<file path=ppt/slides/slide45.xml><?xml version="1.0" encoding="utf-8"?>
+<file path=ppt/slides/slide49.xml><?xml version="1.0" encoding="utf-8"?>
 <p:sld xmlns:a="http://schemas.openxmlformats.org/drawingml/2006/main" xmlns:r="http://schemas.openxmlformats.org/officeDocument/2006/relationships" xmlns:p="http://schemas.openxmlformats.org/presentationml/2006/main">
   <p:cSld>
     <p:spTree>
@@ -19390,103 +20589,6 @@
     <p:extLst>
       <p:ext uri="{BB962C8B-B14F-4D97-AF65-F5344CB8AC3E}">
         <p14:creationId xmlns:p14="http://schemas.microsoft.com/office/powerpoint/2010/main" val="4244777098"/>
-      </p:ext>
-    </p:extLst>
-  </p:cSld>
-  <p:clrMapOvr>
-    <a:masterClrMapping/>
-  </p:clrMapOvr>
-</p:sld>
-</file>
-
-<file path=ppt/slides/slide46.xml><?xml version="1.0" encoding="utf-8"?>
-<p:sld xmlns:a="http://schemas.openxmlformats.org/drawingml/2006/main" xmlns:r="http://schemas.openxmlformats.org/officeDocument/2006/relationships" xmlns:p="http://schemas.openxmlformats.org/presentationml/2006/main">
-  <p:cSld>
-    <p:spTree>
-      <p:nvGrpSpPr>
-        <p:cNvPr id="1" name="">
-          <a:extLst>
-            <a:ext uri="{FF2B5EF4-FFF2-40B4-BE49-F238E27FC236}">
-              <a16:creationId xmlns:a16="http://schemas.microsoft.com/office/drawing/2014/main" id="{36AB8916-5FDE-49C2-324D-F888D04372B1}"/>
-            </a:ext>
-          </a:extLst>
-        </p:cNvPr>
-        <p:cNvGrpSpPr/>
-        <p:nvPr/>
-      </p:nvGrpSpPr>
-      <p:grpSpPr>
-        <a:xfrm>
-          <a:off x="0" y="0"/>
-          <a:ext cx="0" cy="0"/>
-          <a:chOff x="0" y="0"/>
-          <a:chExt cx="0" cy="0"/>
-        </a:xfrm>
-      </p:grpSpPr>
-      <p:sp>
-        <p:nvSpPr>
-          <p:cNvPr id="2" name="标题 1">
-            <a:extLst>
-              <a:ext uri="{FF2B5EF4-FFF2-40B4-BE49-F238E27FC236}">
-                <a16:creationId xmlns:a16="http://schemas.microsoft.com/office/drawing/2014/main" id="{6B83DEC3-90D2-2282-298A-F74CC50CC8E4}"/>
-              </a:ext>
-            </a:extLst>
-          </p:cNvPr>
-          <p:cNvSpPr>
-            <a:spLocks noGrp="1"/>
-          </p:cNvSpPr>
-          <p:nvPr>
-            <p:ph type="title"/>
-          </p:nvPr>
-        </p:nvSpPr>
-        <p:spPr/>
-        <p:txBody>
-          <a:bodyPr>
-            <a:normAutofit/>
-          </a:bodyPr>
-          <a:lstStyle/>
-          <a:p>
-            <a:r>
-              <a:rPr lang="zh-CN" altLang="en-US" sz="5400" dirty="0">
-                <a:latin typeface="宋体" panose="02010600030101010101" pitchFamily="2" charset="-122"/>
-                <a:ea typeface="宋体" panose="02010600030101010101" pitchFamily="2" charset="-122"/>
-              </a:rPr>
-              <a:t>在线状态显示</a:t>
-            </a:r>
-          </a:p>
-        </p:txBody>
-      </p:sp>
-      <p:sp>
-        <p:nvSpPr>
-          <p:cNvPr id="3" name="内容占位符 2">
-            <a:extLst>
-              <a:ext uri="{FF2B5EF4-FFF2-40B4-BE49-F238E27FC236}">
-                <a16:creationId xmlns:a16="http://schemas.microsoft.com/office/drawing/2014/main" id="{0360F7CC-A1E5-4574-CFF4-8FF435AB8546}"/>
-              </a:ext>
-            </a:extLst>
-          </p:cNvPr>
-          <p:cNvSpPr>
-            <a:spLocks noGrp="1"/>
-          </p:cNvSpPr>
-          <p:nvPr>
-            <p:ph idx="1"/>
-          </p:nvPr>
-        </p:nvSpPr>
-        <p:spPr/>
-        <p:txBody>
-          <a:bodyPr/>
-          <a:lstStyle/>
-          <a:p>
-            <a:endParaRPr lang="zh-CN" altLang="en-US" dirty="0">
-              <a:latin typeface="宋体" panose="02010600030101010101" pitchFamily="2" charset="-122"/>
-              <a:ea typeface="宋体" panose="02010600030101010101" pitchFamily="2" charset="-122"/>
-            </a:endParaRPr>
-          </a:p>
-        </p:txBody>
-      </p:sp>
-    </p:spTree>
-    <p:extLst>
-      <p:ext uri="{BB962C8B-B14F-4D97-AF65-F5344CB8AC3E}">
-        <p14:creationId xmlns:p14="http://schemas.microsoft.com/office/powerpoint/2010/main" val="1924017834"/>
       </p:ext>
     </p:extLst>
   </p:cSld>
@@ -19703,6 +20805,103 @@
     <p:extLst>
       <p:ext uri="{BB962C8B-B14F-4D97-AF65-F5344CB8AC3E}">
         <p14:creationId xmlns:p14="http://schemas.microsoft.com/office/powerpoint/2010/main" val="2476404813"/>
+      </p:ext>
+    </p:extLst>
+  </p:cSld>
+  <p:clrMapOvr>
+    <a:masterClrMapping/>
+  </p:clrMapOvr>
+</p:sld>
+</file>
+
+<file path=ppt/slides/slide50.xml><?xml version="1.0" encoding="utf-8"?>
+<p:sld xmlns:a="http://schemas.openxmlformats.org/drawingml/2006/main" xmlns:r="http://schemas.openxmlformats.org/officeDocument/2006/relationships" xmlns:p="http://schemas.openxmlformats.org/presentationml/2006/main">
+  <p:cSld>
+    <p:spTree>
+      <p:nvGrpSpPr>
+        <p:cNvPr id="1" name="">
+          <a:extLst>
+            <a:ext uri="{FF2B5EF4-FFF2-40B4-BE49-F238E27FC236}">
+              <a16:creationId xmlns:a16="http://schemas.microsoft.com/office/drawing/2014/main" id="{36AB8916-5FDE-49C2-324D-F888D04372B1}"/>
+            </a:ext>
+          </a:extLst>
+        </p:cNvPr>
+        <p:cNvGrpSpPr/>
+        <p:nvPr/>
+      </p:nvGrpSpPr>
+      <p:grpSpPr>
+        <a:xfrm>
+          <a:off x="0" y="0"/>
+          <a:ext cx="0" cy="0"/>
+          <a:chOff x="0" y="0"/>
+          <a:chExt cx="0" cy="0"/>
+        </a:xfrm>
+      </p:grpSpPr>
+      <p:sp>
+        <p:nvSpPr>
+          <p:cNvPr id="2" name="标题 1">
+            <a:extLst>
+              <a:ext uri="{FF2B5EF4-FFF2-40B4-BE49-F238E27FC236}">
+                <a16:creationId xmlns:a16="http://schemas.microsoft.com/office/drawing/2014/main" id="{6B83DEC3-90D2-2282-298A-F74CC50CC8E4}"/>
+              </a:ext>
+            </a:extLst>
+          </p:cNvPr>
+          <p:cNvSpPr>
+            <a:spLocks noGrp="1"/>
+          </p:cNvSpPr>
+          <p:nvPr>
+            <p:ph type="title"/>
+          </p:nvPr>
+        </p:nvSpPr>
+        <p:spPr/>
+        <p:txBody>
+          <a:bodyPr>
+            <a:normAutofit/>
+          </a:bodyPr>
+          <a:lstStyle/>
+          <a:p>
+            <a:r>
+              <a:rPr lang="zh-CN" altLang="en-US" sz="5400" dirty="0">
+                <a:latin typeface="宋体" panose="02010600030101010101" pitchFamily="2" charset="-122"/>
+                <a:ea typeface="宋体" panose="02010600030101010101" pitchFamily="2" charset="-122"/>
+              </a:rPr>
+              <a:t>在线状态显示</a:t>
+            </a:r>
+          </a:p>
+        </p:txBody>
+      </p:sp>
+      <p:sp>
+        <p:nvSpPr>
+          <p:cNvPr id="3" name="内容占位符 2">
+            <a:extLst>
+              <a:ext uri="{FF2B5EF4-FFF2-40B4-BE49-F238E27FC236}">
+                <a16:creationId xmlns:a16="http://schemas.microsoft.com/office/drawing/2014/main" id="{0360F7CC-A1E5-4574-CFF4-8FF435AB8546}"/>
+              </a:ext>
+            </a:extLst>
+          </p:cNvPr>
+          <p:cNvSpPr>
+            <a:spLocks noGrp="1"/>
+          </p:cNvSpPr>
+          <p:nvPr>
+            <p:ph idx="1"/>
+          </p:nvPr>
+        </p:nvSpPr>
+        <p:spPr/>
+        <p:txBody>
+          <a:bodyPr/>
+          <a:lstStyle/>
+          <a:p>
+            <a:endParaRPr lang="zh-CN" altLang="en-US" dirty="0">
+              <a:latin typeface="宋体" panose="02010600030101010101" pitchFamily="2" charset="-122"/>
+              <a:ea typeface="宋体" panose="02010600030101010101" pitchFamily="2" charset="-122"/>
+            </a:endParaRPr>
+          </a:p>
+        </p:txBody>
+      </p:sp>
+    </p:spTree>
+    <p:extLst>
+      <p:ext uri="{BB962C8B-B14F-4D97-AF65-F5344CB8AC3E}">
+        <p14:creationId xmlns:p14="http://schemas.microsoft.com/office/powerpoint/2010/main" val="1924017834"/>
       </p:ext>
     </p:extLst>
   </p:cSld>
